--- a/slide/steamworkk.pptx
+++ b/slide/steamworkk.pptx
@@ -13,10 +13,9 @@
     <p:sldId id="4122" r:id="rId7"/>
     <p:sldId id="266" r:id="rId8"/>
     <p:sldId id="267" r:id="rId9"/>
-    <p:sldId id="268" r:id="rId10"/>
-    <p:sldId id="269" r:id="rId11"/>
-    <p:sldId id="4114" r:id="rId12"/>
-    <p:sldId id="4097" r:id="rId13"/>
+    <p:sldId id="269" r:id="rId10"/>
+    <p:sldId id="4114" r:id="rId11"/>
+    <p:sldId id="4097" r:id="rId12"/>
   </p:sldIdLst>
   <p:sldSz cx="12192000" cy="6858000"/>
   <p:notesSz cx="6858000" cy="9144000"/>
@@ -296,7 +295,7 @@
           <a:p>
             <a:fld id="{7F4B90AC-B7A9-4F55-BAEC-700DA36BF38F}" type="datetimeFigureOut">
               <a:rPr lang="en-US" smtClean="0"/>
-              <a:t>8/25/2023</a:t>
+              <a:t>8/26/2023</a:t>
             </a:fld>
             <a:endParaRPr lang="en-US"/>
           </a:p>
@@ -494,7 +493,7 @@
           <a:p>
             <a:fld id="{7F4B90AC-B7A9-4F55-BAEC-700DA36BF38F}" type="datetimeFigureOut">
               <a:rPr lang="en-US" smtClean="0"/>
-              <a:t>8/25/2023</a:t>
+              <a:t>8/26/2023</a:t>
             </a:fld>
             <a:endParaRPr lang="en-US"/>
           </a:p>
@@ -702,7 +701,7 @@
           <a:p>
             <a:fld id="{7F4B90AC-B7A9-4F55-BAEC-700DA36BF38F}" type="datetimeFigureOut">
               <a:rPr lang="en-US" smtClean="0"/>
-              <a:t>8/25/2023</a:t>
+              <a:t>8/26/2023</a:t>
             </a:fld>
             <a:endParaRPr lang="en-US"/>
           </a:p>
@@ -930,7 +929,7 @@
           <a:p>
             <a:fld id="{7F4B90AC-B7A9-4F55-BAEC-700DA36BF38F}" type="datetimeFigureOut">
               <a:rPr lang="en-US" smtClean="0"/>
-              <a:t>8/25/2023</a:t>
+              <a:t>8/26/2023</a:t>
             </a:fld>
             <a:endParaRPr lang="en-US"/>
           </a:p>
@@ -1205,7 +1204,7 @@
           <a:p>
             <a:fld id="{7F4B90AC-B7A9-4F55-BAEC-700DA36BF38F}" type="datetimeFigureOut">
               <a:rPr lang="en-US" smtClean="0"/>
-              <a:t>8/25/2023</a:t>
+              <a:t>8/26/2023</a:t>
             </a:fld>
             <a:endParaRPr lang="en-US"/>
           </a:p>
@@ -1470,7 +1469,7 @@
           <a:p>
             <a:fld id="{7F4B90AC-B7A9-4F55-BAEC-700DA36BF38F}" type="datetimeFigureOut">
               <a:rPr lang="en-US" smtClean="0"/>
-              <a:t>8/25/2023</a:t>
+              <a:t>8/26/2023</a:t>
             </a:fld>
             <a:endParaRPr lang="en-US"/>
           </a:p>
@@ -1882,7 +1881,7 @@
           <a:p>
             <a:fld id="{7F4B90AC-B7A9-4F55-BAEC-700DA36BF38F}" type="datetimeFigureOut">
               <a:rPr lang="en-US" smtClean="0"/>
-              <a:t>8/25/2023</a:t>
+              <a:t>8/26/2023</a:t>
             </a:fld>
             <a:endParaRPr lang="en-US"/>
           </a:p>
@@ -2023,7 +2022,7 @@
           <a:p>
             <a:fld id="{7F4B90AC-B7A9-4F55-BAEC-700DA36BF38F}" type="datetimeFigureOut">
               <a:rPr lang="en-US" smtClean="0"/>
-              <a:t>8/25/2023</a:t>
+              <a:t>8/26/2023</a:t>
             </a:fld>
             <a:endParaRPr lang="en-US"/>
           </a:p>
@@ -2136,7 +2135,7 @@
           <a:p>
             <a:fld id="{7F4B90AC-B7A9-4F55-BAEC-700DA36BF38F}" type="datetimeFigureOut">
               <a:rPr lang="en-US" smtClean="0"/>
-              <a:t>8/25/2023</a:t>
+              <a:t>8/26/2023</a:t>
             </a:fld>
             <a:endParaRPr lang="en-US"/>
           </a:p>
@@ -2447,7 +2446,7 @@
           <a:p>
             <a:fld id="{7F4B90AC-B7A9-4F55-BAEC-700DA36BF38F}" type="datetimeFigureOut">
               <a:rPr lang="en-US" smtClean="0"/>
-              <a:t>8/25/2023</a:t>
+              <a:t>8/26/2023</a:t>
             </a:fld>
             <a:endParaRPr lang="en-US"/>
           </a:p>
@@ -2735,7 +2734,7 @@
           <a:p>
             <a:fld id="{7F4B90AC-B7A9-4F55-BAEC-700DA36BF38F}" type="datetimeFigureOut">
               <a:rPr lang="en-US" smtClean="0"/>
-              <a:t>8/25/2023</a:t>
+              <a:t>8/26/2023</a:t>
             </a:fld>
             <a:endParaRPr lang="en-US"/>
           </a:p>
@@ -2976,7 +2975,7 @@
           <a:p>
             <a:fld id="{7F4B90AC-B7A9-4F55-BAEC-700DA36BF38F}" type="datetimeFigureOut">
               <a:rPr lang="en-US" smtClean="0"/>
-              <a:t>8/25/2023</a:t>
+              <a:t>8/26/2023</a:t>
             </a:fld>
             <a:endParaRPr lang="en-US"/>
           </a:p>
@@ -3566,954 +3565,6 @@
 </file>
 
 <file path=ppt/slides/slide10.xml><?xml version="1.0" encoding="utf-8"?>
-<p:sld xmlns:a="http://schemas.openxmlformats.org/drawingml/2006/main" xmlns:r="http://schemas.openxmlformats.org/officeDocument/2006/relationships" xmlns:p="http://schemas.openxmlformats.org/presentationml/2006/main">
-  <p:cSld>
-    <p:spTree>
-      <p:nvGrpSpPr>
-        <p:cNvPr id="1" name=""/>
-        <p:cNvGrpSpPr/>
-        <p:nvPr/>
-      </p:nvGrpSpPr>
-      <p:grpSpPr>
-        <a:xfrm>
-          <a:off x="0" y="0"/>
-          <a:ext cx="0" cy="0"/>
-          <a:chOff x="0" y="0"/>
-          <a:chExt cx="0" cy="0"/>
-        </a:xfrm>
-      </p:grpSpPr>
-      <p:sp>
-        <p:nvSpPr>
-          <p:cNvPr id="22" name="Rectangle: Rounded Corners 21">
-            <a:extLst>
-              <a:ext uri="{FF2B5EF4-FFF2-40B4-BE49-F238E27FC236}">
-                <a16:creationId xmlns:a16="http://schemas.microsoft.com/office/drawing/2014/main" id="{6BCF744B-04B7-05F1-E4BB-D51099714F95}"/>
-              </a:ext>
-            </a:extLst>
-          </p:cNvPr>
-          <p:cNvSpPr/>
-          <p:nvPr/>
-        </p:nvSpPr>
-        <p:spPr>
-          <a:xfrm>
-            <a:off x="1604595" y="4346881"/>
-            <a:ext cx="3477359" cy="1872762"/>
-          </a:xfrm>
-          <a:prstGeom prst="roundRect">
-            <a:avLst/>
-          </a:prstGeom>
-          <a:solidFill>
-            <a:srgbClr val="FFFF00"/>
-          </a:solidFill>
-        </p:spPr>
-        <p:style>
-          <a:lnRef idx="2">
-            <a:schemeClr val="accent1">
-              <a:shade val="15000"/>
-            </a:schemeClr>
-          </a:lnRef>
-          <a:fillRef idx="1">
-            <a:schemeClr val="accent1"/>
-          </a:fillRef>
-          <a:effectRef idx="0">
-            <a:schemeClr val="accent1"/>
-          </a:effectRef>
-          <a:fontRef idx="minor">
-            <a:schemeClr val="lt1"/>
-          </a:fontRef>
-        </p:style>
-        <p:txBody>
-          <a:bodyPr rtlCol="0" anchor="ctr"/>
-          <a:lstStyle/>
-          <a:p>
-            <a:pPr algn="ctr"/>
-            <a:endParaRPr lang="en-US" dirty="0">
-              <a:latin typeface="Bahnschrift SemiBold" panose="020B0502040204020203" pitchFamily="34" charset="0"/>
-            </a:endParaRPr>
-          </a:p>
-        </p:txBody>
-      </p:sp>
-      <p:sp>
-        <p:nvSpPr>
-          <p:cNvPr id="2" name="Title 1">
-            <a:extLst>
-              <a:ext uri="{FF2B5EF4-FFF2-40B4-BE49-F238E27FC236}">
-                <a16:creationId xmlns:a16="http://schemas.microsoft.com/office/drawing/2014/main" id="{70D1426D-6951-51D1-AF5D-71FCE2BF63F2}"/>
-              </a:ext>
-            </a:extLst>
-          </p:cNvPr>
-          <p:cNvSpPr>
-            <a:spLocks noGrp="1"/>
-          </p:cNvSpPr>
-          <p:nvPr>
-            <p:ph type="title"/>
-          </p:nvPr>
-        </p:nvSpPr>
-        <p:spPr>
-          <a:xfrm>
-            <a:off x="332734" y="307339"/>
-            <a:ext cx="6874268" cy="1322996"/>
-          </a:xfrm>
-        </p:spPr>
-        <p:txBody>
-          <a:bodyPr>
-            <a:normAutofit/>
-          </a:bodyPr>
-          <a:lstStyle/>
-          <a:p>
-            <a:r>
-              <a:rPr lang="en-US" sz="4000" spc="-150" dirty="0">
-                <a:solidFill>
-                  <a:schemeClr val="accent5"/>
-                </a:solidFill>
-                <a:latin typeface="Cascadia Code" panose="020B0609020000020004" pitchFamily="49" charset="0"/>
-                <a:ea typeface="Cascadia Code" panose="020B0609020000020004" pitchFamily="49" charset="0"/>
-                <a:cs typeface="Cascadia Code" panose="020B0609020000020004" pitchFamily="49" charset="0"/>
-              </a:rPr>
-              <a:t>Milestone &amp; Future plan</a:t>
-            </a:r>
-            <a:br>
-              <a:rPr lang="en-US" sz="4000" spc="-150" dirty="0">
-                <a:latin typeface="Cascadia Code" panose="020B0609020000020004" pitchFamily="49" charset="0"/>
-                <a:ea typeface="Cascadia Code" panose="020B0609020000020004" pitchFamily="49" charset="0"/>
-                <a:cs typeface="Cascadia Code" panose="020B0609020000020004" pitchFamily="49" charset="0"/>
-              </a:rPr>
-            </a:br>
-            <a:endParaRPr lang="en-US" sz="4000" spc="-150" dirty="0">
-              <a:latin typeface="Cascadia Code" panose="020B0609020000020004" pitchFamily="49" charset="0"/>
-              <a:ea typeface="Cascadia Code" panose="020B0609020000020004" pitchFamily="49" charset="0"/>
-              <a:cs typeface="Cascadia Code" panose="020B0609020000020004" pitchFamily="49" charset="0"/>
-            </a:endParaRPr>
-          </a:p>
-        </p:txBody>
-      </p:sp>
-      <p:sp>
-        <p:nvSpPr>
-          <p:cNvPr id="5" name="Rectangle 4">
-            <a:extLst>
-              <a:ext uri="{FF2B5EF4-FFF2-40B4-BE49-F238E27FC236}">
-                <a16:creationId xmlns:a16="http://schemas.microsoft.com/office/drawing/2014/main" id="{671D1F5D-F852-E302-4F42-C9FEA125CE8C}"/>
-              </a:ext>
-            </a:extLst>
-          </p:cNvPr>
-          <p:cNvSpPr/>
-          <p:nvPr/>
-        </p:nvSpPr>
-        <p:spPr>
-          <a:xfrm>
-            <a:off x="1611188" y="1529862"/>
-            <a:ext cx="3477359" cy="1510688"/>
-          </a:xfrm>
-          <a:prstGeom prst="rect">
-            <a:avLst/>
-          </a:prstGeom>
-        </p:spPr>
-        <p:style>
-          <a:lnRef idx="2">
-            <a:schemeClr val="accent1">
-              <a:shade val="15000"/>
-            </a:schemeClr>
-          </a:lnRef>
-          <a:fillRef idx="1">
-            <a:schemeClr val="accent1"/>
-          </a:fillRef>
-          <a:effectRef idx="0">
-            <a:schemeClr val="accent1"/>
-          </a:effectRef>
-          <a:fontRef idx="minor">
-            <a:schemeClr val="lt1"/>
-          </a:fontRef>
-        </p:style>
-        <p:txBody>
-          <a:bodyPr rtlCol="0" anchor="ctr"/>
-          <a:lstStyle/>
-          <a:p>
-            <a:pPr algn="ctr"/>
-            <a:r>
-              <a:rPr lang="en-US" sz="3600" dirty="0" err="1">
-                <a:latin typeface="Bahnschrift SemiBold" panose="020B0502040204020203" pitchFamily="34" charset="0"/>
-              </a:rPr>
-              <a:t>Hiện</a:t>
-            </a:r>
-            <a:r>
-              <a:rPr lang="en-US" sz="3600" dirty="0">
-                <a:latin typeface="Bahnschrift SemiBold" panose="020B0502040204020203" pitchFamily="34" charset="0"/>
-              </a:rPr>
-              <a:t> </a:t>
-            </a:r>
-            <a:r>
-              <a:rPr lang="en-US" sz="3600" dirty="0" err="1">
-                <a:latin typeface="Bahnschrift SemiBold" panose="020B0502040204020203" pitchFamily="34" charset="0"/>
-              </a:rPr>
-              <a:t>tại</a:t>
-            </a:r>
-            <a:endParaRPr lang="en-US" sz="3600" dirty="0">
-              <a:latin typeface="Bahnschrift SemiBold" panose="020B0502040204020203" pitchFamily="34" charset="0"/>
-            </a:endParaRPr>
-          </a:p>
-        </p:txBody>
-      </p:sp>
-      <p:sp>
-        <p:nvSpPr>
-          <p:cNvPr id="6" name="Rectangle: Rounded Corners 5">
-            <a:extLst>
-              <a:ext uri="{FF2B5EF4-FFF2-40B4-BE49-F238E27FC236}">
-                <a16:creationId xmlns:a16="http://schemas.microsoft.com/office/drawing/2014/main" id="{CC51ED1B-FAE1-EB48-523A-7F00F681B5A3}"/>
-              </a:ext>
-            </a:extLst>
-          </p:cNvPr>
-          <p:cNvSpPr/>
-          <p:nvPr/>
-        </p:nvSpPr>
-        <p:spPr>
-          <a:xfrm>
-            <a:off x="6096000" y="1037492"/>
-            <a:ext cx="4998097" cy="416382"/>
-          </a:xfrm>
-          <a:prstGeom prst="roundRect">
-            <a:avLst/>
-          </a:prstGeom>
-        </p:spPr>
-        <p:style>
-          <a:lnRef idx="2">
-            <a:schemeClr val="accent1">
-              <a:shade val="15000"/>
-            </a:schemeClr>
-          </a:lnRef>
-          <a:fillRef idx="1">
-            <a:schemeClr val="accent1"/>
-          </a:fillRef>
-          <a:effectRef idx="0">
-            <a:schemeClr val="accent1"/>
-          </a:effectRef>
-          <a:fontRef idx="minor">
-            <a:schemeClr val="lt1"/>
-          </a:fontRef>
-        </p:style>
-        <p:txBody>
-          <a:bodyPr rtlCol="0" anchor="ctr"/>
-          <a:lstStyle/>
-          <a:p>
-            <a:pPr algn="ctr"/>
-            <a:r>
-              <a:rPr lang="en-US" sz="2400" dirty="0">
-                <a:latin typeface="Bahnschrift SemiBold" panose="020B0502040204020203" pitchFamily="34" charset="0"/>
-              </a:rPr>
-              <a:t>4 </a:t>
-            </a:r>
-            <a:r>
-              <a:rPr lang="en-US" sz="2400" dirty="0" err="1">
-                <a:latin typeface="Bahnschrift SemiBold" panose="020B0502040204020203" pitchFamily="34" charset="0"/>
-              </a:rPr>
-              <a:t>bài</a:t>
-            </a:r>
-            <a:r>
-              <a:rPr lang="en-US" sz="2400" dirty="0">
-                <a:latin typeface="Bahnschrift SemiBold" panose="020B0502040204020203" pitchFamily="34" charset="0"/>
-              </a:rPr>
-              <a:t> </a:t>
-            </a:r>
-            <a:r>
-              <a:rPr lang="en-US" sz="2400" dirty="0" err="1">
-                <a:latin typeface="Bahnschrift SemiBold" panose="020B0502040204020203" pitchFamily="34" charset="0"/>
-              </a:rPr>
-              <a:t>học</a:t>
-            </a:r>
-            <a:r>
-              <a:rPr lang="en-US" sz="2400" dirty="0">
-                <a:latin typeface="Bahnschrift SemiBold" panose="020B0502040204020203" pitchFamily="34" charset="0"/>
-              </a:rPr>
-              <a:t> </a:t>
-            </a:r>
-            <a:r>
-              <a:rPr lang="en-US" sz="2400" dirty="0" err="1">
-                <a:latin typeface="Bahnschrift SemiBold" panose="020B0502040204020203" pitchFamily="34" charset="0"/>
-              </a:rPr>
-              <a:t>với</a:t>
-            </a:r>
-            <a:r>
-              <a:rPr lang="en-US" sz="2400" dirty="0">
-                <a:latin typeface="Bahnschrift SemiBold" panose="020B0502040204020203" pitchFamily="34" charset="0"/>
-              </a:rPr>
-              <a:t> </a:t>
-            </a:r>
-            <a:r>
-              <a:rPr lang="en-US" sz="2400" dirty="0" err="1">
-                <a:latin typeface="Bahnschrift SemiBold" panose="020B0502040204020203" pitchFamily="34" charset="0"/>
-              </a:rPr>
-              <a:t>các</a:t>
-            </a:r>
-            <a:r>
-              <a:rPr lang="en-US" sz="2400" dirty="0">
-                <a:latin typeface="Bahnschrift SemiBold" panose="020B0502040204020203" pitchFamily="34" charset="0"/>
-              </a:rPr>
-              <a:t> quiz </a:t>
-            </a:r>
-            <a:r>
-              <a:rPr lang="en-US" sz="2400" dirty="0" err="1">
-                <a:latin typeface="Bahnschrift SemiBold" panose="020B0502040204020203" pitchFamily="34" charset="0"/>
-              </a:rPr>
-              <a:t>đa</a:t>
-            </a:r>
-            <a:r>
-              <a:rPr lang="en-US" sz="2400" dirty="0">
-                <a:latin typeface="Bahnschrift SemiBold" panose="020B0502040204020203" pitchFamily="34" charset="0"/>
-              </a:rPr>
-              <a:t> </a:t>
-            </a:r>
-            <a:r>
-              <a:rPr lang="en-US" sz="2400" dirty="0" err="1">
-                <a:latin typeface="Bahnschrift SemiBold" panose="020B0502040204020203" pitchFamily="34" charset="0"/>
-              </a:rPr>
-              <a:t>dạng</a:t>
-            </a:r>
-            <a:endParaRPr lang="en-US" sz="2400" dirty="0">
-              <a:latin typeface="Bahnschrift SemiBold" panose="020B0502040204020203" pitchFamily="34" charset="0"/>
-            </a:endParaRPr>
-          </a:p>
-        </p:txBody>
-      </p:sp>
-      <p:sp>
-        <p:nvSpPr>
-          <p:cNvPr id="7" name="Rectangle: Rounded Corners 6">
-            <a:extLst>
-              <a:ext uri="{FF2B5EF4-FFF2-40B4-BE49-F238E27FC236}">
-                <a16:creationId xmlns:a16="http://schemas.microsoft.com/office/drawing/2014/main" id="{E46FEBEB-E063-216F-36FF-7FA627C04ED2}"/>
-              </a:ext>
-            </a:extLst>
-          </p:cNvPr>
-          <p:cNvSpPr/>
-          <p:nvPr/>
-        </p:nvSpPr>
-        <p:spPr>
-          <a:xfrm>
-            <a:off x="6096001" y="1746492"/>
-            <a:ext cx="4929551" cy="471987"/>
-          </a:xfrm>
-          <a:prstGeom prst="roundRect">
-            <a:avLst/>
-          </a:prstGeom>
-        </p:spPr>
-        <p:style>
-          <a:lnRef idx="2">
-            <a:schemeClr val="accent1">
-              <a:shade val="15000"/>
-            </a:schemeClr>
-          </a:lnRef>
-          <a:fillRef idx="1">
-            <a:schemeClr val="accent1"/>
-          </a:fillRef>
-          <a:effectRef idx="0">
-            <a:schemeClr val="accent1"/>
-          </a:effectRef>
-          <a:fontRef idx="minor">
-            <a:schemeClr val="lt1"/>
-          </a:fontRef>
-        </p:style>
-        <p:txBody>
-          <a:bodyPr rtlCol="0" anchor="ctr"/>
-          <a:lstStyle/>
-          <a:p>
-            <a:pPr algn="ctr"/>
-            <a:r>
-              <a:rPr lang="en-US" sz="2400" dirty="0">
-                <a:latin typeface="Bahnschrift SemiBold" panose="020B0502040204020203" pitchFamily="34" charset="0"/>
-              </a:rPr>
-              <a:t>Trailer game </a:t>
-            </a:r>
-            <a:r>
-              <a:rPr lang="en-US" sz="2400" dirty="0" err="1">
-                <a:latin typeface="Bahnschrift SemiBold" panose="020B0502040204020203" pitchFamily="34" charset="0"/>
-              </a:rPr>
-              <a:t>cuốn</a:t>
-            </a:r>
-            <a:r>
-              <a:rPr lang="en-US" sz="2400" dirty="0">
-                <a:latin typeface="Bahnschrift SemiBold" panose="020B0502040204020203" pitchFamily="34" charset="0"/>
-              </a:rPr>
-              <a:t> </a:t>
-            </a:r>
-            <a:r>
-              <a:rPr lang="en-US" sz="2400" dirty="0" err="1">
-                <a:latin typeface="Bahnschrift SemiBold" panose="020B0502040204020203" pitchFamily="34" charset="0"/>
-              </a:rPr>
-              <a:t>hút</a:t>
-            </a:r>
-            <a:endParaRPr lang="en-US" sz="2400" dirty="0">
-              <a:latin typeface="Bahnschrift SemiBold" panose="020B0502040204020203" pitchFamily="34" charset="0"/>
-            </a:endParaRPr>
-          </a:p>
-        </p:txBody>
-      </p:sp>
-      <p:sp>
-        <p:nvSpPr>
-          <p:cNvPr id="9" name="Rectangle: Rounded Corners 8">
-            <a:extLst>
-              <a:ext uri="{FF2B5EF4-FFF2-40B4-BE49-F238E27FC236}">
-                <a16:creationId xmlns:a16="http://schemas.microsoft.com/office/drawing/2014/main" id="{D3D307D5-F79A-86D1-967B-549F4FDE4BA7}"/>
-              </a:ext>
-            </a:extLst>
-          </p:cNvPr>
-          <p:cNvSpPr/>
-          <p:nvPr/>
-        </p:nvSpPr>
-        <p:spPr>
-          <a:xfrm>
-            <a:off x="6096000" y="2443286"/>
-            <a:ext cx="4929552" cy="437782"/>
-          </a:xfrm>
-          <a:prstGeom prst="roundRect">
-            <a:avLst/>
-          </a:prstGeom>
-        </p:spPr>
-        <p:style>
-          <a:lnRef idx="2">
-            <a:schemeClr val="accent1">
-              <a:shade val="15000"/>
-            </a:schemeClr>
-          </a:lnRef>
-          <a:fillRef idx="1">
-            <a:schemeClr val="accent1"/>
-          </a:fillRef>
-          <a:effectRef idx="0">
-            <a:schemeClr val="accent1"/>
-          </a:effectRef>
-          <a:fontRef idx="minor">
-            <a:schemeClr val="lt1"/>
-          </a:fontRef>
-        </p:style>
-        <p:txBody>
-          <a:bodyPr rtlCol="0" anchor="ctr"/>
-          <a:lstStyle/>
-          <a:p>
-            <a:pPr algn="ctr"/>
-            <a:r>
-              <a:rPr lang="en-US" sz="2400" dirty="0">
-                <a:latin typeface="Bahnschrift SemiBold" panose="020B0502040204020203" pitchFamily="34" charset="0"/>
-              </a:rPr>
-              <a:t>2 </a:t>
-            </a:r>
-            <a:r>
-              <a:rPr lang="en-US" sz="2400" dirty="0" err="1">
-                <a:latin typeface="Bahnschrift SemiBold" panose="020B0502040204020203" pitchFamily="34" charset="0"/>
-              </a:rPr>
-              <a:t>thử</a:t>
-            </a:r>
-            <a:r>
-              <a:rPr lang="en-US" sz="2400" dirty="0">
-                <a:latin typeface="Bahnschrift SemiBold" panose="020B0502040204020203" pitchFamily="34" charset="0"/>
-              </a:rPr>
-              <a:t> </a:t>
-            </a:r>
-            <a:r>
-              <a:rPr lang="en-US" sz="2400" dirty="0" err="1">
-                <a:latin typeface="Bahnschrift SemiBold" panose="020B0502040204020203" pitchFamily="34" charset="0"/>
-              </a:rPr>
-              <a:t>thách</a:t>
-            </a:r>
-            <a:r>
-              <a:rPr lang="en-US" sz="2400" dirty="0">
-                <a:latin typeface="Bahnschrift SemiBold" panose="020B0502040204020203" pitchFamily="34" charset="0"/>
-              </a:rPr>
-              <a:t>: </a:t>
-            </a:r>
-            <a:r>
-              <a:rPr lang="en-US" sz="2400" dirty="0" err="1">
-                <a:latin typeface="Bahnschrift SemiBold" panose="020B0502040204020203" pitchFamily="34" charset="0"/>
-              </a:rPr>
-              <a:t>phising</a:t>
-            </a:r>
-            <a:r>
-              <a:rPr lang="en-US" sz="2400" dirty="0">
-                <a:latin typeface="Bahnschrift SemiBold" panose="020B0502040204020203" pitchFamily="34" charset="0"/>
-              </a:rPr>
-              <a:t> </a:t>
-            </a:r>
-            <a:r>
-              <a:rPr lang="en-US" sz="2400" dirty="0" err="1">
-                <a:latin typeface="Bahnschrift SemiBold" panose="020B0502040204020203" pitchFamily="34" charset="0"/>
-              </a:rPr>
-              <a:t>và</a:t>
-            </a:r>
-            <a:r>
-              <a:rPr lang="en-US" sz="2400" dirty="0">
-                <a:latin typeface="Bahnschrift SemiBold" panose="020B0502040204020203" pitchFamily="34" charset="0"/>
-              </a:rPr>
-              <a:t> privacy</a:t>
-            </a:r>
-          </a:p>
-        </p:txBody>
-      </p:sp>
-      <p:sp>
-        <p:nvSpPr>
-          <p:cNvPr id="12" name="Rectangle 11">
-            <a:extLst>
-              <a:ext uri="{FF2B5EF4-FFF2-40B4-BE49-F238E27FC236}">
-                <a16:creationId xmlns:a16="http://schemas.microsoft.com/office/drawing/2014/main" id="{A40797D2-5EC5-CD88-7ABF-CBF924BE2F58}"/>
-              </a:ext>
-            </a:extLst>
-          </p:cNvPr>
-          <p:cNvSpPr/>
-          <p:nvPr/>
-        </p:nvSpPr>
-        <p:spPr>
-          <a:xfrm>
-            <a:off x="2022231" y="4783749"/>
-            <a:ext cx="2655275" cy="999026"/>
-          </a:xfrm>
-          <a:prstGeom prst="rect">
-            <a:avLst/>
-          </a:prstGeom>
-        </p:spPr>
-        <p:style>
-          <a:lnRef idx="2">
-            <a:schemeClr val="accent1">
-              <a:shade val="15000"/>
-            </a:schemeClr>
-          </a:lnRef>
-          <a:fillRef idx="1">
-            <a:schemeClr val="accent1"/>
-          </a:fillRef>
-          <a:effectRef idx="0">
-            <a:schemeClr val="accent1"/>
-          </a:effectRef>
-          <a:fontRef idx="minor">
-            <a:schemeClr val="lt1"/>
-          </a:fontRef>
-        </p:style>
-        <p:txBody>
-          <a:bodyPr rtlCol="0" anchor="ctr"/>
-          <a:lstStyle/>
-          <a:p>
-            <a:pPr algn="ctr"/>
-            <a:r>
-              <a:rPr lang="en-US" sz="3600" dirty="0" err="1">
-                <a:latin typeface="Bahnschrift SemiBold" panose="020B0502040204020203" pitchFamily="34" charset="0"/>
-              </a:rPr>
-              <a:t>Tương</a:t>
-            </a:r>
-            <a:r>
-              <a:rPr lang="en-US" sz="3600" dirty="0">
-                <a:latin typeface="Bahnschrift SemiBold" panose="020B0502040204020203" pitchFamily="34" charset="0"/>
-              </a:rPr>
-              <a:t> </a:t>
-            </a:r>
-            <a:r>
-              <a:rPr lang="en-US" sz="3600" dirty="0" err="1">
-                <a:latin typeface="Bahnschrift SemiBold" panose="020B0502040204020203" pitchFamily="34" charset="0"/>
-              </a:rPr>
-              <a:t>lai</a:t>
-            </a:r>
-            <a:endParaRPr lang="en-US" sz="3600" dirty="0">
-              <a:latin typeface="Bahnschrift SemiBold" panose="020B0502040204020203" pitchFamily="34" charset="0"/>
-            </a:endParaRPr>
-          </a:p>
-        </p:txBody>
-      </p:sp>
-      <p:sp>
-        <p:nvSpPr>
-          <p:cNvPr id="18" name="Rectangle: Rounded Corners 17">
-            <a:extLst>
-              <a:ext uri="{FF2B5EF4-FFF2-40B4-BE49-F238E27FC236}">
-                <a16:creationId xmlns:a16="http://schemas.microsoft.com/office/drawing/2014/main" id="{FC536692-E040-DC2C-059F-6355CAC6BF37}"/>
-              </a:ext>
-            </a:extLst>
-          </p:cNvPr>
-          <p:cNvSpPr/>
-          <p:nvPr/>
-        </p:nvSpPr>
-        <p:spPr>
-          <a:xfrm>
-            <a:off x="6095999" y="3173686"/>
-            <a:ext cx="4998099" cy="425574"/>
-          </a:xfrm>
-          <a:prstGeom prst="roundRect">
-            <a:avLst/>
-          </a:prstGeom>
-        </p:spPr>
-        <p:style>
-          <a:lnRef idx="2">
-            <a:schemeClr val="accent1">
-              <a:shade val="15000"/>
-            </a:schemeClr>
-          </a:lnRef>
-          <a:fillRef idx="1">
-            <a:schemeClr val="accent1"/>
-          </a:fillRef>
-          <a:effectRef idx="0">
-            <a:schemeClr val="accent1"/>
-          </a:effectRef>
-          <a:fontRef idx="minor">
-            <a:schemeClr val="lt1"/>
-          </a:fontRef>
-        </p:style>
-        <p:txBody>
-          <a:bodyPr rtlCol="0" anchor="ctr"/>
-          <a:lstStyle/>
-          <a:p>
-            <a:pPr algn="ctr"/>
-            <a:r>
-              <a:rPr lang="en-US" sz="2400" dirty="0">
-                <a:latin typeface="Bahnschrift SemiBold" panose="020B0502040204020203" pitchFamily="34" charset="0"/>
-              </a:rPr>
-              <a:t>Feedback </a:t>
-            </a:r>
-            <a:r>
-              <a:rPr lang="en-US" sz="2400" dirty="0" err="1">
-                <a:latin typeface="Bahnschrift SemiBold" panose="020B0502040204020203" pitchFamily="34" charset="0"/>
-              </a:rPr>
-              <a:t>cải</a:t>
-            </a:r>
-            <a:r>
-              <a:rPr lang="en-US" sz="2400" dirty="0">
-                <a:latin typeface="Bahnschrift SemiBold" panose="020B0502040204020203" pitchFamily="34" charset="0"/>
-              </a:rPr>
-              <a:t> </a:t>
-            </a:r>
-            <a:r>
-              <a:rPr lang="en-US" sz="2400" dirty="0" err="1">
-                <a:latin typeface="Bahnschrift SemiBold" panose="020B0502040204020203" pitchFamily="34" charset="0"/>
-              </a:rPr>
-              <a:t>thiện</a:t>
-            </a:r>
-            <a:endParaRPr lang="en-US" sz="2400" dirty="0">
-              <a:latin typeface="Bahnschrift SemiBold" panose="020B0502040204020203" pitchFamily="34" charset="0"/>
-            </a:endParaRPr>
-          </a:p>
-        </p:txBody>
-      </p:sp>
-      <p:sp>
-        <p:nvSpPr>
-          <p:cNvPr id="19" name="Rectangle: Rounded Corners 18">
-            <a:extLst>
-              <a:ext uri="{FF2B5EF4-FFF2-40B4-BE49-F238E27FC236}">
-                <a16:creationId xmlns:a16="http://schemas.microsoft.com/office/drawing/2014/main" id="{F4181D59-EFC5-B18A-CC07-D9CA1DB1B795}"/>
-              </a:ext>
-            </a:extLst>
-          </p:cNvPr>
-          <p:cNvSpPr/>
-          <p:nvPr/>
-        </p:nvSpPr>
-        <p:spPr>
-          <a:xfrm>
-            <a:off x="8958703" y="4309148"/>
-            <a:ext cx="2620108" cy="692094"/>
-          </a:xfrm>
-          <a:prstGeom prst="roundRect">
-            <a:avLst/>
-          </a:prstGeom>
-        </p:spPr>
-        <p:style>
-          <a:lnRef idx="2">
-            <a:schemeClr val="accent1">
-              <a:shade val="15000"/>
-            </a:schemeClr>
-          </a:lnRef>
-          <a:fillRef idx="1">
-            <a:schemeClr val="accent1"/>
-          </a:fillRef>
-          <a:effectRef idx="0">
-            <a:schemeClr val="accent1"/>
-          </a:effectRef>
-          <a:fontRef idx="minor">
-            <a:schemeClr val="lt1"/>
-          </a:fontRef>
-        </p:style>
-        <p:txBody>
-          <a:bodyPr rtlCol="0" anchor="ctr"/>
-          <a:lstStyle/>
-          <a:p>
-            <a:pPr algn="ctr"/>
-            <a:r>
-              <a:rPr lang="en-US" sz="2400" dirty="0">
-                <a:latin typeface="Bahnschrift SemiBold" panose="020B0502040204020203" pitchFamily="34" charset="0"/>
-              </a:rPr>
-              <a:t>landing page </a:t>
-            </a:r>
-            <a:r>
-              <a:rPr lang="en-US" sz="2400" dirty="0" err="1">
-                <a:latin typeface="Bahnschrift SemiBold" panose="020B0502040204020203" pitchFamily="34" charset="0"/>
-              </a:rPr>
-              <a:t>riêng</a:t>
-            </a:r>
-            <a:endParaRPr lang="en-US" sz="2400" dirty="0">
-              <a:latin typeface="Bahnschrift SemiBold" panose="020B0502040204020203" pitchFamily="34" charset="0"/>
-            </a:endParaRPr>
-          </a:p>
-        </p:txBody>
-      </p:sp>
-      <p:sp>
-        <p:nvSpPr>
-          <p:cNvPr id="20" name="Rectangle: Rounded Corners 19">
-            <a:extLst>
-              <a:ext uri="{FF2B5EF4-FFF2-40B4-BE49-F238E27FC236}">
-                <a16:creationId xmlns:a16="http://schemas.microsoft.com/office/drawing/2014/main" id="{F2371398-82D4-D6DA-BB18-128E6A1FAA6C}"/>
-              </a:ext>
-            </a:extLst>
-          </p:cNvPr>
-          <p:cNvSpPr/>
-          <p:nvPr/>
-        </p:nvSpPr>
-        <p:spPr>
-          <a:xfrm>
-            <a:off x="6021356" y="4308261"/>
-            <a:ext cx="2620107" cy="692095"/>
-          </a:xfrm>
-          <a:prstGeom prst="roundRect">
-            <a:avLst/>
-          </a:prstGeom>
-        </p:spPr>
-        <p:style>
-          <a:lnRef idx="2">
-            <a:schemeClr val="accent1">
-              <a:shade val="15000"/>
-            </a:schemeClr>
-          </a:lnRef>
-          <a:fillRef idx="1">
-            <a:schemeClr val="accent1"/>
-          </a:fillRef>
-          <a:effectRef idx="0">
-            <a:schemeClr val="accent1"/>
-          </a:effectRef>
-          <a:fontRef idx="minor">
-            <a:schemeClr val="lt1"/>
-          </a:fontRef>
-        </p:style>
-        <p:txBody>
-          <a:bodyPr rtlCol="0" anchor="ctr"/>
-          <a:lstStyle/>
-          <a:p>
-            <a:pPr algn="ctr"/>
-            <a:r>
-              <a:rPr lang="en-US" sz="2400" dirty="0" err="1">
-                <a:latin typeface="Bahnschrift SemiBold" panose="020B0502040204020203" pitchFamily="34" charset="0"/>
-              </a:rPr>
-              <a:t>Nội</a:t>
-            </a:r>
-            <a:r>
-              <a:rPr lang="en-US" sz="2400" dirty="0">
-                <a:latin typeface="Bahnschrift SemiBold" panose="020B0502040204020203" pitchFamily="34" charset="0"/>
-              </a:rPr>
-              <a:t> dung </a:t>
-            </a:r>
-            <a:r>
-              <a:rPr lang="en-US" sz="2400" dirty="0" err="1">
-                <a:latin typeface="Bahnschrift SemiBold" panose="020B0502040204020203" pitchFamily="34" charset="0"/>
-              </a:rPr>
-              <a:t>chuyên</a:t>
-            </a:r>
-            <a:r>
-              <a:rPr lang="en-US" sz="2400" dirty="0">
-                <a:latin typeface="Bahnschrift SemiBold" panose="020B0502040204020203" pitchFamily="34" charset="0"/>
-              </a:rPr>
-              <a:t> </a:t>
-            </a:r>
-            <a:r>
-              <a:rPr lang="en-US" sz="2400" dirty="0" err="1">
-                <a:latin typeface="Bahnschrift SemiBold" panose="020B0502040204020203" pitchFamily="34" charset="0"/>
-              </a:rPr>
-              <a:t>sâu</a:t>
-            </a:r>
-            <a:r>
-              <a:rPr lang="en-US" sz="2400" dirty="0">
-                <a:latin typeface="Bahnschrift SemiBold" panose="020B0502040204020203" pitchFamily="34" charset="0"/>
-              </a:rPr>
-              <a:t> </a:t>
-            </a:r>
-            <a:r>
-              <a:rPr lang="en-US" sz="2400" dirty="0" err="1">
-                <a:latin typeface="Bahnschrift SemiBold" panose="020B0502040204020203" pitchFamily="34" charset="0"/>
-              </a:rPr>
-              <a:t>hơn</a:t>
-            </a:r>
-            <a:r>
-              <a:rPr lang="en-US" sz="2400" dirty="0">
-                <a:latin typeface="Bahnschrift SemiBold" panose="020B0502040204020203" pitchFamily="34" charset="0"/>
-              </a:rPr>
-              <a:t> </a:t>
-            </a:r>
-          </a:p>
-        </p:txBody>
-      </p:sp>
-      <p:sp>
-        <p:nvSpPr>
-          <p:cNvPr id="21" name="Rectangle: Rounded Corners 20">
-            <a:extLst>
-              <a:ext uri="{FF2B5EF4-FFF2-40B4-BE49-F238E27FC236}">
-                <a16:creationId xmlns:a16="http://schemas.microsoft.com/office/drawing/2014/main" id="{0FDA0BD6-2D2E-0987-147E-A7CCD76B2F2B}"/>
-              </a:ext>
-            </a:extLst>
-          </p:cNvPr>
-          <p:cNvSpPr/>
-          <p:nvPr/>
-        </p:nvSpPr>
-        <p:spPr>
-          <a:xfrm>
-            <a:off x="7207001" y="5225163"/>
-            <a:ext cx="3663161" cy="1207326"/>
-          </a:xfrm>
-          <a:prstGeom prst="roundRect">
-            <a:avLst/>
-          </a:prstGeom>
-        </p:spPr>
-        <p:style>
-          <a:lnRef idx="2">
-            <a:schemeClr val="accent1">
-              <a:shade val="15000"/>
-            </a:schemeClr>
-          </a:lnRef>
-          <a:fillRef idx="1">
-            <a:schemeClr val="accent1"/>
-          </a:fillRef>
-          <a:effectRef idx="0">
-            <a:schemeClr val="accent1"/>
-          </a:effectRef>
-          <a:fontRef idx="minor">
-            <a:schemeClr val="lt1"/>
-          </a:fontRef>
-        </p:style>
-        <p:txBody>
-          <a:bodyPr rtlCol="0" anchor="ctr"/>
-          <a:lstStyle/>
-          <a:p>
-            <a:pPr algn="ctr"/>
-            <a:r>
-              <a:rPr lang="en-US" sz="2400" dirty="0" err="1">
-                <a:latin typeface="Bahnschrift SemiBold" panose="020B0502040204020203" pitchFamily="34" charset="0"/>
-              </a:rPr>
-              <a:t>Tích</a:t>
-            </a:r>
-            <a:r>
-              <a:rPr lang="en-US" sz="2400" dirty="0">
-                <a:latin typeface="Bahnschrift SemiBold" panose="020B0502040204020203" pitchFamily="34" charset="0"/>
-              </a:rPr>
-              <a:t> </a:t>
-            </a:r>
-            <a:r>
-              <a:rPr lang="en-US" sz="2400" dirty="0" err="1">
-                <a:latin typeface="Bahnschrift SemiBold" panose="020B0502040204020203" pitchFamily="34" charset="0"/>
-              </a:rPr>
-              <a:t>hợp</a:t>
-            </a:r>
-            <a:r>
-              <a:rPr lang="en-US" sz="2400" dirty="0">
-                <a:latin typeface="Bahnschrift SemiBold" panose="020B0502040204020203" pitchFamily="34" charset="0"/>
-              </a:rPr>
-              <a:t> </a:t>
-            </a:r>
-            <a:r>
-              <a:rPr lang="en-US" sz="2400" dirty="0" err="1">
-                <a:latin typeface="Bahnschrift SemiBold" panose="020B0502040204020203" pitchFamily="34" charset="0"/>
-              </a:rPr>
-              <a:t>đa</a:t>
-            </a:r>
-            <a:r>
-              <a:rPr lang="en-US" sz="2400" dirty="0">
-                <a:latin typeface="Bahnschrift SemiBold" panose="020B0502040204020203" pitchFamily="34" charset="0"/>
-              </a:rPr>
-              <a:t> </a:t>
-            </a:r>
-            <a:r>
-              <a:rPr lang="en-US" sz="2400" dirty="0" err="1">
-                <a:latin typeface="Bahnschrift SemiBold" panose="020B0502040204020203" pitchFamily="34" charset="0"/>
-              </a:rPr>
-              <a:t>dạng</a:t>
-            </a:r>
-            <a:r>
-              <a:rPr lang="en-US" sz="2400" dirty="0">
-                <a:latin typeface="Bahnschrift SemiBold" panose="020B0502040204020203" pitchFamily="34" charset="0"/>
-              </a:rPr>
-              <a:t> </a:t>
-            </a:r>
-            <a:r>
-              <a:rPr lang="en-US" sz="2400" dirty="0" err="1">
-                <a:latin typeface="Bahnschrift SemiBold" panose="020B0502040204020203" pitchFamily="34" charset="0"/>
-              </a:rPr>
-              <a:t>các</a:t>
-            </a:r>
-            <a:r>
-              <a:rPr lang="en-US" sz="2400" dirty="0">
-                <a:latin typeface="Bahnschrift SemiBold" panose="020B0502040204020203" pitchFamily="34" charset="0"/>
-              </a:rPr>
-              <a:t> </a:t>
-            </a:r>
-            <a:r>
-              <a:rPr lang="en-US" sz="2400" dirty="0" err="1">
-                <a:latin typeface="Bahnschrift SemiBold" panose="020B0502040204020203" pitchFamily="34" charset="0"/>
-              </a:rPr>
-              <a:t>nền</a:t>
-            </a:r>
-            <a:r>
-              <a:rPr lang="en-US" sz="2400" dirty="0">
-                <a:latin typeface="Bahnschrift SemiBold" panose="020B0502040204020203" pitchFamily="34" charset="0"/>
-              </a:rPr>
-              <a:t> </a:t>
-            </a:r>
-            <a:r>
-              <a:rPr lang="en-US" sz="2400" dirty="0" err="1">
-                <a:latin typeface="Bahnschrift SemiBold" panose="020B0502040204020203" pitchFamily="34" charset="0"/>
-              </a:rPr>
-              <a:t>tảng</a:t>
-            </a:r>
-            <a:r>
-              <a:rPr lang="en-US" sz="2400" dirty="0">
-                <a:latin typeface="Bahnschrift SemiBold" panose="020B0502040204020203" pitchFamily="34" charset="0"/>
-              </a:rPr>
-              <a:t> </a:t>
-            </a:r>
-            <a:r>
-              <a:rPr lang="en-US" sz="2400" dirty="0" err="1">
-                <a:latin typeface="Bahnschrift SemiBold" panose="020B0502040204020203" pitchFamily="34" charset="0"/>
-              </a:rPr>
-              <a:t>đặc</a:t>
-            </a:r>
-            <a:r>
-              <a:rPr lang="en-US" sz="2400" dirty="0">
-                <a:latin typeface="Bahnschrift SemiBold" panose="020B0502040204020203" pitchFamily="34" charset="0"/>
-              </a:rPr>
-              <a:t> </a:t>
-            </a:r>
-            <a:r>
-              <a:rPr lang="en-US" sz="2400" dirty="0" err="1">
-                <a:latin typeface="Bahnschrift SemiBold" panose="020B0502040204020203" pitchFamily="34" charset="0"/>
-              </a:rPr>
-              <a:t>biệt</a:t>
-            </a:r>
-            <a:r>
-              <a:rPr lang="en-US" sz="2400" dirty="0">
-                <a:latin typeface="Bahnschrift SemiBold" panose="020B0502040204020203" pitchFamily="34" charset="0"/>
-              </a:rPr>
-              <a:t> </a:t>
-            </a:r>
-            <a:r>
-              <a:rPr lang="en-US" sz="2400" dirty="0" err="1">
-                <a:latin typeface="Bahnschrift SemiBold" panose="020B0502040204020203" pitchFamily="34" charset="0"/>
-              </a:rPr>
-              <a:t>là</a:t>
-            </a:r>
-            <a:r>
-              <a:rPr lang="en-US" sz="2400" dirty="0">
-                <a:latin typeface="Bahnschrift SemiBold" panose="020B0502040204020203" pitchFamily="34" charset="0"/>
-              </a:rPr>
-              <a:t> android</a:t>
-            </a:r>
-          </a:p>
-        </p:txBody>
-      </p:sp>
-    </p:spTree>
-    <p:extLst>
-      <p:ext uri="{BB962C8B-B14F-4D97-AF65-F5344CB8AC3E}">
-        <p14:creationId xmlns:p14="http://schemas.microsoft.com/office/powerpoint/2010/main" val="1367104958"/>
-      </p:ext>
-    </p:extLst>
-  </p:cSld>
-  <p:clrMapOvr>
-    <a:masterClrMapping/>
-  </p:clrMapOvr>
-</p:sld>
-</file>
-
-<file path=ppt/slides/slide11.xml><?xml version="1.0" encoding="utf-8"?>
 <p:sld xmlns:a="http://schemas.openxmlformats.org/drawingml/2006/main" xmlns:r="http://schemas.openxmlformats.org/officeDocument/2006/relationships" xmlns:p="http://schemas.openxmlformats.org/presentationml/2006/main">
   <p:cSld>
     <p:spTree>
@@ -19418,7 +18469,7 @@
 </p:sld>
 </file>
 
-<file path=ppt/slides/slide12.xml><?xml version="1.0" encoding="utf-8"?>
+<file path=ppt/slides/slide11.xml><?xml version="1.0" encoding="utf-8"?>
 <p:sld xmlns:a="http://schemas.openxmlformats.org/drawingml/2006/main" xmlns:r="http://schemas.openxmlformats.org/officeDocument/2006/relationships" xmlns:p="http://schemas.openxmlformats.org/presentationml/2006/main">
   <p:cSld>
     <p:spTree>
@@ -24892,8 +23943,8 @@
           </a:p>
         </p:txBody>
       </p:sp>
-      <mc:AlternateContent xmlns:mc="http://schemas.openxmlformats.org/markup-compatibility/2006">
-        <mc:Choice xmlns:a14="http://schemas.microsoft.com/office/drawing/2010/main" Requires="a14">
+      <mc:AlternateContent xmlns:mc="http://schemas.openxmlformats.org/markup-compatibility/2006" xmlns:a14="http://schemas.microsoft.com/office/drawing/2010/main">
+        <mc:Choice Requires="a14">
           <p:sp>
             <p:nvSpPr>
               <p:cNvPr id="5" name="TextBox 4">
@@ -25212,7 +24263,7 @@
             </p:txBody>
           </p:sp>
         </mc:Choice>
-        <mc:Fallback>
+        <mc:Fallback xmlns="">
           <p:sp>
             <p:nvSpPr>
               <p:cNvPr id="5" name="TextBox 4">
@@ -25778,8 +24829,8 @@
             </p:nvSpPr>
             <p:spPr>
               <a:xfrm>
-                <a:off x="783728" y="4464336"/>
-                <a:ext cx="11194912" cy="2246769"/>
+                <a:off x="783728" y="4568258"/>
+                <a:ext cx="11194912" cy="1785104"/>
               </a:xfrm>
               <a:prstGeom prst="rect">
                 <a:avLst/>
@@ -25892,57 +24943,6 @@
                 </a:endParaRPr>
               </a:p>
               <a:p>
-                <a:pPr>
-                  <a:lnSpc>
-                    <a:spcPct val="150000"/>
-                  </a:lnSpc>
-                </a:pPr>
-                <a14:m>
-                  <m:oMath xmlns:m="http://schemas.openxmlformats.org/officeDocument/2006/math">
-                    <m:r>
-                      <a:rPr lang="vi-VN" sz="2000" i="1">
-                        <a:solidFill>
-                          <a:schemeClr val="accent5"/>
-                        </a:solidFill>
-                        <a:latin typeface="Cambria Math" panose="02040503050406030204" pitchFamily="18" charset="0"/>
-                        <a:ea typeface="Cambria Math" panose="02040503050406030204" pitchFamily="18" charset="0"/>
-                      </a:rPr>
-                      <m:t>≫</m:t>
-                    </m:r>
-                  </m:oMath>
-                </a14:m>
-                <a:r>
-                  <a:rPr lang="en-US" sz="2000" dirty="0">
-                    <a:solidFill>
-                      <a:schemeClr val="accent5"/>
-                    </a:solidFill>
-                    <a:latin typeface="Bahnschrift SemiBold" panose="020B0502040204020203" pitchFamily="34" charset="0"/>
-                    <a:ea typeface="Cascadia Code" panose="020B0609020000020004" pitchFamily="49" charset="0"/>
-                    <a:cs typeface="Cascadia Code" panose="020B0609020000020004" pitchFamily="49" charset="0"/>
-                  </a:rPr>
-                  <a:t> </a:t>
-                </a:r>
-                <a:r>
-                  <a:rPr lang="vi-VN" sz="2000" dirty="0">
-                    <a:solidFill>
-                      <a:schemeClr val="accent5"/>
-                    </a:solidFill>
-                    <a:latin typeface="Bahnschrift SemiBold" panose="020B0502040204020203" pitchFamily="34" charset="0"/>
-                    <a:ea typeface="Cascadia Code" panose="020B0609020000020004" pitchFamily="49" charset="0"/>
-                    <a:cs typeface="Cascadia Code" panose="020B0609020000020004" pitchFamily="49" charset="0"/>
-                  </a:rPr>
-                  <a:t>Người dùng chưa hiểu rõ cách khai thác vấn đề của hacker.</a:t>
-                </a:r>
-                <a:endParaRPr lang="en-US" sz="2000" dirty="0">
-                  <a:solidFill>
-                    <a:schemeClr val="accent5"/>
-                  </a:solidFill>
-                  <a:latin typeface="Bahnschrift SemiBold" panose="020B0502040204020203" pitchFamily="34" charset="0"/>
-                  <a:ea typeface="Cascadia Code" panose="020B0609020000020004" pitchFamily="49" charset="0"/>
-                  <a:cs typeface="Cascadia Code" panose="020B0609020000020004" pitchFamily="49" charset="0"/>
-                </a:endParaRPr>
-              </a:p>
-              <a:p>
                 <a:endParaRPr lang="en-US" sz="2000" dirty="0">
                   <a:latin typeface="Bahnschrift SemiBold" panose="020B0502040204020203" pitchFamily="34" charset="0"/>
                   <a:ea typeface="Cascadia Code" panose="020B0609020000020004" pitchFamily="49" charset="0"/>
@@ -25969,8 +24969,8 @@
             </p:nvSpPr>
             <p:spPr>
               <a:xfrm>
-                <a:off x="783728" y="4464336"/>
-                <a:ext cx="11194912" cy="2246769"/>
+                <a:off x="783728" y="4568258"/>
+                <a:ext cx="11194912" cy="1785104"/>
               </a:xfrm>
               <a:prstGeom prst="rect">
                 <a:avLst/>
@@ -29370,7 +28370,7 @@
         <p:spPr>
           <a:xfrm>
             <a:off x="1789583" y="3458281"/>
-            <a:ext cx="2845051" cy="695062"/>
+            <a:ext cx="2334548" cy="925894"/>
           </a:xfrm>
           <a:prstGeom prst="rect">
             <a:avLst/>
@@ -29436,60 +28436,13 @@
               </a:rPr>
               <a:t> </a:t>
             </a:r>
-            <a:r>
-              <a:rPr lang="en-US" sz="1700" dirty="0" err="1">
-                <a:latin typeface="Questrial" pitchFamily="2" charset="0"/>
-              </a:rPr>
-              <a:t>khi</a:t>
-            </a:r>
-            <a:r>
-              <a:rPr lang="en-US" sz="1700" dirty="0">
-                <a:latin typeface="Questrial" pitchFamily="2" charset="0"/>
-              </a:rPr>
-              <a:t> </a:t>
-            </a:r>
-            <a:r>
-              <a:rPr lang="en-US" sz="1700" dirty="0" err="1">
-                <a:latin typeface="Questrial" pitchFamily="2" charset="0"/>
-              </a:rPr>
-              <a:t>người</a:t>
-            </a:r>
-            <a:r>
-              <a:rPr lang="en-US" sz="1700" dirty="0">
-                <a:latin typeface="Questrial" pitchFamily="2" charset="0"/>
-              </a:rPr>
-              <a:t> </a:t>
-            </a:r>
-            <a:r>
-              <a:rPr lang="en-US" sz="1700" dirty="0" err="1">
-                <a:latin typeface="Questrial" pitchFamily="2" charset="0"/>
-              </a:rPr>
-              <a:t>chơi</a:t>
-            </a:r>
-            <a:r>
-              <a:rPr lang="en-US" sz="1700" dirty="0">
-                <a:latin typeface="Questrial" pitchFamily="2" charset="0"/>
-              </a:rPr>
-              <a:t> submit </a:t>
-            </a:r>
-            <a:r>
-              <a:rPr lang="en-US" sz="1700" dirty="0" err="1">
-                <a:latin typeface="Questrial" pitchFamily="2" charset="0"/>
-              </a:rPr>
-              <a:t>đáp</a:t>
-            </a:r>
-            <a:r>
-              <a:rPr lang="en-US" sz="1700" dirty="0">
-                <a:latin typeface="Questrial" pitchFamily="2" charset="0"/>
-              </a:rPr>
-              <a:t> </a:t>
-            </a:r>
-            <a:r>
-              <a:rPr lang="en-US" sz="1700" dirty="0" err="1">
-                <a:latin typeface="Questrial" pitchFamily="2" charset="0"/>
-              </a:rPr>
-              <a:t>án</a:t>
-            </a:r>
+          </a:p>
+          <a:p>
+            <a:pPr algn="l">
+              <a:lnSpc>
+                <a:spcPct val="120000"/>
+              </a:lnSpc>
+            </a:pPr>
             <a:endParaRPr lang="en-US" sz="1700" dirty="0">
               <a:latin typeface="Questrial" pitchFamily="2" charset="0"/>
             </a:endParaRPr>
@@ -29758,12 +28711,84 @@
               </a:lnSpc>
             </a:pPr>
             <a:r>
+              <a:rPr lang="en-US" sz="1700" dirty="0">
+                <a:latin typeface="Questrial" pitchFamily="2" charset="0"/>
+                <a:ea typeface="Questrial" pitchFamily="2" charset="0"/>
+                <a:cs typeface="Questrial" pitchFamily="2" charset="0"/>
+              </a:rPr>
+              <a:t>C</a:t>
+            </a:r>
+            <a:r>
               <a:rPr lang="vi-VN" sz="1700" dirty="0">
                 <a:latin typeface="Questrial" pitchFamily="2" charset="0"/>
                 <a:ea typeface="Questrial" pitchFamily="2" charset="0"/>
                 <a:cs typeface="Questrial" pitchFamily="2" charset="0"/>
               </a:rPr>
-              <a:t>chọn nhân vật theo tính năng khác nhau, điều khiển nhân vật, di chuyển (có gia tốc trọng trường cố định), dừng màn hình khi chơi.</a:t>
+              <a:t>họn nhân vật theo tính năng khác nhau, điều khiển nhân vật, di chuyển (có gia tốc trọng trường cố định),</a:t>
+            </a:r>
+            <a:r>
+              <a:rPr lang="en-US" sz="1700" dirty="0" err="1">
+                <a:latin typeface="Questrial" pitchFamily="2" charset="0"/>
+                <a:ea typeface="Questrial" pitchFamily="2" charset="0"/>
+                <a:cs typeface="Questrial" pitchFamily="2" charset="0"/>
+              </a:rPr>
+              <a:t>học</a:t>
+            </a:r>
+            <a:r>
+              <a:rPr lang="en-US" sz="1700" dirty="0">
+                <a:latin typeface="Questrial" pitchFamily="2" charset="0"/>
+                <a:ea typeface="Questrial" pitchFamily="2" charset="0"/>
+                <a:cs typeface="Questrial" pitchFamily="2" charset="0"/>
+              </a:rPr>
+              <a:t> song </a:t>
+            </a:r>
+            <a:r>
+              <a:rPr lang="en-US" sz="1700" dirty="0" err="1">
+                <a:latin typeface="Questrial" pitchFamily="2" charset="0"/>
+                <a:ea typeface="Questrial" pitchFamily="2" charset="0"/>
+                <a:cs typeface="Questrial" pitchFamily="2" charset="0"/>
+              </a:rPr>
+              <a:t>hành</a:t>
+            </a:r>
+            <a:r>
+              <a:rPr lang="en-US" sz="1700" dirty="0">
+                <a:latin typeface="Questrial" pitchFamily="2" charset="0"/>
+                <a:ea typeface="Questrial" pitchFamily="2" charset="0"/>
+                <a:cs typeface="Questrial" pitchFamily="2" charset="0"/>
+              </a:rPr>
+              <a:t> </a:t>
+            </a:r>
+            <a:r>
+              <a:rPr lang="en-US" sz="1700" dirty="0" err="1">
+                <a:latin typeface="Questrial" pitchFamily="2" charset="0"/>
+                <a:ea typeface="Questrial" pitchFamily="2" charset="0"/>
+                <a:cs typeface="Questrial" pitchFamily="2" charset="0"/>
+              </a:rPr>
+              <a:t>giải</a:t>
+            </a:r>
+            <a:r>
+              <a:rPr lang="en-US" sz="1700" dirty="0">
+                <a:latin typeface="Questrial" pitchFamily="2" charset="0"/>
+                <a:ea typeface="Questrial" pitchFamily="2" charset="0"/>
+                <a:cs typeface="Questrial" pitchFamily="2" charset="0"/>
+              </a:rPr>
+              <a:t> </a:t>
+            </a:r>
+            <a:r>
+              <a:rPr lang="en-US" sz="1700" dirty="0" err="1">
+                <a:latin typeface="Questrial" pitchFamily="2" charset="0"/>
+                <a:ea typeface="Questrial" pitchFamily="2" charset="0"/>
+                <a:cs typeface="Questrial" pitchFamily="2" charset="0"/>
+              </a:rPr>
+              <a:t>trí</a:t>
+            </a:r>
+            <a:r>
+              <a:rPr lang="vi-VN" sz="1700" dirty="0">
+                <a:latin typeface="Questrial" pitchFamily="2" charset="0"/>
+                <a:ea typeface="Questrial" pitchFamily="2" charset="0"/>
+                <a:cs typeface="Questrial" pitchFamily="2" charset="0"/>
+              </a:rPr>
+              <a:t>.</a:t>
             </a:r>
             <a:endParaRPr lang="en-US" sz="1700" dirty="0">
               <a:latin typeface="Questrial" pitchFamily="2" charset="0"/>
@@ -29998,6 +29023,104 @@
           </a:prstGeom>
         </p:spPr>
       </p:pic>
+      <p:sp>
+        <p:nvSpPr>
+          <p:cNvPr id="3" name="TextBox 2">
+            <a:extLst>
+              <a:ext uri="{FF2B5EF4-FFF2-40B4-BE49-F238E27FC236}">
+                <a16:creationId xmlns:a16="http://schemas.microsoft.com/office/drawing/2014/main" id="{0DA89B87-4908-B1B1-5C83-5A985B84FC15}"/>
+              </a:ext>
+            </a:extLst>
+          </p:cNvPr>
+          <p:cNvSpPr txBox="1"/>
+          <p:nvPr/>
+        </p:nvSpPr>
+        <p:spPr>
+          <a:xfrm>
+            <a:off x="1789582" y="3810013"/>
+            <a:ext cx="3640833" cy="353943"/>
+          </a:xfrm>
+          <a:prstGeom prst="rect">
+            <a:avLst/>
+          </a:prstGeom>
+          <a:noFill/>
+        </p:spPr>
+        <p:txBody>
+          <a:bodyPr wrap="square">
+            <a:spAutoFit/>
+          </a:bodyPr>
+          <a:lstStyle/>
+          <a:p>
+            <a:r>
+              <a:rPr lang="en-US" sz="1700" dirty="0" err="1">
+                <a:latin typeface="Questrial" pitchFamily="2" charset="0"/>
+              </a:rPr>
+              <a:t>Tính</a:t>
+            </a:r>
+            <a:r>
+              <a:rPr lang="en-US" sz="1700" dirty="0">
+                <a:latin typeface="Questrial" pitchFamily="2" charset="0"/>
+              </a:rPr>
+              <a:t> </a:t>
+            </a:r>
+            <a:r>
+              <a:rPr lang="en-US" sz="1700" dirty="0" err="1">
+                <a:latin typeface="Questrial" pitchFamily="2" charset="0"/>
+              </a:rPr>
+              <a:t>toán</a:t>
+            </a:r>
+            <a:r>
+              <a:rPr lang="en-US" sz="1700" dirty="0">
+                <a:latin typeface="Questrial" pitchFamily="2" charset="0"/>
+              </a:rPr>
+              <a:t> </a:t>
+            </a:r>
+            <a:r>
+              <a:rPr lang="en-US" sz="1700" dirty="0" err="1">
+                <a:latin typeface="Questrial" pitchFamily="2" charset="0"/>
+              </a:rPr>
+              <a:t>gia</a:t>
+            </a:r>
+            <a:r>
+              <a:rPr lang="en-US" sz="1700" dirty="0">
+                <a:latin typeface="Questrial" pitchFamily="2" charset="0"/>
+              </a:rPr>
+              <a:t> </a:t>
+            </a:r>
+            <a:r>
+              <a:rPr lang="en-US" sz="1700" dirty="0" err="1">
+                <a:latin typeface="Questrial" pitchFamily="2" charset="0"/>
+              </a:rPr>
+              <a:t>tốc</a:t>
+            </a:r>
+            <a:r>
+              <a:rPr lang="en-US" sz="1700" dirty="0">
+                <a:latin typeface="Questrial" pitchFamily="2" charset="0"/>
+              </a:rPr>
+              <a:t> </a:t>
+            </a:r>
+            <a:r>
+              <a:rPr lang="en-US" sz="1700" dirty="0" err="1">
+                <a:latin typeface="Questrial" pitchFamily="2" charset="0"/>
+              </a:rPr>
+              <a:t>trọng</a:t>
+            </a:r>
+            <a:r>
+              <a:rPr lang="en-US" sz="1700" dirty="0">
+                <a:latin typeface="Questrial" pitchFamily="2" charset="0"/>
+              </a:rPr>
+              <a:t> </a:t>
+            </a:r>
+            <a:r>
+              <a:rPr lang="en-US" sz="1700" dirty="0" err="1">
+                <a:latin typeface="Questrial" pitchFamily="2" charset="0"/>
+              </a:rPr>
+              <a:t>trường</a:t>
+            </a:r>
+            <a:endParaRPr lang="en-US" sz="1700" dirty="0"/>
+          </a:p>
+        </p:txBody>
+      </p:sp>
     </p:spTree>
     <p:extLst>
       <p:ext uri="{BB962C8B-B14F-4D97-AF65-F5344CB8AC3E}">
@@ -30046,8 +29169,8 @@
         </p:nvSpPr>
         <p:spPr>
           <a:xfrm>
-            <a:off x="813574" y="204352"/>
-            <a:ext cx="4375225" cy="1322996"/>
+            <a:off x="3973493" y="105978"/>
+            <a:ext cx="4184053" cy="640080"/>
           </a:xfrm>
         </p:spPr>
         <p:txBody>
@@ -30067,13 +29190,6 @@
               </a:rPr>
               <a:t>Business model</a:t>
             </a:r>
-            <a:br>
-              <a:rPr lang="en-US" sz="4000" spc="-150" dirty="0">
-                <a:latin typeface="Cascadia Code" panose="020B0609020000020004" pitchFamily="49" charset="0"/>
-                <a:ea typeface="Cascadia Code" panose="020B0609020000020004" pitchFamily="49" charset="0"/>
-                <a:cs typeface="Cascadia Code" panose="020B0609020000020004" pitchFamily="49" charset="0"/>
-              </a:rPr>
-            </a:br>
             <a:endParaRPr lang="en-US" sz="4000" spc="-150" dirty="0">
               <a:latin typeface="Cascadia Code" panose="020B0609020000020004" pitchFamily="49" charset="0"/>
               <a:ea typeface="Cascadia Code" panose="020B0609020000020004" pitchFamily="49" charset="0"/>
@@ -30082,854 +29198,2649 @@
           </a:p>
         </p:txBody>
       </p:sp>
-      <p:pic>
-        <p:nvPicPr>
-          <p:cNvPr id="9" name="Picture 8">
+      <p:graphicFrame>
+        <p:nvGraphicFramePr>
+          <p:cNvPr id="7" name="Table 11">
             <a:extLst>
               <a:ext uri="{FF2B5EF4-FFF2-40B4-BE49-F238E27FC236}">
-                <a16:creationId xmlns:a16="http://schemas.microsoft.com/office/drawing/2014/main" id="{52617EF9-2E9E-8A34-9708-FABF9CB1EEAC}"/>
+                <a16:creationId xmlns:a16="http://schemas.microsoft.com/office/drawing/2014/main" id="{49A17DCB-8CFD-40A8-6DAF-4E28CE491642}"/>
               </a:ext>
             </a:extLst>
           </p:cNvPr>
-          <p:cNvPicPr>
-            <a:picLocks noChangeAspect="1"/>
-          </p:cNvPicPr>
-          <p:nvPr/>
-        </p:nvPicPr>
-        <p:blipFill>
-          <a:blip r:embed="rId2"/>
-          <a:stretch>
-            <a:fillRect/>
-          </a:stretch>
-        </p:blipFill>
-        <p:spPr>
-          <a:xfrm>
-            <a:off x="813574" y="3998177"/>
-            <a:ext cx="2071038" cy="1779799"/>
-          </a:xfrm>
-          <a:prstGeom prst="rect">
-            <a:avLst/>
-          </a:prstGeom>
-        </p:spPr>
-      </p:pic>
-      <p:pic>
-        <p:nvPicPr>
-          <p:cNvPr id="10" name="Picture 9">
+          <p:cNvGraphicFramePr>
+            <a:graphicFrameLocks noGrp="1"/>
+          </p:cNvGraphicFramePr>
+          <p:nvPr>
+            <p:extLst>
+              <p:ext uri="{D42A27DB-BD31-4B8C-83A1-F6EECF244321}">
+                <p14:modId xmlns:p14="http://schemas.microsoft.com/office/powerpoint/2010/main" val="1235604362"/>
+              </p:ext>
+            </p:extLst>
+          </p:nvPr>
+        </p:nvGraphicFramePr>
+        <p:xfrm>
+          <a:off x="595470" y="749498"/>
+          <a:ext cx="11001060" cy="2926080"/>
+        </p:xfrm>
+        <a:graphic>
+          <a:graphicData uri="http://schemas.openxmlformats.org/drawingml/2006/table">
+            <a:tbl>
+              <a:tblPr firstRow="1" bandRow="1">
+                <a:tableStyleId>{5C22544A-7EE6-4342-B048-85BDC9FD1C3A}</a:tableStyleId>
+              </a:tblPr>
+              <a:tblGrid>
+                <a:gridCol w="2200212">
+                  <a:extLst>
+                    <a:ext uri="{9D8B030D-6E8A-4147-A177-3AD203B41FA5}">
+                      <a16:colId xmlns:a16="http://schemas.microsoft.com/office/drawing/2014/main" val="2202448961"/>
+                    </a:ext>
+                  </a:extLst>
+                </a:gridCol>
+                <a:gridCol w="2200212">
+                  <a:extLst>
+                    <a:ext uri="{9D8B030D-6E8A-4147-A177-3AD203B41FA5}">
+                      <a16:colId xmlns:a16="http://schemas.microsoft.com/office/drawing/2014/main" val="1641713659"/>
+                    </a:ext>
+                  </a:extLst>
+                </a:gridCol>
+                <a:gridCol w="2200212">
+                  <a:extLst>
+                    <a:ext uri="{9D8B030D-6E8A-4147-A177-3AD203B41FA5}">
+                      <a16:colId xmlns:a16="http://schemas.microsoft.com/office/drawing/2014/main" val="509917048"/>
+                    </a:ext>
+                  </a:extLst>
+                </a:gridCol>
+                <a:gridCol w="2200212">
+                  <a:extLst>
+                    <a:ext uri="{9D8B030D-6E8A-4147-A177-3AD203B41FA5}">
+                      <a16:colId xmlns:a16="http://schemas.microsoft.com/office/drawing/2014/main" val="3513296992"/>
+                    </a:ext>
+                  </a:extLst>
+                </a:gridCol>
+                <a:gridCol w="2200212">
+                  <a:extLst>
+                    <a:ext uri="{9D8B030D-6E8A-4147-A177-3AD203B41FA5}">
+                      <a16:colId xmlns:a16="http://schemas.microsoft.com/office/drawing/2014/main" val="1393441179"/>
+                    </a:ext>
+                  </a:extLst>
+                </a:gridCol>
+              </a:tblGrid>
+              <a:tr h="572188">
+                <a:tc>
+                  <a:txBody>
+                    <a:bodyPr/>
+                    <a:lstStyle/>
+                    <a:p>
+                      <a:pPr marL="0" marR="0" lvl="0" indent="0" algn="l" defTabSz="914400" rtl="0" eaLnBrk="1" fontAlgn="auto" latinLnBrk="0" hangingPunct="1">
+                        <a:lnSpc>
+                          <a:spcPct val="100000"/>
+                        </a:lnSpc>
+                        <a:spcBef>
+                          <a:spcPts val="0"/>
+                        </a:spcBef>
+                        <a:spcAft>
+                          <a:spcPts val="0"/>
+                        </a:spcAft>
+                        <a:buClrTx/>
+                        <a:buSzTx/>
+                        <a:buFontTx/>
+                        <a:buNone/>
+                        <a:tabLst/>
+                        <a:defRPr/>
+                      </a:pPr>
+                      <a:r>
+                        <a:rPr lang="en-US" dirty="0" err="1">
+                          <a:latin typeface="Questrial" pitchFamily="2" charset="0"/>
+                          <a:ea typeface="Questrial" pitchFamily="2" charset="0"/>
+                          <a:cs typeface="Questrial" pitchFamily="2" charset="0"/>
+                        </a:rPr>
+                        <a:t>Đối</a:t>
+                      </a:r>
+                      <a:r>
+                        <a:rPr lang="en-US" dirty="0">
+                          <a:latin typeface="Questrial" pitchFamily="2" charset="0"/>
+                          <a:ea typeface="Questrial" pitchFamily="2" charset="0"/>
+                          <a:cs typeface="Questrial" pitchFamily="2" charset="0"/>
+                        </a:rPr>
+                        <a:t> </a:t>
+                      </a:r>
+                      <a:r>
+                        <a:rPr lang="en-US" dirty="0" err="1">
+                          <a:latin typeface="Questrial" pitchFamily="2" charset="0"/>
+                          <a:ea typeface="Questrial" pitchFamily="2" charset="0"/>
+                          <a:cs typeface="Questrial" pitchFamily="2" charset="0"/>
+                        </a:rPr>
+                        <a:t>tác</a:t>
+                      </a:r>
+                      <a:r>
+                        <a:rPr lang="en-US" dirty="0">
+                          <a:latin typeface="Questrial" pitchFamily="2" charset="0"/>
+                          <a:ea typeface="Questrial" pitchFamily="2" charset="0"/>
+                          <a:cs typeface="Questrial" pitchFamily="2" charset="0"/>
+                        </a:rPr>
+                        <a:t> </a:t>
+                      </a:r>
+                      <a:r>
+                        <a:rPr lang="en-US" dirty="0" err="1">
+                          <a:latin typeface="Questrial" pitchFamily="2" charset="0"/>
+                          <a:ea typeface="Questrial" pitchFamily="2" charset="0"/>
+                          <a:cs typeface="Questrial" pitchFamily="2" charset="0"/>
+                        </a:rPr>
+                        <a:t>chính</a:t>
+                      </a:r>
+                      <a:endParaRPr lang="en-US" dirty="0">
+                        <a:latin typeface="Questrial" pitchFamily="2" charset="0"/>
+                        <a:ea typeface="Questrial" pitchFamily="2" charset="0"/>
+                        <a:cs typeface="Questrial" pitchFamily="2" charset="0"/>
+                      </a:endParaRPr>
+                    </a:p>
+                  </a:txBody>
+                  <a:tcPr/>
+                </a:tc>
+                <a:tc>
+                  <a:txBody>
+                    <a:bodyPr/>
+                    <a:lstStyle/>
+                    <a:p>
+                      <a:pPr marL="0" marR="0" lvl="0" indent="0" algn="l" defTabSz="914400" rtl="0" eaLnBrk="1" fontAlgn="auto" latinLnBrk="0" hangingPunct="1">
+                        <a:lnSpc>
+                          <a:spcPct val="100000"/>
+                        </a:lnSpc>
+                        <a:spcBef>
+                          <a:spcPts val="0"/>
+                        </a:spcBef>
+                        <a:spcAft>
+                          <a:spcPts val="0"/>
+                        </a:spcAft>
+                        <a:buClrTx/>
+                        <a:buSzTx/>
+                        <a:buFontTx/>
+                        <a:buNone/>
+                        <a:tabLst/>
+                        <a:defRPr/>
+                      </a:pPr>
+                      <a:r>
+                        <a:rPr lang="en-US" dirty="0" err="1">
+                          <a:latin typeface="Questrial" pitchFamily="2" charset="0"/>
+                          <a:ea typeface="Questrial" pitchFamily="2" charset="0"/>
+                          <a:cs typeface="Questrial" pitchFamily="2" charset="0"/>
+                        </a:rPr>
+                        <a:t>Hoạt</a:t>
+                      </a:r>
+                      <a:r>
+                        <a:rPr lang="en-US" dirty="0">
+                          <a:latin typeface="Questrial" pitchFamily="2" charset="0"/>
+                          <a:ea typeface="Questrial" pitchFamily="2" charset="0"/>
+                          <a:cs typeface="Questrial" pitchFamily="2" charset="0"/>
+                        </a:rPr>
+                        <a:t> </a:t>
+                      </a:r>
+                      <a:r>
+                        <a:rPr lang="en-US" dirty="0" err="1">
+                          <a:latin typeface="Questrial" pitchFamily="2" charset="0"/>
+                          <a:ea typeface="Questrial" pitchFamily="2" charset="0"/>
+                          <a:cs typeface="Questrial" pitchFamily="2" charset="0"/>
+                        </a:rPr>
+                        <a:t>động</a:t>
+                      </a:r>
+                      <a:r>
+                        <a:rPr lang="en-US" dirty="0">
+                          <a:latin typeface="Questrial" pitchFamily="2" charset="0"/>
+                          <a:ea typeface="Questrial" pitchFamily="2" charset="0"/>
+                          <a:cs typeface="Questrial" pitchFamily="2" charset="0"/>
+                        </a:rPr>
+                        <a:t> </a:t>
+                      </a:r>
+                      <a:r>
+                        <a:rPr lang="en-US" dirty="0" err="1">
+                          <a:latin typeface="Questrial" pitchFamily="2" charset="0"/>
+                          <a:ea typeface="Questrial" pitchFamily="2" charset="0"/>
+                          <a:cs typeface="Questrial" pitchFamily="2" charset="0"/>
+                        </a:rPr>
+                        <a:t>chính</a:t>
+                      </a:r>
+                      <a:endParaRPr lang="en-US" dirty="0">
+                        <a:latin typeface="Questrial" pitchFamily="2" charset="0"/>
+                        <a:ea typeface="Questrial" pitchFamily="2" charset="0"/>
+                        <a:cs typeface="Questrial" pitchFamily="2" charset="0"/>
+                      </a:endParaRPr>
+                    </a:p>
+                  </a:txBody>
+                  <a:tcPr/>
+                </a:tc>
+                <a:tc>
+                  <a:txBody>
+                    <a:bodyPr/>
+                    <a:lstStyle/>
+                    <a:p>
+                      <a:pPr marL="0" marR="0" lvl="0" indent="0" algn="l" defTabSz="914400" rtl="0" eaLnBrk="1" fontAlgn="auto" latinLnBrk="0" hangingPunct="1">
+                        <a:lnSpc>
+                          <a:spcPct val="100000"/>
+                        </a:lnSpc>
+                        <a:spcBef>
+                          <a:spcPts val="0"/>
+                        </a:spcBef>
+                        <a:spcAft>
+                          <a:spcPts val="0"/>
+                        </a:spcAft>
+                        <a:buClrTx/>
+                        <a:buSzTx/>
+                        <a:buFontTx/>
+                        <a:buNone/>
+                        <a:tabLst/>
+                        <a:defRPr/>
+                      </a:pPr>
+                      <a:r>
+                        <a:rPr lang="en-US" dirty="0" err="1">
+                          <a:latin typeface="Questrial" pitchFamily="2" charset="0"/>
+                          <a:ea typeface="Questrial" pitchFamily="2" charset="0"/>
+                          <a:cs typeface="Questrial" pitchFamily="2" charset="0"/>
+                        </a:rPr>
+                        <a:t>Giá</a:t>
+                      </a:r>
+                      <a:r>
+                        <a:rPr lang="en-US" dirty="0">
+                          <a:latin typeface="Questrial" pitchFamily="2" charset="0"/>
+                          <a:ea typeface="Questrial" pitchFamily="2" charset="0"/>
+                          <a:cs typeface="Questrial" pitchFamily="2" charset="0"/>
+                        </a:rPr>
+                        <a:t> </a:t>
+                      </a:r>
+                      <a:r>
+                        <a:rPr lang="en-US" dirty="0" err="1">
+                          <a:latin typeface="Questrial" pitchFamily="2" charset="0"/>
+                          <a:ea typeface="Questrial" pitchFamily="2" charset="0"/>
+                          <a:cs typeface="Questrial" pitchFamily="2" charset="0"/>
+                        </a:rPr>
+                        <a:t>trị</a:t>
+                      </a:r>
+                      <a:r>
+                        <a:rPr lang="en-US" dirty="0">
+                          <a:latin typeface="Questrial" pitchFamily="2" charset="0"/>
+                          <a:ea typeface="Questrial" pitchFamily="2" charset="0"/>
+                          <a:cs typeface="Questrial" pitchFamily="2" charset="0"/>
+                        </a:rPr>
+                        <a:t> </a:t>
+                      </a:r>
+                      <a:r>
+                        <a:rPr lang="en-US" dirty="0" err="1">
+                          <a:latin typeface="Questrial" pitchFamily="2" charset="0"/>
+                          <a:ea typeface="Questrial" pitchFamily="2" charset="0"/>
+                          <a:cs typeface="Questrial" pitchFamily="2" charset="0"/>
+                        </a:rPr>
+                        <a:t>cung</a:t>
+                      </a:r>
+                      <a:r>
+                        <a:rPr lang="en-US" dirty="0">
+                          <a:latin typeface="Questrial" pitchFamily="2" charset="0"/>
+                          <a:ea typeface="Questrial" pitchFamily="2" charset="0"/>
+                          <a:cs typeface="Questrial" pitchFamily="2" charset="0"/>
+                        </a:rPr>
+                        <a:t> </a:t>
+                      </a:r>
+                      <a:r>
+                        <a:rPr lang="en-US" dirty="0" err="1">
+                          <a:latin typeface="Questrial" pitchFamily="2" charset="0"/>
+                          <a:ea typeface="Questrial" pitchFamily="2" charset="0"/>
+                          <a:cs typeface="Questrial" pitchFamily="2" charset="0"/>
+                        </a:rPr>
+                        <a:t>cấp</a:t>
+                      </a:r>
+                      <a:r>
+                        <a:rPr lang="en-US" dirty="0">
+                          <a:latin typeface="Questrial" pitchFamily="2" charset="0"/>
+                          <a:ea typeface="Questrial" pitchFamily="2" charset="0"/>
+                          <a:cs typeface="Questrial" pitchFamily="2" charset="0"/>
+                        </a:rPr>
+                        <a:t> </a:t>
+                      </a:r>
+                    </a:p>
+                  </a:txBody>
+                  <a:tcPr/>
+                </a:tc>
+                <a:tc>
+                  <a:txBody>
+                    <a:bodyPr/>
+                    <a:lstStyle/>
+                    <a:p>
+                      <a:pPr marL="0" marR="0" lvl="0" indent="0" algn="l" defTabSz="914400" rtl="0" eaLnBrk="1" fontAlgn="auto" latinLnBrk="0" hangingPunct="1">
+                        <a:lnSpc>
+                          <a:spcPct val="100000"/>
+                        </a:lnSpc>
+                        <a:spcBef>
+                          <a:spcPts val="0"/>
+                        </a:spcBef>
+                        <a:spcAft>
+                          <a:spcPts val="0"/>
+                        </a:spcAft>
+                        <a:buClrTx/>
+                        <a:buSzTx/>
+                        <a:buFontTx/>
+                        <a:buNone/>
+                        <a:tabLst/>
+                        <a:defRPr/>
+                      </a:pPr>
+                      <a:r>
+                        <a:rPr lang="en-US" dirty="0">
+                          <a:latin typeface="Questrial" pitchFamily="2" charset="0"/>
+                          <a:ea typeface="Questrial" pitchFamily="2" charset="0"/>
+                          <a:cs typeface="Questrial" pitchFamily="2" charset="0"/>
+                        </a:rPr>
+                        <a:t>Quan </a:t>
+                      </a:r>
+                      <a:r>
+                        <a:rPr lang="en-US" dirty="0" err="1">
+                          <a:latin typeface="Questrial" pitchFamily="2" charset="0"/>
+                          <a:ea typeface="Questrial" pitchFamily="2" charset="0"/>
+                          <a:cs typeface="Questrial" pitchFamily="2" charset="0"/>
+                        </a:rPr>
+                        <a:t>hệ</a:t>
+                      </a:r>
+                      <a:r>
+                        <a:rPr lang="en-US" dirty="0">
+                          <a:latin typeface="Questrial" pitchFamily="2" charset="0"/>
+                          <a:ea typeface="Questrial" pitchFamily="2" charset="0"/>
+                          <a:cs typeface="Questrial" pitchFamily="2" charset="0"/>
+                        </a:rPr>
+                        <a:t> </a:t>
+                      </a:r>
+                      <a:r>
+                        <a:rPr lang="en-US" dirty="0" err="1">
+                          <a:latin typeface="Questrial" pitchFamily="2" charset="0"/>
+                          <a:ea typeface="Questrial" pitchFamily="2" charset="0"/>
+                          <a:cs typeface="Questrial" pitchFamily="2" charset="0"/>
+                        </a:rPr>
+                        <a:t>khách</a:t>
+                      </a:r>
+                      <a:r>
+                        <a:rPr lang="en-US" dirty="0">
+                          <a:latin typeface="Questrial" pitchFamily="2" charset="0"/>
+                          <a:ea typeface="Questrial" pitchFamily="2" charset="0"/>
+                          <a:cs typeface="Questrial" pitchFamily="2" charset="0"/>
+                        </a:rPr>
+                        <a:t> </a:t>
+                      </a:r>
+                      <a:r>
+                        <a:rPr lang="en-US" dirty="0" err="1">
+                          <a:latin typeface="Questrial" pitchFamily="2" charset="0"/>
+                          <a:ea typeface="Questrial" pitchFamily="2" charset="0"/>
+                          <a:cs typeface="Questrial" pitchFamily="2" charset="0"/>
+                        </a:rPr>
+                        <a:t>hàng</a:t>
+                      </a:r>
+                      <a:endParaRPr lang="en-US" dirty="0">
+                        <a:latin typeface="Questrial" pitchFamily="2" charset="0"/>
+                        <a:ea typeface="Questrial" pitchFamily="2" charset="0"/>
+                        <a:cs typeface="Questrial" pitchFamily="2" charset="0"/>
+                      </a:endParaRPr>
+                    </a:p>
+                  </a:txBody>
+                  <a:tcPr/>
+                </a:tc>
+                <a:tc>
+                  <a:txBody>
+                    <a:bodyPr/>
+                    <a:lstStyle/>
+                    <a:p>
+                      <a:pPr marL="0" marR="0" lvl="0" indent="0" algn="l" defTabSz="914400" rtl="0" eaLnBrk="1" fontAlgn="auto" latinLnBrk="0" hangingPunct="1">
+                        <a:lnSpc>
+                          <a:spcPct val="100000"/>
+                        </a:lnSpc>
+                        <a:spcBef>
+                          <a:spcPts val="0"/>
+                        </a:spcBef>
+                        <a:spcAft>
+                          <a:spcPts val="0"/>
+                        </a:spcAft>
+                        <a:buClrTx/>
+                        <a:buSzTx/>
+                        <a:buFontTx/>
+                        <a:buNone/>
+                        <a:tabLst/>
+                        <a:defRPr/>
+                      </a:pPr>
+                      <a:r>
+                        <a:rPr lang="en-US" dirty="0" err="1">
+                          <a:latin typeface="Questrial" pitchFamily="2" charset="0"/>
+                          <a:ea typeface="Questrial" pitchFamily="2" charset="0"/>
+                          <a:cs typeface="Questrial" pitchFamily="2" charset="0"/>
+                        </a:rPr>
+                        <a:t>Khách</a:t>
+                      </a:r>
+                      <a:r>
+                        <a:rPr lang="en-US" dirty="0">
+                          <a:latin typeface="Questrial" pitchFamily="2" charset="0"/>
+                          <a:ea typeface="Questrial" pitchFamily="2" charset="0"/>
+                          <a:cs typeface="Questrial" pitchFamily="2" charset="0"/>
+                        </a:rPr>
+                        <a:t> </a:t>
+                      </a:r>
+                      <a:r>
+                        <a:rPr lang="en-US" dirty="0" err="1">
+                          <a:latin typeface="Questrial" pitchFamily="2" charset="0"/>
+                          <a:ea typeface="Questrial" pitchFamily="2" charset="0"/>
+                          <a:cs typeface="Questrial" pitchFamily="2" charset="0"/>
+                        </a:rPr>
+                        <a:t>Hàng</a:t>
+                      </a:r>
+                      <a:endParaRPr lang="en-US" dirty="0">
+                        <a:latin typeface="Questrial" pitchFamily="2" charset="0"/>
+                        <a:ea typeface="Questrial" pitchFamily="2" charset="0"/>
+                        <a:cs typeface="Questrial" pitchFamily="2" charset="0"/>
+                      </a:endParaRPr>
+                    </a:p>
+                  </a:txBody>
+                  <a:tcPr/>
+                </a:tc>
+                <a:extLst>
+                  <a:ext uri="{0D108BD9-81ED-4DB2-BD59-A6C34878D82A}">
+                    <a16:rowId xmlns:a16="http://schemas.microsoft.com/office/drawing/2014/main" val="1498048109"/>
+                  </a:ext>
+                </a:extLst>
+              </a:tr>
+              <a:tr h="2043529">
+                <a:tc>
+                  <a:txBody>
+                    <a:bodyPr/>
+                    <a:lstStyle/>
+                    <a:p>
+                      <a:pPr marL="0" marR="0" lvl="0" indent="0" algn="l" defTabSz="914400" rtl="0" eaLnBrk="1" fontAlgn="auto" latinLnBrk="0" hangingPunct="1">
+                        <a:lnSpc>
+                          <a:spcPct val="100000"/>
+                        </a:lnSpc>
+                        <a:spcBef>
+                          <a:spcPts val="0"/>
+                        </a:spcBef>
+                        <a:spcAft>
+                          <a:spcPts val="0"/>
+                        </a:spcAft>
+                        <a:buClrTx/>
+                        <a:buSzTx/>
+                        <a:buFontTx/>
+                        <a:buNone/>
+                        <a:tabLst/>
+                        <a:defRPr/>
+                      </a:pPr>
+                      <a:r>
+                        <a:rPr lang="en-US" dirty="0" err="1">
+                          <a:latin typeface="Questrial" pitchFamily="2" charset="0"/>
+                          <a:ea typeface="Questrial" pitchFamily="2" charset="0"/>
+                          <a:cs typeface="Questrial" pitchFamily="2" charset="0"/>
+                        </a:rPr>
+                        <a:t>Cyberjutsu</a:t>
+                      </a:r>
+                      <a:r>
+                        <a:rPr lang="en-US" dirty="0">
+                          <a:latin typeface="Questrial" pitchFamily="2" charset="0"/>
+                          <a:ea typeface="Questrial" pitchFamily="2" charset="0"/>
+                          <a:cs typeface="Questrial" pitchFamily="2" charset="0"/>
+                        </a:rPr>
+                        <a:t>, </a:t>
+                      </a:r>
+                      <a:r>
+                        <a:rPr lang="en-US" dirty="0" err="1">
+                          <a:latin typeface="Questrial" pitchFamily="2" charset="0"/>
+                          <a:ea typeface="Questrial" pitchFamily="2" charset="0"/>
+                          <a:cs typeface="Questrial" pitchFamily="2" charset="0"/>
+                        </a:rPr>
+                        <a:t>CyberKid</a:t>
+                      </a:r>
+                      <a:r>
+                        <a:rPr lang="en-US" dirty="0">
+                          <a:latin typeface="Questrial" pitchFamily="2" charset="0"/>
+                          <a:ea typeface="Questrial" pitchFamily="2" charset="0"/>
+                          <a:cs typeface="Questrial" pitchFamily="2" charset="0"/>
+                        </a:rPr>
+                        <a:t>, Gameloft,</a:t>
+                      </a:r>
+                    </a:p>
+                    <a:p>
+                      <a:endParaRPr lang="en-US" dirty="0">
+                        <a:latin typeface="Questrial" pitchFamily="2" charset="0"/>
+                        <a:ea typeface="Questrial" pitchFamily="2" charset="0"/>
+                        <a:cs typeface="Questrial" pitchFamily="2" charset="0"/>
+                      </a:endParaRPr>
+                    </a:p>
+                  </a:txBody>
+                  <a:tcPr/>
+                </a:tc>
+                <a:tc>
+                  <a:txBody>
+                    <a:bodyPr/>
+                    <a:lstStyle/>
+                    <a:p>
+                      <a:r>
+                        <a:rPr lang="en-US" dirty="0" err="1">
+                          <a:latin typeface="Questrial" pitchFamily="2" charset="0"/>
+                          <a:ea typeface="Questrial" pitchFamily="2" charset="0"/>
+                          <a:cs typeface="Questrial" pitchFamily="2" charset="0"/>
+                        </a:rPr>
+                        <a:t>Học</a:t>
+                      </a:r>
+                      <a:r>
+                        <a:rPr lang="en-US" dirty="0">
+                          <a:latin typeface="Questrial" pitchFamily="2" charset="0"/>
+                          <a:ea typeface="Questrial" pitchFamily="2" charset="0"/>
+                          <a:cs typeface="Questrial" pitchFamily="2" charset="0"/>
+                        </a:rPr>
+                        <a:t> </a:t>
+                      </a:r>
+                      <a:r>
+                        <a:rPr lang="en-US" dirty="0" err="1">
+                          <a:latin typeface="Questrial" pitchFamily="2" charset="0"/>
+                          <a:ea typeface="Questrial" pitchFamily="2" charset="0"/>
+                          <a:cs typeface="Questrial" pitchFamily="2" charset="0"/>
+                        </a:rPr>
+                        <a:t>kiến</a:t>
+                      </a:r>
+                      <a:r>
+                        <a:rPr lang="en-US" dirty="0">
+                          <a:latin typeface="Questrial" pitchFamily="2" charset="0"/>
+                          <a:ea typeface="Questrial" pitchFamily="2" charset="0"/>
+                          <a:cs typeface="Questrial" pitchFamily="2" charset="0"/>
+                        </a:rPr>
+                        <a:t> </a:t>
+                      </a:r>
+                      <a:r>
+                        <a:rPr lang="en-US" dirty="0" err="1">
+                          <a:latin typeface="Questrial" pitchFamily="2" charset="0"/>
+                          <a:ea typeface="Questrial" pitchFamily="2" charset="0"/>
+                          <a:cs typeface="Questrial" pitchFamily="2" charset="0"/>
+                        </a:rPr>
+                        <a:t>thức</a:t>
+                      </a:r>
+                      <a:r>
+                        <a:rPr lang="en-US" dirty="0">
+                          <a:latin typeface="Questrial" pitchFamily="2" charset="0"/>
+                          <a:ea typeface="Questrial" pitchFamily="2" charset="0"/>
+                          <a:cs typeface="Questrial" pitchFamily="2" charset="0"/>
+                        </a:rPr>
+                        <a:t> song </a:t>
+                      </a:r>
+                      <a:r>
+                        <a:rPr lang="en-US" dirty="0" err="1">
+                          <a:latin typeface="Questrial" pitchFamily="2" charset="0"/>
+                          <a:ea typeface="Questrial" pitchFamily="2" charset="0"/>
+                          <a:cs typeface="Questrial" pitchFamily="2" charset="0"/>
+                        </a:rPr>
+                        <a:t>hành</a:t>
+                      </a:r>
+                      <a:r>
+                        <a:rPr lang="en-US" dirty="0">
+                          <a:latin typeface="Questrial" pitchFamily="2" charset="0"/>
+                          <a:ea typeface="Questrial" pitchFamily="2" charset="0"/>
+                          <a:cs typeface="Questrial" pitchFamily="2" charset="0"/>
+                        </a:rPr>
+                        <a:t> </a:t>
+                      </a:r>
+                      <a:r>
+                        <a:rPr lang="en-US" dirty="0" err="1">
+                          <a:latin typeface="Questrial" pitchFamily="2" charset="0"/>
+                          <a:ea typeface="Questrial" pitchFamily="2" charset="0"/>
+                          <a:cs typeface="Questrial" pitchFamily="2" charset="0"/>
+                        </a:rPr>
+                        <a:t>giải</a:t>
+                      </a:r>
+                      <a:r>
+                        <a:rPr lang="en-US" dirty="0">
+                          <a:latin typeface="Questrial" pitchFamily="2" charset="0"/>
+                          <a:ea typeface="Questrial" pitchFamily="2" charset="0"/>
+                          <a:cs typeface="Questrial" pitchFamily="2" charset="0"/>
+                        </a:rPr>
+                        <a:t> </a:t>
+                      </a:r>
+                      <a:r>
+                        <a:rPr lang="en-US" dirty="0" err="1">
+                          <a:latin typeface="Questrial" pitchFamily="2" charset="0"/>
+                          <a:ea typeface="Questrial" pitchFamily="2" charset="0"/>
+                          <a:cs typeface="Questrial" pitchFamily="2" charset="0"/>
+                        </a:rPr>
+                        <a:t>trí</a:t>
+                      </a:r>
+                      <a:r>
+                        <a:rPr lang="en-US" dirty="0">
+                          <a:latin typeface="Questrial" pitchFamily="2" charset="0"/>
+                          <a:ea typeface="Questrial" pitchFamily="2" charset="0"/>
+                          <a:cs typeface="Questrial" pitchFamily="2" charset="0"/>
+                        </a:rPr>
+                        <a:t>, </a:t>
+                      </a:r>
+                      <a:r>
+                        <a:rPr lang="en-US" dirty="0" err="1">
+                          <a:latin typeface="Questrial" pitchFamily="2" charset="0"/>
+                          <a:ea typeface="Questrial" pitchFamily="2" charset="0"/>
+                          <a:cs typeface="Questrial" pitchFamily="2" charset="0"/>
+                        </a:rPr>
+                        <a:t>phiêu</a:t>
+                      </a:r>
+                      <a:r>
+                        <a:rPr lang="en-US" dirty="0">
+                          <a:latin typeface="Questrial" pitchFamily="2" charset="0"/>
+                          <a:ea typeface="Questrial" pitchFamily="2" charset="0"/>
+                          <a:cs typeface="Questrial" pitchFamily="2" charset="0"/>
+                        </a:rPr>
+                        <a:t> </a:t>
+                      </a:r>
+                      <a:r>
+                        <a:rPr lang="en-US" dirty="0" err="1">
+                          <a:latin typeface="Questrial" pitchFamily="2" charset="0"/>
+                          <a:ea typeface="Questrial" pitchFamily="2" charset="0"/>
+                          <a:cs typeface="Questrial" pitchFamily="2" charset="0"/>
+                        </a:rPr>
+                        <a:t>lưu</a:t>
+                      </a:r>
+                      <a:r>
+                        <a:rPr lang="en-US" dirty="0">
+                          <a:latin typeface="Questrial" pitchFamily="2" charset="0"/>
+                          <a:ea typeface="Questrial" pitchFamily="2" charset="0"/>
+                          <a:cs typeface="Questrial" pitchFamily="2" charset="0"/>
+                        </a:rPr>
+                        <a:t>.</a:t>
+                      </a:r>
+                    </a:p>
+                    <a:p>
+                      <a:endParaRPr lang="en-US" dirty="0">
+                        <a:latin typeface="Questrial" pitchFamily="2" charset="0"/>
+                        <a:ea typeface="Questrial" pitchFamily="2" charset="0"/>
+                        <a:cs typeface="Questrial" pitchFamily="2" charset="0"/>
+                      </a:endParaRPr>
+                    </a:p>
+                    <a:p>
+                      <a:r>
+                        <a:rPr lang="en-US" dirty="0" err="1">
+                          <a:latin typeface="Questrial" pitchFamily="2" charset="0"/>
+                          <a:ea typeface="Questrial" pitchFamily="2" charset="0"/>
+                          <a:cs typeface="Questrial" pitchFamily="2" charset="0"/>
+                        </a:rPr>
+                        <a:t>Khám</a:t>
+                      </a:r>
+                      <a:r>
+                        <a:rPr lang="en-US" dirty="0">
+                          <a:latin typeface="Questrial" pitchFamily="2" charset="0"/>
+                          <a:ea typeface="Questrial" pitchFamily="2" charset="0"/>
+                          <a:cs typeface="Questrial" pitchFamily="2" charset="0"/>
+                        </a:rPr>
+                        <a:t> </a:t>
+                      </a:r>
+                      <a:r>
+                        <a:rPr lang="en-US" dirty="0" err="1">
+                          <a:latin typeface="Questrial" pitchFamily="2" charset="0"/>
+                          <a:ea typeface="Questrial" pitchFamily="2" charset="0"/>
+                          <a:cs typeface="Questrial" pitchFamily="2" charset="0"/>
+                        </a:rPr>
+                        <a:t>phá</a:t>
+                      </a:r>
+                      <a:r>
+                        <a:rPr lang="en-US" dirty="0">
+                          <a:latin typeface="Questrial" pitchFamily="2" charset="0"/>
+                          <a:ea typeface="Questrial" pitchFamily="2" charset="0"/>
+                          <a:cs typeface="Questrial" pitchFamily="2" charset="0"/>
+                        </a:rPr>
+                        <a:t> </a:t>
+                      </a:r>
+                      <a:r>
+                        <a:rPr lang="en-US" dirty="0" err="1">
+                          <a:latin typeface="Questrial" pitchFamily="2" charset="0"/>
+                          <a:ea typeface="Questrial" pitchFamily="2" charset="0"/>
+                          <a:cs typeface="Questrial" pitchFamily="2" charset="0"/>
+                        </a:rPr>
+                        <a:t>các</a:t>
+                      </a:r>
+                      <a:r>
+                        <a:rPr lang="en-US" dirty="0">
+                          <a:latin typeface="Questrial" pitchFamily="2" charset="0"/>
+                          <a:ea typeface="Questrial" pitchFamily="2" charset="0"/>
+                          <a:cs typeface="Questrial" pitchFamily="2" charset="0"/>
+                        </a:rPr>
+                        <a:t> </a:t>
+                      </a:r>
+                      <a:r>
+                        <a:rPr lang="en-US" dirty="0" err="1">
+                          <a:latin typeface="Questrial" pitchFamily="2" charset="0"/>
+                          <a:ea typeface="Questrial" pitchFamily="2" charset="0"/>
+                          <a:cs typeface="Questrial" pitchFamily="2" charset="0"/>
+                        </a:rPr>
+                        <a:t>thử</a:t>
+                      </a:r>
+                      <a:r>
+                        <a:rPr lang="en-US" dirty="0">
+                          <a:latin typeface="Questrial" pitchFamily="2" charset="0"/>
+                          <a:ea typeface="Questrial" pitchFamily="2" charset="0"/>
+                          <a:cs typeface="Questrial" pitchFamily="2" charset="0"/>
+                        </a:rPr>
+                        <a:t> </a:t>
+                      </a:r>
+                      <a:r>
+                        <a:rPr lang="en-US" dirty="0" err="1">
+                          <a:latin typeface="Questrial" pitchFamily="2" charset="0"/>
+                          <a:ea typeface="Questrial" pitchFamily="2" charset="0"/>
+                          <a:cs typeface="Questrial" pitchFamily="2" charset="0"/>
+                        </a:rPr>
+                        <a:t>thách</a:t>
+                      </a:r>
+                      <a:r>
+                        <a:rPr lang="en-US" dirty="0">
+                          <a:latin typeface="Questrial" pitchFamily="2" charset="0"/>
+                          <a:ea typeface="Questrial" pitchFamily="2" charset="0"/>
+                          <a:cs typeface="Questrial" pitchFamily="2" charset="0"/>
+                        </a:rPr>
+                        <a:t> </a:t>
+                      </a:r>
+                      <a:r>
+                        <a:rPr lang="en-US" dirty="0" err="1">
+                          <a:latin typeface="Questrial" pitchFamily="2" charset="0"/>
+                          <a:ea typeface="Questrial" pitchFamily="2" charset="0"/>
+                          <a:cs typeface="Questrial" pitchFamily="2" charset="0"/>
+                        </a:rPr>
+                        <a:t>về</a:t>
+                      </a:r>
+                      <a:r>
+                        <a:rPr lang="en-US" dirty="0">
+                          <a:latin typeface="Questrial" pitchFamily="2" charset="0"/>
+                          <a:ea typeface="Questrial" pitchFamily="2" charset="0"/>
+                          <a:cs typeface="Questrial" pitchFamily="2" charset="0"/>
+                        </a:rPr>
+                        <a:t> </a:t>
+                      </a:r>
+                      <a:r>
+                        <a:rPr lang="en-US" dirty="0" err="1">
+                          <a:latin typeface="Questrial" pitchFamily="2" charset="0"/>
+                          <a:ea typeface="Questrial" pitchFamily="2" charset="0"/>
+                          <a:cs typeface="Questrial" pitchFamily="2" charset="0"/>
+                        </a:rPr>
+                        <a:t>lĩnh</a:t>
+                      </a:r>
+                      <a:r>
+                        <a:rPr lang="en-US" dirty="0">
+                          <a:latin typeface="Questrial" pitchFamily="2" charset="0"/>
+                          <a:ea typeface="Questrial" pitchFamily="2" charset="0"/>
+                          <a:cs typeface="Questrial" pitchFamily="2" charset="0"/>
+                        </a:rPr>
+                        <a:t> </a:t>
+                      </a:r>
+                      <a:r>
+                        <a:rPr lang="en-US" dirty="0" err="1">
+                          <a:latin typeface="Questrial" pitchFamily="2" charset="0"/>
+                          <a:ea typeface="Questrial" pitchFamily="2" charset="0"/>
+                          <a:cs typeface="Questrial" pitchFamily="2" charset="0"/>
+                        </a:rPr>
+                        <a:t>vực</a:t>
+                      </a:r>
+                      <a:r>
+                        <a:rPr lang="en-US" dirty="0">
+                          <a:latin typeface="Questrial" pitchFamily="2" charset="0"/>
+                          <a:ea typeface="Questrial" pitchFamily="2" charset="0"/>
+                          <a:cs typeface="Questrial" pitchFamily="2" charset="0"/>
+                        </a:rPr>
+                        <a:t> </a:t>
+                      </a:r>
+                      <a:r>
+                        <a:rPr lang="en-US" dirty="0" err="1">
+                          <a:latin typeface="Questrial" pitchFamily="2" charset="0"/>
+                          <a:ea typeface="Questrial" pitchFamily="2" charset="0"/>
+                          <a:cs typeface="Questrial" pitchFamily="2" charset="0"/>
+                        </a:rPr>
+                        <a:t>bảo</a:t>
+                      </a:r>
+                      <a:r>
+                        <a:rPr lang="en-US" dirty="0">
+                          <a:latin typeface="Questrial" pitchFamily="2" charset="0"/>
+                          <a:ea typeface="Questrial" pitchFamily="2" charset="0"/>
+                          <a:cs typeface="Questrial" pitchFamily="2" charset="0"/>
+                        </a:rPr>
+                        <a:t> </a:t>
+                      </a:r>
+                      <a:r>
+                        <a:rPr lang="en-US" dirty="0" err="1">
+                          <a:latin typeface="Questrial" pitchFamily="2" charset="0"/>
+                          <a:ea typeface="Questrial" pitchFamily="2" charset="0"/>
+                          <a:cs typeface="Questrial" pitchFamily="2" charset="0"/>
+                        </a:rPr>
+                        <a:t>mật</a:t>
+                      </a:r>
+                      <a:r>
+                        <a:rPr lang="en-US" dirty="0">
+                          <a:latin typeface="Questrial" pitchFamily="2" charset="0"/>
+                          <a:ea typeface="Questrial" pitchFamily="2" charset="0"/>
+                          <a:cs typeface="Questrial" pitchFamily="2" charset="0"/>
+                        </a:rPr>
+                        <a:t>.</a:t>
+                      </a:r>
+                    </a:p>
+                    <a:p>
+                      <a:endParaRPr lang="en-US" dirty="0">
+                        <a:latin typeface="Questrial" pitchFamily="2" charset="0"/>
+                        <a:ea typeface="Questrial" pitchFamily="2" charset="0"/>
+                        <a:cs typeface="Questrial" pitchFamily="2" charset="0"/>
+                      </a:endParaRPr>
+                    </a:p>
+                  </a:txBody>
+                  <a:tcPr/>
+                </a:tc>
+                <a:tc>
+                  <a:txBody>
+                    <a:bodyPr/>
+                    <a:lstStyle/>
+                    <a:p>
+                      <a:pPr marL="0" marR="0" lvl="0" indent="0" algn="l" defTabSz="914400" rtl="0" eaLnBrk="1" fontAlgn="auto" latinLnBrk="0" hangingPunct="1">
+                        <a:lnSpc>
+                          <a:spcPct val="100000"/>
+                        </a:lnSpc>
+                        <a:spcBef>
+                          <a:spcPts val="0"/>
+                        </a:spcBef>
+                        <a:spcAft>
+                          <a:spcPts val="0"/>
+                        </a:spcAft>
+                        <a:buClrTx/>
+                        <a:buSzTx/>
+                        <a:buFontTx/>
+                        <a:buNone/>
+                        <a:tabLst/>
+                        <a:defRPr/>
+                      </a:pPr>
+                      <a:r>
+                        <a:rPr lang="en-US" dirty="0" err="1">
+                          <a:latin typeface="Questrial" pitchFamily="2" charset="0"/>
+                          <a:ea typeface="Questrial" pitchFamily="2" charset="0"/>
+                          <a:cs typeface="Questrial" pitchFamily="2" charset="0"/>
+                        </a:rPr>
+                        <a:t>Nâng</a:t>
+                      </a:r>
+                      <a:r>
+                        <a:rPr lang="en-US" dirty="0">
+                          <a:latin typeface="Questrial" pitchFamily="2" charset="0"/>
+                          <a:ea typeface="Questrial" pitchFamily="2" charset="0"/>
+                          <a:cs typeface="Questrial" pitchFamily="2" charset="0"/>
+                        </a:rPr>
+                        <a:t> </a:t>
+                      </a:r>
+                      <a:r>
+                        <a:rPr lang="en-US" dirty="0" err="1">
+                          <a:latin typeface="Questrial" pitchFamily="2" charset="0"/>
+                          <a:ea typeface="Questrial" pitchFamily="2" charset="0"/>
+                          <a:cs typeface="Questrial" pitchFamily="2" charset="0"/>
+                        </a:rPr>
+                        <a:t>cao</a:t>
+                      </a:r>
+                      <a:r>
+                        <a:rPr lang="en-US" dirty="0">
+                          <a:latin typeface="Questrial" pitchFamily="2" charset="0"/>
+                          <a:ea typeface="Questrial" pitchFamily="2" charset="0"/>
+                          <a:cs typeface="Questrial" pitchFamily="2" charset="0"/>
+                        </a:rPr>
+                        <a:t> </a:t>
+                      </a:r>
+                      <a:r>
+                        <a:rPr lang="en-US" dirty="0" err="1">
+                          <a:latin typeface="Questrial" pitchFamily="2" charset="0"/>
+                          <a:ea typeface="Questrial" pitchFamily="2" charset="0"/>
+                          <a:cs typeface="Questrial" pitchFamily="2" charset="0"/>
+                        </a:rPr>
+                        <a:t>nhận</a:t>
+                      </a:r>
+                      <a:r>
+                        <a:rPr lang="en-US" dirty="0">
+                          <a:latin typeface="Questrial" pitchFamily="2" charset="0"/>
+                          <a:ea typeface="Questrial" pitchFamily="2" charset="0"/>
+                          <a:cs typeface="Questrial" pitchFamily="2" charset="0"/>
+                        </a:rPr>
+                        <a:t> </a:t>
+                      </a:r>
+                      <a:r>
+                        <a:rPr lang="en-US" dirty="0" err="1">
+                          <a:latin typeface="Questrial" pitchFamily="2" charset="0"/>
+                          <a:ea typeface="Questrial" pitchFamily="2" charset="0"/>
+                          <a:cs typeface="Questrial" pitchFamily="2" charset="0"/>
+                        </a:rPr>
+                        <a:t>thức</a:t>
+                      </a:r>
+                      <a:r>
+                        <a:rPr lang="en-US" dirty="0">
+                          <a:latin typeface="Questrial" pitchFamily="2" charset="0"/>
+                          <a:ea typeface="Questrial" pitchFamily="2" charset="0"/>
+                          <a:cs typeface="Questrial" pitchFamily="2" charset="0"/>
+                        </a:rPr>
+                        <a:t> </a:t>
+                      </a:r>
+                      <a:r>
+                        <a:rPr lang="en-US" dirty="0" err="1">
+                          <a:latin typeface="Questrial" pitchFamily="2" charset="0"/>
+                          <a:ea typeface="Questrial" pitchFamily="2" charset="0"/>
+                          <a:cs typeface="Questrial" pitchFamily="2" charset="0"/>
+                        </a:rPr>
+                        <a:t>người</a:t>
+                      </a:r>
+                      <a:r>
+                        <a:rPr lang="en-US" dirty="0">
+                          <a:latin typeface="Questrial" pitchFamily="2" charset="0"/>
+                          <a:ea typeface="Questrial" pitchFamily="2" charset="0"/>
+                          <a:cs typeface="Questrial" pitchFamily="2" charset="0"/>
+                        </a:rPr>
+                        <a:t> dung </a:t>
+                      </a:r>
+                      <a:r>
+                        <a:rPr lang="en-US" dirty="0" err="1">
+                          <a:latin typeface="Questrial" pitchFamily="2" charset="0"/>
+                          <a:ea typeface="Questrial" pitchFamily="2" charset="0"/>
+                          <a:cs typeface="Questrial" pitchFamily="2" charset="0"/>
+                        </a:rPr>
+                        <a:t>về</a:t>
+                      </a:r>
+                      <a:r>
+                        <a:rPr lang="en-US" dirty="0">
+                          <a:latin typeface="Questrial" pitchFamily="2" charset="0"/>
+                          <a:ea typeface="Questrial" pitchFamily="2" charset="0"/>
+                          <a:cs typeface="Questrial" pitchFamily="2" charset="0"/>
+                        </a:rPr>
+                        <a:t> </a:t>
+                      </a:r>
+                      <a:r>
+                        <a:rPr lang="en-US" dirty="0" err="1">
+                          <a:latin typeface="Questrial" pitchFamily="2" charset="0"/>
+                          <a:ea typeface="Questrial" pitchFamily="2" charset="0"/>
+                          <a:cs typeface="Questrial" pitchFamily="2" charset="0"/>
+                        </a:rPr>
+                        <a:t>việc</a:t>
+                      </a:r>
+                      <a:r>
+                        <a:rPr lang="en-US" dirty="0">
+                          <a:latin typeface="Questrial" pitchFamily="2" charset="0"/>
+                          <a:ea typeface="Questrial" pitchFamily="2" charset="0"/>
+                          <a:cs typeface="Questrial" pitchFamily="2" charset="0"/>
+                        </a:rPr>
+                        <a:t> </a:t>
+                      </a:r>
+                      <a:r>
+                        <a:rPr lang="en-US" dirty="0" err="1">
+                          <a:latin typeface="Questrial" pitchFamily="2" charset="0"/>
+                          <a:ea typeface="Questrial" pitchFamily="2" charset="0"/>
+                          <a:cs typeface="Questrial" pitchFamily="2" charset="0"/>
+                        </a:rPr>
+                        <a:t>bảo</a:t>
+                      </a:r>
+                      <a:r>
+                        <a:rPr lang="en-US" dirty="0">
+                          <a:latin typeface="Questrial" pitchFamily="2" charset="0"/>
+                          <a:ea typeface="Questrial" pitchFamily="2" charset="0"/>
+                          <a:cs typeface="Questrial" pitchFamily="2" charset="0"/>
+                        </a:rPr>
+                        <a:t> </a:t>
+                      </a:r>
+                      <a:r>
+                        <a:rPr lang="en-US" dirty="0" err="1">
+                          <a:latin typeface="Questrial" pitchFamily="2" charset="0"/>
+                          <a:ea typeface="Questrial" pitchFamily="2" charset="0"/>
+                          <a:cs typeface="Questrial" pitchFamily="2" charset="0"/>
+                        </a:rPr>
+                        <a:t>mật</a:t>
+                      </a:r>
+                      <a:r>
+                        <a:rPr lang="en-US" dirty="0">
+                          <a:latin typeface="Questrial" pitchFamily="2" charset="0"/>
+                          <a:ea typeface="Questrial" pitchFamily="2" charset="0"/>
+                          <a:cs typeface="Questrial" pitchFamily="2" charset="0"/>
+                        </a:rPr>
+                        <a:t> </a:t>
+                      </a:r>
+                      <a:r>
+                        <a:rPr lang="en-US" dirty="0" err="1">
+                          <a:latin typeface="Questrial" pitchFamily="2" charset="0"/>
+                          <a:ea typeface="Questrial" pitchFamily="2" charset="0"/>
+                          <a:cs typeface="Questrial" pitchFamily="2" charset="0"/>
+                        </a:rPr>
+                        <a:t>thông</a:t>
+                      </a:r>
+                      <a:r>
+                        <a:rPr lang="en-US" dirty="0">
+                          <a:latin typeface="Questrial" pitchFamily="2" charset="0"/>
+                          <a:ea typeface="Questrial" pitchFamily="2" charset="0"/>
+                          <a:cs typeface="Questrial" pitchFamily="2" charset="0"/>
+                        </a:rPr>
+                        <a:t> tin.  </a:t>
+                      </a:r>
+                    </a:p>
+                  </a:txBody>
+                  <a:tcPr/>
+                </a:tc>
+                <a:tc>
+                  <a:txBody>
+                    <a:bodyPr/>
+                    <a:lstStyle/>
+                    <a:p>
+                      <a:pPr marL="0" marR="0" lvl="0" indent="0" algn="l" defTabSz="914400" rtl="0" eaLnBrk="1" fontAlgn="auto" latinLnBrk="0" hangingPunct="1">
+                        <a:lnSpc>
+                          <a:spcPct val="100000"/>
+                        </a:lnSpc>
+                        <a:spcBef>
+                          <a:spcPts val="0"/>
+                        </a:spcBef>
+                        <a:spcAft>
+                          <a:spcPts val="0"/>
+                        </a:spcAft>
+                        <a:buClrTx/>
+                        <a:buSzTx/>
+                        <a:buFontTx/>
+                        <a:buNone/>
+                        <a:tabLst/>
+                        <a:defRPr/>
+                      </a:pPr>
+                      <a:r>
+                        <a:rPr lang="en-US" dirty="0" err="1">
+                          <a:latin typeface="Questrial" pitchFamily="2" charset="0"/>
+                          <a:ea typeface="Questrial" pitchFamily="2" charset="0"/>
+                          <a:cs typeface="Questrial" pitchFamily="2" charset="0"/>
+                        </a:rPr>
+                        <a:t>Hệ</a:t>
+                      </a:r>
+                      <a:r>
+                        <a:rPr lang="en-US" dirty="0">
+                          <a:latin typeface="Questrial" pitchFamily="2" charset="0"/>
+                          <a:ea typeface="Questrial" pitchFamily="2" charset="0"/>
+                          <a:cs typeface="Questrial" pitchFamily="2" charset="0"/>
+                        </a:rPr>
+                        <a:t> </a:t>
+                      </a:r>
+                      <a:r>
+                        <a:rPr lang="en-US" dirty="0" err="1">
+                          <a:latin typeface="Questrial" pitchFamily="2" charset="0"/>
+                          <a:ea typeface="Questrial" pitchFamily="2" charset="0"/>
+                          <a:cs typeface="Questrial" pitchFamily="2" charset="0"/>
+                        </a:rPr>
+                        <a:t>thống</a:t>
+                      </a:r>
+                      <a:r>
+                        <a:rPr lang="en-US" dirty="0">
+                          <a:latin typeface="Questrial" pitchFamily="2" charset="0"/>
+                          <a:ea typeface="Questrial" pitchFamily="2" charset="0"/>
+                          <a:cs typeface="Questrial" pitchFamily="2" charset="0"/>
+                        </a:rPr>
+                        <a:t> CSKH</a:t>
+                      </a:r>
+                    </a:p>
+                    <a:p>
+                      <a:endParaRPr lang="en-US" dirty="0">
+                        <a:latin typeface="Questrial" pitchFamily="2" charset="0"/>
+                        <a:ea typeface="Questrial" pitchFamily="2" charset="0"/>
+                        <a:cs typeface="Questrial" pitchFamily="2" charset="0"/>
+                      </a:endParaRPr>
+                    </a:p>
+                  </a:txBody>
+                  <a:tcPr/>
+                </a:tc>
+                <a:tc>
+                  <a:txBody>
+                    <a:bodyPr/>
+                    <a:lstStyle/>
+                    <a:p>
+                      <a:pPr marL="285750" marR="0" lvl="0" indent="-285750" algn="l" defTabSz="914400" rtl="0" eaLnBrk="1" fontAlgn="auto" latinLnBrk="0" hangingPunct="1">
+                        <a:lnSpc>
+                          <a:spcPct val="100000"/>
+                        </a:lnSpc>
+                        <a:spcBef>
+                          <a:spcPts val="0"/>
+                        </a:spcBef>
+                        <a:spcAft>
+                          <a:spcPts val="0"/>
+                        </a:spcAft>
+                        <a:buClrTx/>
+                        <a:buSzTx/>
+                        <a:buFontTx/>
+                        <a:buChar char="-"/>
+                        <a:tabLst/>
+                        <a:defRPr/>
+                      </a:pPr>
+                      <a:r>
+                        <a:rPr lang="en-US" dirty="0" err="1">
+                          <a:latin typeface="Questrial" pitchFamily="2" charset="0"/>
+                          <a:ea typeface="Questrial" pitchFamily="2" charset="0"/>
+                          <a:cs typeface="Questrial" pitchFamily="2" charset="0"/>
+                        </a:rPr>
+                        <a:t>Những</a:t>
+                      </a:r>
+                      <a:r>
+                        <a:rPr lang="en-US" dirty="0">
+                          <a:latin typeface="Questrial" pitchFamily="2" charset="0"/>
+                          <a:ea typeface="Questrial" pitchFamily="2" charset="0"/>
+                          <a:cs typeface="Questrial" pitchFamily="2" charset="0"/>
+                        </a:rPr>
+                        <a:t> </a:t>
+                      </a:r>
+                      <a:r>
+                        <a:rPr lang="en-US" dirty="0" err="1">
+                          <a:latin typeface="Questrial" pitchFamily="2" charset="0"/>
+                          <a:ea typeface="Questrial" pitchFamily="2" charset="0"/>
+                          <a:cs typeface="Questrial" pitchFamily="2" charset="0"/>
+                        </a:rPr>
+                        <a:t>người</a:t>
+                      </a:r>
+                      <a:r>
+                        <a:rPr lang="en-US" dirty="0">
+                          <a:latin typeface="Questrial" pitchFamily="2" charset="0"/>
+                          <a:ea typeface="Questrial" pitchFamily="2" charset="0"/>
+                          <a:cs typeface="Questrial" pitchFamily="2" charset="0"/>
+                        </a:rPr>
+                        <a:t> </a:t>
+                      </a:r>
+                      <a:r>
+                        <a:rPr lang="en-US" dirty="0" err="1">
+                          <a:latin typeface="Questrial" pitchFamily="2" charset="0"/>
+                          <a:ea typeface="Questrial" pitchFamily="2" charset="0"/>
+                          <a:cs typeface="Questrial" pitchFamily="2" charset="0"/>
+                        </a:rPr>
+                        <a:t>có</a:t>
+                      </a:r>
+                      <a:r>
+                        <a:rPr lang="en-US" dirty="0">
+                          <a:latin typeface="Questrial" pitchFamily="2" charset="0"/>
+                          <a:ea typeface="Questrial" pitchFamily="2" charset="0"/>
+                          <a:cs typeface="Questrial" pitchFamily="2" charset="0"/>
+                        </a:rPr>
+                        <a:t> </a:t>
+                      </a:r>
+                      <a:r>
+                        <a:rPr lang="en-US" dirty="0" err="1">
+                          <a:latin typeface="Questrial" pitchFamily="2" charset="0"/>
+                          <a:ea typeface="Questrial" pitchFamily="2" charset="0"/>
+                          <a:cs typeface="Questrial" pitchFamily="2" charset="0"/>
+                        </a:rPr>
+                        <a:t>hướng</a:t>
+                      </a:r>
+                      <a:r>
+                        <a:rPr lang="en-US" dirty="0">
+                          <a:latin typeface="Questrial" pitchFamily="2" charset="0"/>
+                          <a:ea typeface="Questrial" pitchFamily="2" charset="0"/>
+                          <a:cs typeface="Questrial" pitchFamily="2" charset="0"/>
+                        </a:rPr>
+                        <a:t> </a:t>
+                      </a:r>
+                      <a:r>
+                        <a:rPr lang="en-US" dirty="0" err="1">
+                          <a:latin typeface="Questrial" pitchFamily="2" charset="0"/>
+                          <a:ea typeface="Questrial" pitchFamily="2" charset="0"/>
+                          <a:cs typeface="Questrial" pitchFamily="2" charset="0"/>
+                        </a:rPr>
+                        <a:t>thú</a:t>
+                      </a:r>
+                      <a:r>
+                        <a:rPr lang="en-US" dirty="0">
+                          <a:latin typeface="Questrial" pitchFamily="2" charset="0"/>
+                          <a:ea typeface="Questrial" pitchFamily="2" charset="0"/>
+                          <a:cs typeface="Questrial" pitchFamily="2" charset="0"/>
+                        </a:rPr>
+                        <a:t> </a:t>
+                      </a:r>
+                      <a:r>
+                        <a:rPr lang="en-US" dirty="0" err="1">
+                          <a:latin typeface="Questrial" pitchFamily="2" charset="0"/>
+                          <a:ea typeface="Questrial" pitchFamily="2" charset="0"/>
+                          <a:cs typeface="Questrial" pitchFamily="2" charset="0"/>
+                        </a:rPr>
+                        <a:t>về</a:t>
+                      </a:r>
+                      <a:r>
+                        <a:rPr lang="en-US" dirty="0">
+                          <a:latin typeface="Questrial" pitchFamily="2" charset="0"/>
+                          <a:ea typeface="Questrial" pitchFamily="2" charset="0"/>
+                          <a:cs typeface="Questrial" pitchFamily="2" charset="0"/>
+                        </a:rPr>
+                        <a:t> game </a:t>
+                      </a:r>
+                      <a:r>
+                        <a:rPr lang="en-US" dirty="0" err="1">
+                          <a:latin typeface="Questrial" pitchFamily="2" charset="0"/>
+                          <a:ea typeface="Questrial" pitchFamily="2" charset="0"/>
+                          <a:cs typeface="Questrial" pitchFamily="2" charset="0"/>
+                        </a:rPr>
+                        <a:t>có</a:t>
+                      </a:r>
+                      <a:r>
+                        <a:rPr lang="en-US" dirty="0">
+                          <a:latin typeface="Questrial" pitchFamily="2" charset="0"/>
+                          <a:ea typeface="Questrial" pitchFamily="2" charset="0"/>
+                          <a:cs typeface="Questrial" pitchFamily="2" charset="0"/>
+                        </a:rPr>
+                        <a:t> </a:t>
+                      </a:r>
+                      <a:r>
+                        <a:rPr lang="en-US" dirty="0" err="1">
+                          <a:latin typeface="Questrial" pitchFamily="2" charset="0"/>
+                          <a:ea typeface="Questrial" pitchFamily="2" charset="0"/>
+                          <a:cs typeface="Questrial" pitchFamily="2" charset="0"/>
+                        </a:rPr>
+                        <a:t>nhu</a:t>
+                      </a:r>
+                      <a:r>
+                        <a:rPr lang="en-US" dirty="0">
+                          <a:latin typeface="Questrial" pitchFamily="2" charset="0"/>
+                          <a:ea typeface="Questrial" pitchFamily="2" charset="0"/>
+                          <a:cs typeface="Questrial" pitchFamily="2" charset="0"/>
+                        </a:rPr>
+                        <a:t> </a:t>
+                      </a:r>
+                      <a:r>
+                        <a:rPr lang="en-US" dirty="0" err="1">
+                          <a:latin typeface="Questrial" pitchFamily="2" charset="0"/>
+                          <a:ea typeface="Questrial" pitchFamily="2" charset="0"/>
+                          <a:cs typeface="Questrial" pitchFamily="2" charset="0"/>
+                        </a:rPr>
+                        <a:t>cầu</a:t>
+                      </a:r>
+                      <a:r>
+                        <a:rPr lang="en-US" dirty="0">
+                          <a:latin typeface="Questrial" pitchFamily="2" charset="0"/>
+                          <a:ea typeface="Questrial" pitchFamily="2" charset="0"/>
+                          <a:cs typeface="Questrial" pitchFamily="2" charset="0"/>
+                        </a:rPr>
+                        <a:t> </a:t>
+                      </a:r>
+                      <a:r>
+                        <a:rPr lang="en-US" dirty="0" err="1">
+                          <a:latin typeface="Questrial" pitchFamily="2" charset="0"/>
+                          <a:ea typeface="Questrial" pitchFamily="2" charset="0"/>
+                          <a:cs typeface="Questrial" pitchFamily="2" charset="0"/>
+                        </a:rPr>
+                        <a:t>giải</a:t>
+                      </a:r>
+                      <a:r>
+                        <a:rPr lang="en-US" dirty="0">
+                          <a:latin typeface="Questrial" pitchFamily="2" charset="0"/>
+                          <a:ea typeface="Questrial" pitchFamily="2" charset="0"/>
+                          <a:cs typeface="Questrial" pitchFamily="2" charset="0"/>
+                        </a:rPr>
+                        <a:t> </a:t>
+                      </a:r>
+                      <a:r>
+                        <a:rPr lang="en-US" dirty="0" err="1">
+                          <a:latin typeface="Questrial" pitchFamily="2" charset="0"/>
+                          <a:ea typeface="Questrial" pitchFamily="2" charset="0"/>
+                          <a:cs typeface="Questrial" pitchFamily="2" charset="0"/>
+                        </a:rPr>
+                        <a:t>trí</a:t>
+                      </a:r>
+                      <a:r>
+                        <a:rPr lang="en-US" dirty="0">
+                          <a:latin typeface="Questrial" pitchFamily="2" charset="0"/>
+                          <a:ea typeface="Questrial" pitchFamily="2" charset="0"/>
+                          <a:cs typeface="Questrial" pitchFamily="2" charset="0"/>
+                        </a:rPr>
+                        <a:t>.</a:t>
+                      </a:r>
+                    </a:p>
+                    <a:p>
+                      <a:pPr marL="0" marR="0" lvl="0" indent="0" algn="l" defTabSz="914400" rtl="0" eaLnBrk="1" fontAlgn="auto" latinLnBrk="0" hangingPunct="1">
+                        <a:lnSpc>
+                          <a:spcPct val="100000"/>
+                        </a:lnSpc>
+                        <a:spcBef>
+                          <a:spcPts val="0"/>
+                        </a:spcBef>
+                        <a:spcAft>
+                          <a:spcPts val="0"/>
+                        </a:spcAft>
+                        <a:buClrTx/>
+                        <a:buSzTx/>
+                        <a:buFontTx/>
+                        <a:buNone/>
+                        <a:tabLst/>
+                        <a:defRPr/>
+                      </a:pPr>
+                      <a:r>
+                        <a:rPr lang="en-US" dirty="0">
+                          <a:latin typeface="Questrial" pitchFamily="2" charset="0"/>
+                          <a:ea typeface="Questrial" pitchFamily="2" charset="0"/>
+                          <a:cs typeface="Questrial" pitchFamily="2" charset="0"/>
+                        </a:rPr>
+                        <a:t>- </a:t>
+                      </a:r>
+                      <a:r>
+                        <a:rPr lang="en-US" dirty="0" err="1">
+                          <a:latin typeface="Questrial" pitchFamily="2" charset="0"/>
+                          <a:ea typeface="Questrial" pitchFamily="2" charset="0"/>
+                          <a:cs typeface="Questrial" pitchFamily="2" charset="0"/>
+                        </a:rPr>
+                        <a:t>Những</a:t>
+                      </a:r>
+                      <a:r>
+                        <a:rPr lang="en-US" dirty="0">
+                          <a:latin typeface="Questrial" pitchFamily="2" charset="0"/>
+                          <a:ea typeface="Questrial" pitchFamily="2" charset="0"/>
+                          <a:cs typeface="Questrial" pitchFamily="2" charset="0"/>
+                        </a:rPr>
+                        <a:t> </a:t>
+                      </a:r>
+                      <a:r>
+                        <a:rPr lang="en-US" dirty="0" err="1">
+                          <a:latin typeface="Questrial" pitchFamily="2" charset="0"/>
+                          <a:ea typeface="Questrial" pitchFamily="2" charset="0"/>
+                          <a:cs typeface="Questrial" pitchFamily="2" charset="0"/>
+                        </a:rPr>
+                        <a:t>người</a:t>
+                      </a:r>
+                      <a:r>
+                        <a:rPr lang="en-US" dirty="0">
+                          <a:latin typeface="Questrial" pitchFamily="2" charset="0"/>
+                          <a:ea typeface="Questrial" pitchFamily="2" charset="0"/>
+                          <a:cs typeface="Questrial" pitchFamily="2" charset="0"/>
+                        </a:rPr>
+                        <a:t> </a:t>
+                      </a:r>
+                      <a:r>
+                        <a:rPr lang="en-US" dirty="0" err="1">
+                          <a:latin typeface="Questrial" pitchFamily="2" charset="0"/>
+                          <a:ea typeface="Questrial" pitchFamily="2" charset="0"/>
+                          <a:cs typeface="Questrial" pitchFamily="2" charset="0"/>
+                        </a:rPr>
+                        <a:t>có</a:t>
+                      </a:r>
+                      <a:r>
+                        <a:rPr lang="en-US" dirty="0">
+                          <a:latin typeface="Questrial" pitchFamily="2" charset="0"/>
+                          <a:ea typeface="Questrial" pitchFamily="2" charset="0"/>
+                          <a:cs typeface="Questrial" pitchFamily="2" charset="0"/>
+                        </a:rPr>
+                        <a:t> </a:t>
+                      </a:r>
+                      <a:r>
+                        <a:rPr lang="en-US" dirty="0" err="1">
+                          <a:latin typeface="Questrial" pitchFamily="2" charset="0"/>
+                          <a:ea typeface="Questrial" pitchFamily="2" charset="0"/>
+                          <a:cs typeface="Questrial" pitchFamily="2" charset="0"/>
+                        </a:rPr>
+                        <a:t>hứng</a:t>
+                      </a:r>
+                      <a:r>
+                        <a:rPr lang="en-US" dirty="0">
+                          <a:latin typeface="Questrial" pitchFamily="2" charset="0"/>
+                          <a:ea typeface="Questrial" pitchFamily="2" charset="0"/>
+                          <a:cs typeface="Questrial" pitchFamily="2" charset="0"/>
+                        </a:rPr>
+                        <a:t> </a:t>
+                      </a:r>
+                      <a:r>
+                        <a:rPr lang="en-US" dirty="0" err="1">
+                          <a:latin typeface="Questrial" pitchFamily="2" charset="0"/>
+                          <a:ea typeface="Questrial" pitchFamily="2" charset="0"/>
+                          <a:cs typeface="Questrial" pitchFamily="2" charset="0"/>
+                        </a:rPr>
+                        <a:t>thú</a:t>
+                      </a:r>
+                      <a:r>
+                        <a:rPr lang="en-US" dirty="0">
+                          <a:latin typeface="Questrial" pitchFamily="2" charset="0"/>
+                          <a:ea typeface="Questrial" pitchFamily="2" charset="0"/>
+                          <a:cs typeface="Questrial" pitchFamily="2" charset="0"/>
+                        </a:rPr>
+                        <a:t> </a:t>
+                      </a:r>
+                      <a:r>
+                        <a:rPr lang="en-US" dirty="0" err="1">
+                          <a:latin typeface="Questrial" pitchFamily="2" charset="0"/>
+                          <a:ea typeface="Questrial" pitchFamily="2" charset="0"/>
+                          <a:cs typeface="Questrial" pitchFamily="2" charset="0"/>
+                        </a:rPr>
+                        <a:t>về</a:t>
+                      </a:r>
+                      <a:r>
+                        <a:rPr lang="en-US" dirty="0">
+                          <a:latin typeface="Questrial" pitchFamily="2" charset="0"/>
+                          <a:ea typeface="Questrial" pitchFamily="2" charset="0"/>
+                          <a:cs typeface="Questrial" pitchFamily="2" charset="0"/>
+                        </a:rPr>
+                        <a:t>  </a:t>
+                      </a:r>
+                      <a:r>
+                        <a:rPr lang="en-US" dirty="0" err="1">
+                          <a:latin typeface="Questrial" pitchFamily="2" charset="0"/>
+                          <a:ea typeface="Questrial" pitchFamily="2" charset="0"/>
+                          <a:cs typeface="Questrial" pitchFamily="2" charset="0"/>
+                        </a:rPr>
+                        <a:t>lĩnh</a:t>
+                      </a:r>
+                      <a:r>
+                        <a:rPr lang="en-US" dirty="0">
+                          <a:latin typeface="Questrial" pitchFamily="2" charset="0"/>
+                          <a:ea typeface="Questrial" pitchFamily="2" charset="0"/>
+                          <a:cs typeface="Questrial" pitchFamily="2" charset="0"/>
+                        </a:rPr>
+                        <a:t> </a:t>
+                      </a:r>
+                      <a:r>
+                        <a:rPr lang="en-US" dirty="0" err="1">
+                          <a:latin typeface="Questrial" pitchFamily="2" charset="0"/>
+                          <a:ea typeface="Questrial" pitchFamily="2" charset="0"/>
+                          <a:cs typeface="Questrial" pitchFamily="2" charset="0"/>
+                        </a:rPr>
+                        <a:t>vực</a:t>
+                      </a:r>
+                      <a:r>
+                        <a:rPr lang="en-US" dirty="0">
+                          <a:latin typeface="Questrial" pitchFamily="2" charset="0"/>
+                          <a:ea typeface="Questrial" pitchFamily="2" charset="0"/>
+                          <a:cs typeface="Questrial" pitchFamily="2" charset="0"/>
+                        </a:rPr>
+                        <a:t> </a:t>
+                      </a:r>
+                      <a:r>
+                        <a:rPr lang="en-US" dirty="0" err="1">
+                          <a:latin typeface="Questrial" pitchFamily="2" charset="0"/>
+                          <a:ea typeface="Questrial" pitchFamily="2" charset="0"/>
+                          <a:cs typeface="Questrial" pitchFamily="2" charset="0"/>
+                        </a:rPr>
+                        <a:t>bảo</a:t>
+                      </a:r>
+                      <a:r>
+                        <a:rPr lang="en-US" dirty="0">
+                          <a:latin typeface="Questrial" pitchFamily="2" charset="0"/>
+                          <a:ea typeface="Questrial" pitchFamily="2" charset="0"/>
+                          <a:cs typeface="Questrial" pitchFamily="2" charset="0"/>
+                        </a:rPr>
+                        <a:t> </a:t>
+                      </a:r>
+                      <a:r>
+                        <a:rPr lang="en-US" dirty="0" err="1">
+                          <a:latin typeface="Questrial" pitchFamily="2" charset="0"/>
+                          <a:ea typeface="Questrial" pitchFamily="2" charset="0"/>
+                          <a:cs typeface="Questrial" pitchFamily="2" charset="0"/>
+                        </a:rPr>
+                        <a:t>mật</a:t>
+                      </a:r>
+                      <a:r>
+                        <a:rPr lang="en-US" dirty="0">
+                          <a:latin typeface="Questrial" pitchFamily="2" charset="0"/>
+                          <a:ea typeface="Questrial" pitchFamily="2" charset="0"/>
+                          <a:cs typeface="Questrial" pitchFamily="2" charset="0"/>
+                        </a:rPr>
+                        <a:t> </a:t>
+                      </a:r>
+                      <a:r>
+                        <a:rPr lang="en-US" dirty="0" err="1">
+                          <a:latin typeface="Questrial" pitchFamily="2" charset="0"/>
+                          <a:ea typeface="Questrial" pitchFamily="2" charset="0"/>
+                          <a:cs typeface="Questrial" pitchFamily="2" charset="0"/>
+                        </a:rPr>
+                        <a:t>thông</a:t>
+                      </a:r>
+                      <a:r>
+                        <a:rPr lang="en-US" dirty="0">
+                          <a:latin typeface="Questrial" pitchFamily="2" charset="0"/>
+                          <a:ea typeface="Questrial" pitchFamily="2" charset="0"/>
+                          <a:cs typeface="Questrial" pitchFamily="2" charset="0"/>
+                        </a:rPr>
+                        <a:t> tin</a:t>
+                      </a:r>
+                    </a:p>
+                  </a:txBody>
+                  <a:tcPr/>
+                </a:tc>
+                <a:extLst>
+                  <a:ext uri="{0D108BD9-81ED-4DB2-BD59-A6C34878D82A}">
+                    <a16:rowId xmlns:a16="http://schemas.microsoft.com/office/drawing/2014/main" val="638840148"/>
+                  </a:ext>
+                </a:extLst>
+              </a:tr>
+            </a:tbl>
+          </a:graphicData>
+        </a:graphic>
+      </p:graphicFrame>
+      <p:graphicFrame>
+        <p:nvGraphicFramePr>
+          <p:cNvPr id="13" name="Table 13">
             <a:extLst>
               <a:ext uri="{FF2B5EF4-FFF2-40B4-BE49-F238E27FC236}">
-                <a16:creationId xmlns:a16="http://schemas.microsoft.com/office/drawing/2014/main" id="{875618AD-2FF8-C505-D8A8-C550C66E586C}"/>
+                <a16:creationId xmlns:a16="http://schemas.microsoft.com/office/drawing/2014/main" id="{13BE7C69-D7C7-C0DF-D46B-0E3534BE68CA}"/>
               </a:ext>
             </a:extLst>
           </p:cNvPr>
-          <p:cNvPicPr>
-            <a:picLocks noChangeAspect="1"/>
-          </p:cNvPicPr>
-          <p:nvPr/>
-        </p:nvPicPr>
-        <p:blipFill>
-          <a:blip r:embed="rId3"/>
-          <a:stretch>
-            <a:fillRect/>
-          </a:stretch>
-        </p:blipFill>
-        <p:spPr>
-          <a:xfrm>
-            <a:off x="7685259" y="3659526"/>
-            <a:ext cx="841302" cy="1037222"/>
-          </a:xfrm>
-          <a:prstGeom prst="rect">
-            <a:avLst/>
-          </a:prstGeom>
-        </p:spPr>
-      </p:pic>
-      <p:sp>
-        <p:nvSpPr>
-          <p:cNvPr id="11" name="TextBox 10">
-            <a:extLst>
-              <a:ext uri="{FF2B5EF4-FFF2-40B4-BE49-F238E27FC236}">
-                <a16:creationId xmlns:a16="http://schemas.microsoft.com/office/drawing/2014/main" id="{5FB00066-A54D-E569-988C-B7958F4B73C9}"/>
-              </a:ext>
-            </a:extLst>
-          </p:cNvPr>
-          <p:cNvSpPr txBox="1"/>
-          <p:nvPr/>
-        </p:nvSpPr>
-        <p:spPr>
-          <a:xfrm>
-            <a:off x="7945270" y="5045448"/>
-            <a:ext cx="3429089" cy="646331"/>
-          </a:xfrm>
-          <a:prstGeom prst="rect">
-            <a:avLst/>
-          </a:prstGeom>
-          <a:noFill/>
-        </p:spPr>
-        <p:txBody>
-          <a:bodyPr wrap="square" rtlCol="0">
-            <a:spAutoFit/>
-          </a:bodyPr>
-          <a:lstStyle/>
-          <a:p>
-            <a:r>
-              <a:rPr lang="en-US" dirty="0" err="1">
-                <a:solidFill>
-                  <a:schemeClr val="accent5"/>
-                </a:solidFill>
-                <a:latin typeface="Bahnschrift SemiBold" panose="020B0502040204020203" pitchFamily="34" charset="0"/>
-              </a:rPr>
-              <a:t>Ví</a:t>
-            </a:r>
-            <a:r>
-              <a:rPr lang="en-US" dirty="0">
-                <a:solidFill>
-                  <a:schemeClr val="accent5"/>
-                </a:solidFill>
-                <a:latin typeface="Bahnschrift SemiBold" panose="020B0502040204020203" pitchFamily="34" charset="0"/>
-              </a:rPr>
-              <a:t> </a:t>
-            </a:r>
-            <a:r>
-              <a:rPr lang="en-US" dirty="0" err="1">
-                <a:solidFill>
-                  <a:schemeClr val="accent5"/>
-                </a:solidFill>
-                <a:latin typeface="Bahnschrift SemiBold" panose="020B0502040204020203" pitchFamily="34" charset="0"/>
-              </a:rPr>
-              <a:t>dụ</a:t>
-            </a:r>
-            <a:r>
-              <a:rPr lang="en-US" dirty="0">
-                <a:solidFill>
-                  <a:schemeClr val="accent5"/>
-                </a:solidFill>
-                <a:latin typeface="Bahnschrift SemiBold" panose="020B0502040204020203" pitchFamily="34" charset="0"/>
-              </a:rPr>
-              <a:t>: </a:t>
-            </a:r>
-            <a:r>
-              <a:rPr lang="en-US" dirty="0" err="1">
-                <a:solidFill>
-                  <a:schemeClr val="accent5"/>
-                </a:solidFill>
-                <a:latin typeface="Bahnschrift SemiBold" panose="020B0502040204020203" pitchFamily="34" charset="0"/>
-              </a:rPr>
-              <a:t>vật</a:t>
-            </a:r>
-            <a:r>
-              <a:rPr lang="en-US" dirty="0">
-                <a:solidFill>
-                  <a:schemeClr val="accent5"/>
-                </a:solidFill>
-                <a:latin typeface="Bahnschrift SemiBold" panose="020B0502040204020203" pitchFamily="34" charset="0"/>
-              </a:rPr>
-              <a:t> </a:t>
-            </a:r>
-            <a:r>
-              <a:rPr lang="en-US" dirty="0" err="1">
-                <a:solidFill>
-                  <a:schemeClr val="accent5"/>
-                </a:solidFill>
-                <a:latin typeface="Bahnschrift SemiBold" panose="020B0502040204020203" pitchFamily="34" charset="0"/>
-              </a:rPr>
-              <a:t>phẩm</a:t>
-            </a:r>
-            <a:r>
-              <a:rPr lang="en-US" dirty="0">
-                <a:solidFill>
-                  <a:schemeClr val="accent5"/>
-                </a:solidFill>
-                <a:latin typeface="Bahnschrift SemiBold" panose="020B0502040204020203" pitchFamily="34" charset="0"/>
-              </a:rPr>
-              <a:t> </a:t>
-            </a:r>
-            <a:r>
-              <a:rPr lang="en-US" dirty="0" err="1">
-                <a:solidFill>
-                  <a:schemeClr val="accent5"/>
-                </a:solidFill>
-                <a:latin typeface="Bahnschrift SemiBold" panose="020B0502040204020203" pitchFamily="34" charset="0"/>
-              </a:rPr>
-              <a:t>nhảy</a:t>
-            </a:r>
-            <a:r>
-              <a:rPr lang="en-US" dirty="0">
-                <a:solidFill>
-                  <a:schemeClr val="accent5"/>
-                </a:solidFill>
-                <a:latin typeface="Bahnschrift SemiBold" panose="020B0502040204020203" pitchFamily="34" charset="0"/>
-              </a:rPr>
-              <a:t> </a:t>
-            </a:r>
-            <a:r>
-              <a:rPr lang="en-US" dirty="0" err="1">
-                <a:solidFill>
-                  <a:schemeClr val="accent5"/>
-                </a:solidFill>
-                <a:latin typeface="Bahnschrift SemiBold" panose="020B0502040204020203" pitchFamily="34" charset="0"/>
-              </a:rPr>
-              <a:t>cao</a:t>
-            </a:r>
-            <a:r>
-              <a:rPr lang="en-US" dirty="0">
-                <a:solidFill>
-                  <a:schemeClr val="accent5"/>
-                </a:solidFill>
-                <a:latin typeface="Bahnschrift SemiBold" panose="020B0502040204020203" pitchFamily="34" charset="0"/>
-              </a:rPr>
-              <a:t>, </a:t>
-            </a:r>
-            <a:r>
-              <a:rPr lang="en-US" dirty="0" err="1">
-                <a:solidFill>
-                  <a:schemeClr val="accent5"/>
-                </a:solidFill>
-                <a:latin typeface="Bahnschrift SemiBold" panose="020B0502040204020203" pitchFamily="34" charset="0"/>
-              </a:rPr>
-              <a:t>chạy</a:t>
-            </a:r>
-            <a:r>
-              <a:rPr lang="en-US" dirty="0">
-                <a:solidFill>
-                  <a:schemeClr val="accent5"/>
-                </a:solidFill>
-                <a:latin typeface="Bahnschrift SemiBold" panose="020B0502040204020203" pitchFamily="34" charset="0"/>
-              </a:rPr>
-              <a:t> </a:t>
-            </a:r>
-            <a:r>
-              <a:rPr lang="en-US" dirty="0" err="1">
-                <a:solidFill>
-                  <a:schemeClr val="accent5"/>
-                </a:solidFill>
-                <a:latin typeface="Bahnschrift SemiBold" panose="020B0502040204020203" pitchFamily="34" charset="0"/>
-              </a:rPr>
-              <a:t>nhanh</a:t>
-            </a:r>
-            <a:r>
-              <a:rPr lang="en-US" dirty="0">
-                <a:solidFill>
-                  <a:schemeClr val="accent5"/>
-                </a:solidFill>
-                <a:latin typeface="Bahnschrift SemiBold" panose="020B0502040204020203" pitchFamily="34" charset="0"/>
-              </a:rPr>
-              <a:t> hay </a:t>
-            </a:r>
-            <a:r>
-              <a:rPr lang="en-US" dirty="0" err="1">
-                <a:solidFill>
-                  <a:schemeClr val="accent5"/>
-                </a:solidFill>
-                <a:latin typeface="Bahnschrift SemiBold" panose="020B0502040204020203" pitchFamily="34" charset="0"/>
-              </a:rPr>
-              <a:t>trang</a:t>
-            </a:r>
-            <a:r>
-              <a:rPr lang="en-US" dirty="0">
-                <a:solidFill>
-                  <a:schemeClr val="accent5"/>
-                </a:solidFill>
-                <a:latin typeface="Bahnschrift SemiBold" panose="020B0502040204020203" pitchFamily="34" charset="0"/>
-              </a:rPr>
-              <a:t> </a:t>
-            </a:r>
-            <a:r>
-              <a:rPr lang="en-US" dirty="0" err="1">
-                <a:solidFill>
-                  <a:schemeClr val="accent5"/>
-                </a:solidFill>
-                <a:latin typeface="Bahnschrift SemiBold" panose="020B0502040204020203" pitchFamily="34" charset="0"/>
-              </a:rPr>
-              <a:t>phục</a:t>
-            </a:r>
-            <a:endParaRPr lang="en-US" dirty="0">
-              <a:solidFill>
-                <a:schemeClr val="accent5"/>
-              </a:solidFill>
-              <a:latin typeface="Bahnschrift SemiBold" panose="020B0502040204020203" pitchFamily="34" charset="0"/>
-            </a:endParaRPr>
-          </a:p>
-        </p:txBody>
-      </p:sp>
-      <p:sp>
-        <p:nvSpPr>
-          <p:cNvPr id="3" name="Flowchart: Connector 2">
-            <a:extLst>
-              <a:ext uri="{FF2B5EF4-FFF2-40B4-BE49-F238E27FC236}">
-                <a16:creationId xmlns:a16="http://schemas.microsoft.com/office/drawing/2014/main" id="{B1A0FB2E-BB83-C2C2-A274-775A93A62B9A}"/>
-              </a:ext>
-            </a:extLst>
-          </p:cNvPr>
-          <p:cNvSpPr/>
-          <p:nvPr/>
-        </p:nvSpPr>
-        <p:spPr>
-          <a:xfrm>
-            <a:off x="1556668" y="1253694"/>
-            <a:ext cx="4658284" cy="3933941"/>
-          </a:xfrm>
-          <a:prstGeom prst="flowChartConnector">
-            <a:avLst/>
-          </a:prstGeom>
-        </p:spPr>
-        <p:style>
-          <a:lnRef idx="2">
-            <a:schemeClr val="accent1">
-              <a:shade val="15000"/>
-            </a:schemeClr>
-          </a:lnRef>
-          <a:fillRef idx="1">
-            <a:schemeClr val="accent1"/>
-          </a:fillRef>
-          <a:effectRef idx="0">
-            <a:schemeClr val="accent1"/>
-          </a:effectRef>
-          <a:fontRef idx="minor">
-            <a:schemeClr val="lt1"/>
-          </a:fontRef>
-        </p:style>
-        <p:txBody>
-          <a:bodyPr rtlCol="0" anchor="ctr"/>
-          <a:lstStyle/>
-          <a:p>
-            <a:pPr algn="ctr"/>
-            <a:r>
-              <a:rPr lang="en-US" sz="2800" dirty="0" err="1">
-                <a:latin typeface="Bahnschrift SemiBold" panose="020B0502040204020203" pitchFamily="34" charset="0"/>
-              </a:rPr>
-              <a:t>Nội</a:t>
-            </a:r>
-            <a:r>
-              <a:rPr lang="en-US" sz="2800" dirty="0">
-                <a:latin typeface="Bahnschrift SemiBold" panose="020B0502040204020203" pitchFamily="34" charset="0"/>
-              </a:rPr>
-              <a:t> dung: </a:t>
-            </a:r>
-          </a:p>
-          <a:p>
-            <a:pPr algn="ctr"/>
-            <a:r>
-              <a:rPr lang="en-US" sz="2800" dirty="0">
-                <a:latin typeface="Bahnschrift SemiBold" panose="020B0502040204020203" pitchFamily="34" charset="0"/>
-              </a:rPr>
-              <a:t>+</a:t>
-            </a:r>
-            <a:r>
-              <a:rPr lang="en-US" sz="2800" dirty="0" err="1">
-                <a:latin typeface="Bahnschrift SemiBold" panose="020B0502040204020203" pitchFamily="34" charset="0"/>
-              </a:rPr>
-              <a:t>Có</a:t>
-            </a:r>
-            <a:r>
-              <a:rPr lang="en-US" sz="2800" dirty="0">
-                <a:latin typeface="Bahnschrift SemiBold" panose="020B0502040204020203" pitchFamily="34" charset="0"/>
-              </a:rPr>
-              <a:t> </a:t>
-            </a:r>
-            <a:r>
-              <a:rPr lang="en-US" sz="2800" dirty="0" err="1">
-                <a:latin typeface="Bahnschrift SemiBold" panose="020B0502040204020203" pitchFamily="34" charset="0"/>
-              </a:rPr>
-              <a:t>những</a:t>
-            </a:r>
-            <a:r>
-              <a:rPr lang="en-US" sz="2800" dirty="0">
-                <a:latin typeface="Bahnschrift SemiBold" panose="020B0502040204020203" pitchFamily="34" charset="0"/>
-              </a:rPr>
-              <a:t> </a:t>
-            </a:r>
-            <a:r>
-              <a:rPr lang="en-US" sz="2800" dirty="0" err="1">
-                <a:latin typeface="Bahnschrift SemiBold" panose="020B0502040204020203" pitchFamily="34" charset="0"/>
-              </a:rPr>
-              <a:t>khóa</a:t>
-            </a:r>
-            <a:r>
-              <a:rPr lang="en-US" sz="2800" dirty="0">
-                <a:latin typeface="Bahnschrift SemiBold" panose="020B0502040204020203" pitchFamily="34" charset="0"/>
-              </a:rPr>
-              <a:t> </a:t>
-            </a:r>
-            <a:r>
-              <a:rPr lang="en-US" sz="2800" dirty="0" err="1">
-                <a:latin typeface="Bahnschrift SemiBold" panose="020B0502040204020203" pitchFamily="34" charset="0"/>
-              </a:rPr>
-              <a:t>học</a:t>
-            </a:r>
-            <a:r>
-              <a:rPr lang="en-US" sz="2800" dirty="0">
-                <a:latin typeface="Bahnschrift SemiBold" panose="020B0502040204020203" pitchFamily="34" charset="0"/>
-              </a:rPr>
-              <a:t> </a:t>
-            </a:r>
-            <a:r>
-              <a:rPr lang="en-US" sz="2800" dirty="0" err="1">
-                <a:latin typeface="Bahnschrift SemiBold" panose="020B0502040204020203" pitchFamily="34" charset="0"/>
-              </a:rPr>
-              <a:t>trả</a:t>
-            </a:r>
-            <a:r>
-              <a:rPr lang="en-US" sz="2800" dirty="0">
-                <a:latin typeface="Bahnschrift SemiBold" panose="020B0502040204020203" pitchFamily="34" charset="0"/>
-              </a:rPr>
-              <a:t> </a:t>
-            </a:r>
-            <a:r>
-              <a:rPr lang="en-US" sz="2800" dirty="0" err="1">
-                <a:latin typeface="Bahnschrift SemiBold" panose="020B0502040204020203" pitchFamily="34" charset="0"/>
-              </a:rPr>
-              <a:t>phí</a:t>
-            </a:r>
-            <a:r>
-              <a:rPr lang="en-US" sz="2800" dirty="0">
-                <a:latin typeface="Bahnschrift SemiBold" panose="020B0502040204020203" pitchFamily="34" charset="0"/>
-              </a:rPr>
-              <a:t> </a:t>
-            </a:r>
-          </a:p>
-          <a:p>
-            <a:pPr algn="ctr"/>
-            <a:endParaRPr lang="en-US" sz="2800" dirty="0">
-              <a:latin typeface="Bahnschrift SemiBold" panose="020B0502040204020203" pitchFamily="34" charset="0"/>
-            </a:endParaRPr>
-          </a:p>
-          <a:p>
-            <a:pPr algn="ctr"/>
-            <a:r>
-              <a:rPr lang="en-US" sz="2800" dirty="0">
-                <a:latin typeface="Bahnschrift SemiBold" panose="020B0502040204020203" pitchFamily="34" charset="0"/>
-              </a:rPr>
-              <a:t>+</a:t>
-            </a:r>
-            <a:r>
-              <a:rPr lang="en-US" sz="2800" dirty="0" err="1">
-                <a:latin typeface="Bahnschrift SemiBold" panose="020B0502040204020203" pitchFamily="34" charset="0"/>
-              </a:rPr>
-              <a:t>Nhận</a:t>
-            </a:r>
-            <a:r>
-              <a:rPr lang="en-US" sz="2800" dirty="0">
-                <a:latin typeface="Bahnschrift SemiBold" panose="020B0502040204020203" pitchFamily="34" charset="0"/>
-              </a:rPr>
-              <a:t> hint </a:t>
-            </a:r>
-            <a:r>
-              <a:rPr lang="en-US" sz="2800" dirty="0" err="1">
-                <a:latin typeface="Bahnschrift SemiBold" panose="020B0502040204020203" pitchFamily="34" charset="0"/>
-              </a:rPr>
-              <a:t>và</a:t>
-            </a:r>
-            <a:r>
-              <a:rPr lang="en-US" sz="2800" dirty="0">
-                <a:latin typeface="Bahnschrift SemiBold" panose="020B0502040204020203" pitchFamily="34" charset="0"/>
-              </a:rPr>
-              <a:t> </a:t>
-            </a:r>
-            <a:r>
-              <a:rPr lang="en-US" sz="2800" dirty="0" err="1">
-                <a:latin typeface="Bahnschrift SemiBold" panose="020B0502040204020203" pitchFamily="34" charset="0"/>
-              </a:rPr>
-              <a:t>lời</a:t>
-            </a:r>
-            <a:r>
-              <a:rPr lang="en-US" sz="2800" dirty="0">
-                <a:latin typeface="Bahnschrift SemiBold" panose="020B0502040204020203" pitchFamily="34" charset="0"/>
-              </a:rPr>
-              <a:t> </a:t>
-            </a:r>
-            <a:r>
-              <a:rPr lang="en-US" sz="2800" dirty="0" err="1">
-                <a:latin typeface="Bahnschrift SemiBold" panose="020B0502040204020203" pitchFamily="34" charset="0"/>
-              </a:rPr>
-              <a:t>giải</a:t>
-            </a:r>
-            <a:r>
-              <a:rPr lang="en-US" sz="2800" dirty="0">
-                <a:latin typeface="Bahnschrift SemiBold" panose="020B0502040204020203" pitchFamily="34" charset="0"/>
-              </a:rPr>
-              <a:t> </a:t>
-            </a:r>
-            <a:r>
-              <a:rPr lang="en-US" sz="2800" dirty="0" err="1">
-                <a:latin typeface="Bahnschrift SemiBold" panose="020B0502040204020203" pitchFamily="34" charset="0"/>
-              </a:rPr>
-              <a:t>cho</a:t>
-            </a:r>
-            <a:r>
-              <a:rPr lang="en-US" sz="2800" dirty="0">
-                <a:latin typeface="Bahnschrift SemiBold" panose="020B0502040204020203" pitchFamily="34" charset="0"/>
-              </a:rPr>
-              <a:t> </a:t>
-            </a:r>
-            <a:r>
-              <a:rPr lang="en-US" sz="2800" dirty="0" err="1">
-                <a:latin typeface="Bahnschrift SemiBold" panose="020B0502040204020203" pitchFamily="34" charset="0"/>
-              </a:rPr>
-              <a:t>một</a:t>
-            </a:r>
-            <a:r>
-              <a:rPr lang="en-US" sz="2800" dirty="0">
-                <a:latin typeface="Bahnschrift SemiBold" panose="020B0502040204020203" pitchFamily="34" charset="0"/>
-              </a:rPr>
-              <a:t> </a:t>
-            </a:r>
-            <a:r>
-              <a:rPr lang="en-US" sz="2800" dirty="0" err="1">
-                <a:latin typeface="Bahnschrift SemiBold" panose="020B0502040204020203" pitchFamily="34" charset="0"/>
-              </a:rPr>
-              <a:t>số</a:t>
-            </a:r>
-            <a:r>
-              <a:rPr lang="en-US" sz="2800" dirty="0">
-                <a:latin typeface="Bahnschrift SemiBold" panose="020B0502040204020203" pitchFamily="34" charset="0"/>
-              </a:rPr>
-              <a:t> </a:t>
-            </a:r>
-            <a:r>
-              <a:rPr lang="en-US" sz="2800" dirty="0" err="1">
-                <a:latin typeface="Bahnschrift SemiBold" panose="020B0502040204020203" pitchFamily="34" charset="0"/>
-              </a:rPr>
-              <a:t>câu</a:t>
-            </a:r>
-            <a:r>
-              <a:rPr lang="en-US" sz="2800" dirty="0">
-                <a:latin typeface="Bahnschrift SemiBold" panose="020B0502040204020203" pitchFamily="34" charset="0"/>
-              </a:rPr>
-              <a:t> </a:t>
-            </a:r>
-            <a:r>
-              <a:rPr lang="en-US" sz="2800" dirty="0" err="1">
-                <a:latin typeface="Bahnschrift SemiBold" panose="020B0502040204020203" pitchFamily="34" charset="0"/>
-              </a:rPr>
-              <a:t>hỏi</a:t>
-            </a:r>
-            <a:r>
-              <a:rPr lang="en-US" sz="2800" dirty="0">
-                <a:latin typeface="Bahnschrift SemiBold" panose="020B0502040204020203" pitchFamily="34" charset="0"/>
-              </a:rPr>
-              <a:t> </a:t>
-            </a:r>
-            <a:r>
-              <a:rPr lang="en-US" sz="2800" dirty="0" err="1">
-                <a:latin typeface="Bahnschrift SemiBold" panose="020B0502040204020203" pitchFamily="34" charset="0"/>
-              </a:rPr>
-              <a:t>nhất</a:t>
-            </a:r>
-            <a:r>
-              <a:rPr lang="en-US" sz="2800" dirty="0">
-                <a:latin typeface="Bahnschrift SemiBold" panose="020B0502040204020203" pitchFamily="34" charset="0"/>
-              </a:rPr>
-              <a:t> </a:t>
-            </a:r>
-            <a:r>
-              <a:rPr lang="en-US" sz="2800" dirty="0" err="1">
-                <a:latin typeface="Bahnschrift SemiBold" panose="020B0502040204020203" pitchFamily="34" charset="0"/>
-              </a:rPr>
-              <a:t>định</a:t>
-            </a:r>
-            <a:endParaRPr lang="en-US" sz="2800" dirty="0">
-              <a:latin typeface="Bahnschrift SemiBold" panose="020B0502040204020203" pitchFamily="34" charset="0"/>
-            </a:endParaRPr>
-          </a:p>
-        </p:txBody>
-      </p:sp>
-      <p:sp>
-        <p:nvSpPr>
-          <p:cNvPr id="6" name="TextBox 5">
-            <a:extLst>
-              <a:ext uri="{FF2B5EF4-FFF2-40B4-BE49-F238E27FC236}">
-                <a16:creationId xmlns:a16="http://schemas.microsoft.com/office/drawing/2014/main" id="{B5488496-3A23-8BE1-EE64-B8DF785A661D}"/>
-              </a:ext>
-            </a:extLst>
-          </p:cNvPr>
-          <p:cNvSpPr txBox="1"/>
-          <p:nvPr/>
-        </p:nvSpPr>
-        <p:spPr>
-          <a:xfrm>
-            <a:off x="2224612" y="5691779"/>
-            <a:ext cx="3769788" cy="923330"/>
-          </a:xfrm>
-          <a:prstGeom prst="rect">
-            <a:avLst/>
-          </a:prstGeom>
-          <a:noFill/>
-        </p:spPr>
-        <p:txBody>
-          <a:bodyPr wrap="square" rtlCol="0">
-            <a:spAutoFit/>
-          </a:bodyPr>
-          <a:lstStyle/>
-          <a:p>
-            <a:r>
-              <a:rPr lang="en-US" dirty="0" err="1">
-                <a:solidFill>
-                  <a:schemeClr val="accent5"/>
-                </a:solidFill>
-                <a:latin typeface="Bahnschrift SemiBold" panose="020B0502040204020203" pitchFamily="34" charset="0"/>
-              </a:rPr>
-              <a:t>Ví</a:t>
-            </a:r>
-            <a:r>
-              <a:rPr lang="en-US" dirty="0">
-                <a:solidFill>
-                  <a:schemeClr val="accent5"/>
-                </a:solidFill>
-                <a:latin typeface="Bahnschrift SemiBold" panose="020B0502040204020203" pitchFamily="34" charset="0"/>
-              </a:rPr>
-              <a:t> </a:t>
-            </a:r>
-            <a:r>
-              <a:rPr lang="en-US" dirty="0" err="1">
-                <a:solidFill>
-                  <a:schemeClr val="accent5"/>
-                </a:solidFill>
-                <a:latin typeface="Bahnschrift SemiBold" panose="020B0502040204020203" pitchFamily="34" charset="0"/>
-              </a:rPr>
-              <a:t>dụ</a:t>
-            </a:r>
-            <a:r>
-              <a:rPr lang="en-US" dirty="0">
-                <a:solidFill>
-                  <a:schemeClr val="accent5"/>
-                </a:solidFill>
-                <a:latin typeface="Bahnschrift SemiBold" panose="020B0502040204020203" pitchFamily="34" charset="0"/>
-              </a:rPr>
-              <a:t>: </a:t>
-            </a:r>
-            <a:r>
-              <a:rPr lang="vi-VN" dirty="0">
-                <a:solidFill>
-                  <a:schemeClr val="accent5"/>
-                </a:solidFill>
-                <a:latin typeface="Bahnschrift SemiBold" panose="020B0502040204020203" pitchFamily="34" charset="0"/>
-              </a:rPr>
-              <a:t>chiến lược khai thác framework MITRE ATT&amp;CK</a:t>
-            </a:r>
-            <a:r>
-              <a:rPr lang="en-US" dirty="0">
-                <a:solidFill>
-                  <a:schemeClr val="accent5"/>
-                </a:solidFill>
-                <a:latin typeface="Bahnschrift SemiBold" panose="020B0502040204020203" pitchFamily="34" charset="0"/>
-              </a:rPr>
-              <a:t>, </a:t>
-            </a:r>
-            <a:r>
-              <a:rPr lang="en-US" dirty="0" err="1">
-                <a:solidFill>
-                  <a:schemeClr val="accent5"/>
-                </a:solidFill>
-                <a:latin typeface="Bahnschrift SemiBold" panose="020B0502040204020203" pitchFamily="34" charset="0"/>
-              </a:rPr>
-              <a:t>nhận</a:t>
-            </a:r>
-            <a:r>
-              <a:rPr lang="en-US" dirty="0">
-                <a:solidFill>
-                  <a:schemeClr val="accent5"/>
-                </a:solidFill>
-                <a:latin typeface="Bahnschrift SemiBold" panose="020B0502040204020203" pitchFamily="34" charset="0"/>
-              </a:rPr>
-              <a:t> </a:t>
-            </a:r>
-            <a:r>
-              <a:rPr lang="en-US" dirty="0" err="1">
-                <a:solidFill>
-                  <a:schemeClr val="accent5"/>
-                </a:solidFill>
-                <a:latin typeface="Bahnschrift SemiBold" panose="020B0502040204020203" pitchFamily="34" charset="0"/>
-              </a:rPr>
-              <a:t>biết</a:t>
-            </a:r>
-            <a:r>
-              <a:rPr lang="en-US" dirty="0">
-                <a:solidFill>
-                  <a:schemeClr val="accent5"/>
-                </a:solidFill>
-                <a:latin typeface="Bahnschrift SemiBold" panose="020B0502040204020203" pitchFamily="34" charset="0"/>
-              </a:rPr>
-              <a:t> </a:t>
-            </a:r>
-            <a:r>
-              <a:rPr lang="en-US" dirty="0" err="1">
-                <a:solidFill>
-                  <a:schemeClr val="accent5"/>
-                </a:solidFill>
-                <a:latin typeface="Bahnschrift SemiBold" panose="020B0502040204020203" pitchFamily="34" charset="0"/>
-              </a:rPr>
-              <a:t>lừa</a:t>
-            </a:r>
-            <a:r>
-              <a:rPr lang="en-US" dirty="0">
-                <a:solidFill>
-                  <a:schemeClr val="accent5"/>
-                </a:solidFill>
-                <a:latin typeface="Bahnschrift SemiBold" panose="020B0502040204020203" pitchFamily="34" charset="0"/>
-              </a:rPr>
-              <a:t> </a:t>
-            </a:r>
-            <a:r>
-              <a:rPr lang="en-US" dirty="0" err="1">
-                <a:solidFill>
-                  <a:schemeClr val="accent5"/>
-                </a:solidFill>
-                <a:latin typeface="Bahnschrift SemiBold" panose="020B0502040204020203" pitchFamily="34" charset="0"/>
-              </a:rPr>
-              <a:t>đảo</a:t>
-            </a:r>
-            <a:r>
-              <a:rPr lang="en-US" dirty="0">
-                <a:solidFill>
-                  <a:schemeClr val="accent5"/>
-                </a:solidFill>
-                <a:latin typeface="Bahnschrift SemiBold" panose="020B0502040204020203" pitchFamily="34" charset="0"/>
-              </a:rPr>
-              <a:t> </a:t>
-            </a:r>
-            <a:r>
-              <a:rPr lang="en-US" dirty="0" err="1">
-                <a:solidFill>
-                  <a:schemeClr val="accent5"/>
-                </a:solidFill>
-                <a:latin typeface="Bahnschrift SemiBold" panose="020B0502040204020203" pitchFamily="34" charset="0"/>
-              </a:rPr>
-              <a:t>siêu</a:t>
-            </a:r>
-            <a:r>
-              <a:rPr lang="en-US" dirty="0">
-                <a:solidFill>
-                  <a:schemeClr val="accent5"/>
-                </a:solidFill>
-                <a:latin typeface="Bahnschrift SemiBold" panose="020B0502040204020203" pitchFamily="34" charset="0"/>
-              </a:rPr>
-              <a:t> </a:t>
-            </a:r>
-            <a:r>
-              <a:rPr lang="en-US" dirty="0" err="1">
-                <a:solidFill>
-                  <a:schemeClr val="accent5"/>
-                </a:solidFill>
-                <a:latin typeface="Bahnschrift SemiBold" panose="020B0502040204020203" pitchFamily="34" charset="0"/>
-              </a:rPr>
-              <a:t>máy</a:t>
-            </a:r>
-            <a:r>
-              <a:rPr lang="en-US" dirty="0">
-                <a:solidFill>
-                  <a:schemeClr val="accent5"/>
-                </a:solidFill>
-                <a:latin typeface="Bahnschrift SemiBold" panose="020B0502040204020203" pitchFamily="34" charset="0"/>
-              </a:rPr>
-              <a:t> </a:t>
-            </a:r>
-            <a:r>
-              <a:rPr lang="en-US" dirty="0" err="1">
-                <a:solidFill>
-                  <a:schemeClr val="accent5"/>
-                </a:solidFill>
-                <a:latin typeface="Bahnschrift SemiBold" panose="020B0502040204020203" pitchFamily="34" charset="0"/>
-              </a:rPr>
-              <a:t>tính</a:t>
-            </a:r>
-            <a:endParaRPr lang="en-US" dirty="0">
-              <a:solidFill>
-                <a:schemeClr val="accent5"/>
-              </a:solidFill>
-              <a:latin typeface="Bahnschrift SemiBold" panose="020B0502040204020203" pitchFamily="34" charset="0"/>
-            </a:endParaRPr>
-          </a:p>
-        </p:txBody>
-      </p:sp>
-      <p:sp>
-        <p:nvSpPr>
-          <p:cNvPr id="8" name="Flowchart: Connector 7">
-            <a:extLst>
-              <a:ext uri="{FF2B5EF4-FFF2-40B4-BE49-F238E27FC236}">
-                <a16:creationId xmlns:a16="http://schemas.microsoft.com/office/drawing/2014/main" id="{14190C67-2EE4-EFAC-E19D-95F686068AD8}"/>
-              </a:ext>
-            </a:extLst>
-          </p:cNvPr>
-          <p:cNvSpPr/>
-          <p:nvPr/>
-        </p:nvSpPr>
-        <p:spPr>
-          <a:xfrm>
-            <a:off x="8194430" y="2675180"/>
-            <a:ext cx="2930770" cy="2120340"/>
-          </a:xfrm>
-          <a:prstGeom prst="flowChartConnector">
-            <a:avLst/>
-          </a:prstGeom>
-        </p:spPr>
-        <p:style>
-          <a:lnRef idx="2">
-            <a:schemeClr val="accent1">
-              <a:shade val="15000"/>
-            </a:schemeClr>
-          </a:lnRef>
-          <a:fillRef idx="1">
-            <a:schemeClr val="accent1"/>
-          </a:fillRef>
-          <a:effectRef idx="0">
-            <a:schemeClr val="accent1"/>
-          </a:effectRef>
-          <a:fontRef idx="minor">
-            <a:schemeClr val="lt1"/>
-          </a:fontRef>
-        </p:style>
-        <p:txBody>
-          <a:bodyPr rtlCol="0" anchor="ctr"/>
-          <a:lstStyle/>
-          <a:p>
-            <a:pPr algn="ctr"/>
-            <a:r>
-              <a:rPr lang="en-US" dirty="0" err="1">
-                <a:latin typeface="Bahnschrift SemiBold" panose="020B0502040204020203" pitchFamily="34" charset="0"/>
-              </a:rPr>
-              <a:t>Hiệu</a:t>
-            </a:r>
-            <a:r>
-              <a:rPr lang="en-US" dirty="0">
-                <a:latin typeface="Bahnschrift SemiBold" panose="020B0502040204020203" pitchFamily="34" charset="0"/>
-              </a:rPr>
-              <a:t> </a:t>
-            </a:r>
-            <a:r>
-              <a:rPr lang="en-US" dirty="0" err="1">
-                <a:latin typeface="Bahnschrift SemiBold" panose="020B0502040204020203" pitchFamily="34" charset="0"/>
-              </a:rPr>
-              <a:t>suất</a:t>
-            </a:r>
-            <a:r>
-              <a:rPr lang="en-US" dirty="0">
-                <a:latin typeface="Bahnschrift SemiBold" panose="020B0502040204020203" pitchFamily="34" charset="0"/>
-              </a:rPr>
-              <a:t> </a:t>
-            </a:r>
-            <a:r>
-              <a:rPr lang="en-US" dirty="0" err="1">
-                <a:latin typeface="Bahnschrift SemiBold" panose="020B0502040204020203" pitchFamily="34" charset="0"/>
-              </a:rPr>
-              <a:t>nhân</a:t>
-            </a:r>
-            <a:r>
-              <a:rPr lang="en-US" dirty="0">
-                <a:latin typeface="Bahnschrift SemiBold" panose="020B0502040204020203" pitchFamily="34" charset="0"/>
-              </a:rPr>
-              <a:t> </a:t>
-            </a:r>
-            <a:r>
-              <a:rPr lang="en-US" dirty="0" err="1">
-                <a:latin typeface="Bahnschrift SemiBold" panose="020B0502040204020203" pitchFamily="34" charset="0"/>
-              </a:rPr>
-              <a:t>vật</a:t>
-            </a:r>
-            <a:endParaRPr lang="en-US" dirty="0">
-              <a:latin typeface="Bahnschrift SemiBold" panose="020B0502040204020203" pitchFamily="34" charset="0"/>
-            </a:endParaRPr>
-          </a:p>
-        </p:txBody>
-      </p:sp>
+          <p:cNvGraphicFramePr>
+            <a:graphicFrameLocks noGrp="1"/>
+          </p:cNvGraphicFramePr>
+          <p:nvPr>
+            <p:extLst>
+              <p:ext uri="{D42A27DB-BD31-4B8C-83A1-F6EECF244321}">
+                <p14:modId xmlns:p14="http://schemas.microsoft.com/office/powerpoint/2010/main" val="984821157"/>
+              </p:ext>
+            </p:extLst>
+          </p:nvPr>
+        </p:nvGraphicFramePr>
+        <p:xfrm>
+          <a:off x="595470" y="3679018"/>
+          <a:ext cx="11001060" cy="2926080"/>
+        </p:xfrm>
+        <a:graphic>
+          <a:graphicData uri="http://schemas.openxmlformats.org/drawingml/2006/table">
+            <a:tbl>
+              <a:tblPr firstRow="1" bandRow="1">
+                <a:tableStyleId>{5C22544A-7EE6-4342-B048-85BDC9FD1C3A}</a:tableStyleId>
+              </a:tblPr>
+              <a:tblGrid>
+                <a:gridCol w="2750265">
+                  <a:extLst>
+                    <a:ext uri="{9D8B030D-6E8A-4147-A177-3AD203B41FA5}">
+                      <a16:colId xmlns:a16="http://schemas.microsoft.com/office/drawing/2014/main" val="4098977810"/>
+                    </a:ext>
+                  </a:extLst>
+                </a:gridCol>
+                <a:gridCol w="2750265">
+                  <a:extLst>
+                    <a:ext uri="{9D8B030D-6E8A-4147-A177-3AD203B41FA5}">
+                      <a16:colId xmlns:a16="http://schemas.microsoft.com/office/drawing/2014/main" val="987114372"/>
+                    </a:ext>
+                  </a:extLst>
+                </a:gridCol>
+                <a:gridCol w="2750265">
+                  <a:extLst>
+                    <a:ext uri="{9D8B030D-6E8A-4147-A177-3AD203B41FA5}">
+                      <a16:colId xmlns:a16="http://schemas.microsoft.com/office/drawing/2014/main" val="3622539982"/>
+                    </a:ext>
+                  </a:extLst>
+                </a:gridCol>
+                <a:gridCol w="2750265">
+                  <a:extLst>
+                    <a:ext uri="{9D8B030D-6E8A-4147-A177-3AD203B41FA5}">
+                      <a16:colId xmlns:a16="http://schemas.microsoft.com/office/drawing/2014/main" val="1295365436"/>
+                    </a:ext>
+                  </a:extLst>
+                </a:gridCol>
+              </a:tblGrid>
+              <a:tr h="326965">
+                <a:tc>
+                  <a:txBody>
+                    <a:bodyPr/>
+                    <a:lstStyle/>
+                    <a:p>
+                      <a:pPr marL="0" marR="0" lvl="0" indent="0" algn="l" defTabSz="914400" rtl="0" eaLnBrk="1" fontAlgn="auto" latinLnBrk="0" hangingPunct="1">
+                        <a:lnSpc>
+                          <a:spcPct val="100000"/>
+                        </a:lnSpc>
+                        <a:spcBef>
+                          <a:spcPts val="0"/>
+                        </a:spcBef>
+                        <a:spcAft>
+                          <a:spcPts val="0"/>
+                        </a:spcAft>
+                        <a:buClrTx/>
+                        <a:buSzTx/>
+                        <a:buFontTx/>
+                        <a:buNone/>
+                        <a:tabLst/>
+                        <a:defRPr/>
+                      </a:pPr>
+                      <a:r>
+                        <a:rPr lang="en-US" b="0" dirty="0" err="1">
+                          <a:solidFill>
+                            <a:schemeClr val="bg1"/>
+                          </a:solidFill>
+                          <a:latin typeface="Questrial" pitchFamily="2" charset="0"/>
+                          <a:ea typeface="Questrial" pitchFamily="2" charset="0"/>
+                          <a:cs typeface="Questrial" pitchFamily="2" charset="0"/>
+                        </a:rPr>
+                        <a:t>Cơ</a:t>
+                      </a:r>
+                      <a:r>
+                        <a:rPr lang="en-US" b="0" dirty="0">
+                          <a:solidFill>
+                            <a:schemeClr val="bg1"/>
+                          </a:solidFill>
+                          <a:latin typeface="Questrial" pitchFamily="2" charset="0"/>
+                          <a:ea typeface="Questrial" pitchFamily="2" charset="0"/>
+                          <a:cs typeface="Questrial" pitchFamily="2" charset="0"/>
+                        </a:rPr>
+                        <a:t> </a:t>
+                      </a:r>
+                      <a:r>
+                        <a:rPr lang="en-US" b="0" dirty="0" err="1">
+                          <a:solidFill>
+                            <a:schemeClr val="bg1"/>
+                          </a:solidFill>
+                          <a:latin typeface="Questrial" pitchFamily="2" charset="0"/>
+                          <a:ea typeface="Questrial" pitchFamily="2" charset="0"/>
+                          <a:cs typeface="Questrial" pitchFamily="2" charset="0"/>
+                        </a:rPr>
+                        <a:t>cấu</a:t>
+                      </a:r>
+                      <a:r>
+                        <a:rPr lang="en-US" b="0" dirty="0">
+                          <a:solidFill>
+                            <a:schemeClr val="bg1"/>
+                          </a:solidFill>
+                          <a:latin typeface="Questrial" pitchFamily="2" charset="0"/>
+                          <a:ea typeface="Questrial" pitchFamily="2" charset="0"/>
+                          <a:cs typeface="Questrial" pitchFamily="2" charset="0"/>
+                        </a:rPr>
+                        <a:t> chi </a:t>
+                      </a:r>
+                      <a:r>
+                        <a:rPr lang="en-US" b="0" dirty="0" err="1">
+                          <a:solidFill>
+                            <a:schemeClr val="bg1"/>
+                          </a:solidFill>
+                          <a:latin typeface="Questrial" pitchFamily="2" charset="0"/>
+                          <a:ea typeface="Questrial" pitchFamily="2" charset="0"/>
+                          <a:cs typeface="Questrial" pitchFamily="2" charset="0"/>
+                        </a:rPr>
+                        <a:t>phí</a:t>
+                      </a:r>
+                      <a:endParaRPr lang="en-US" b="0" dirty="0">
+                        <a:solidFill>
+                          <a:schemeClr val="bg1"/>
+                        </a:solidFill>
+                        <a:latin typeface="Questrial" pitchFamily="2" charset="0"/>
+                        <a:ea typeface="Questrial" pitchFamily="2" charset="0"/>
+                        <a:cs typeface="Questrial" pitchFamily="2" charset="0"/>
+                      </a:endParaRPr>
+                    </a:p>
+                  </a:txBody>
+                  <a:tcPr/>
+                </a:tc>
+                <a:tc>
+                  <a:txBody>
+                    <a:bodyPr/>
+                    <a:lstStyle/>
+                    <a:p>
+                      <a:pPr marL="0" marR="0" lvl="0" indent="0" algn="l" defTabSz="914400" rtl="0" eaLnBrk="1" fontAlgn="auto" latinLnBrk="0" hangingPunct="1">
+                        <a:lnSpc>
+                          <a:spcPct val="100000"/>
+                        </a:lnSpc>
+                        <a:spcBef>
+                          <a:spcPts val="0"/>
+                        </a:spcBef>
+                        <a:spcAft>
+                          <a:spcPts val="0"/>
+                        </a:spcAft>
+                        <a:buClrTx/>
+                        <a:buSzTx/>
+                        <a:buFontTx/>
+                        <a:buNone/>
+                        <a:tabLst/>
+                        <a:defRPr/>
+                      </a:pPr>
+                      <a:r>
+                        <a:rPr lang="en-US" b="0" dirty="0" err="1">
+                          <a:solidFill>
+                            <a:schemeClr val="bg1"/>
+                          </a:solidFill>
+                          <a:latin typeface="Questrial" pitchFamily="2" charset="0"/>
+                          <a:ea typeface="Questrial" pitchFamily="2" charset="0"/>
+                          <a:cs typeface="Questrial" pitchFamily="2" charset="0"/>
+                        </a:rPr>
+                        <a:t>Nguồn</a:t>
+                      </a:r>
+                      <a:r>
+                        <a:rPr lang="en-US" b="0" dirty="0">
+                          <a:solidFill>
+                            <a:schemeClr val="bg1"/>
+                          </a:solidFill>
+                          <a:latin typeface="Questrial" pitchFamily="2" charset="0"/>
+                          <a:ea typeface="Questrial" pitchFamily="2" charset="0"/>
+                          <a:cs typeface="Questrial" pitchFamily="2" charset="0"/>
+                        </a:rPr>
+                        <a:t> </a:t>
+                      </a:r>
+                      <a:r>
+                        <a:rPr lang="en-US" b="0" dirty="0" err="1">
+                          <a:solidFill>
+                            <a:schemeClr val="bg1"/>
+                          </a:solidFill>
+                          <a:latin typeface="Questrial" pitchFamily="2" charset="0"/>
+                          <a:ea typeface="Questrial" pitchFamily="2" charset="0"/>
+                          <a:cs typeface="Questrial" pitchFamily="2" charset="0"/>
+                        </a:rPr>
+                        <a:t>lực</a:t>
+                      </a:r>
+                      <a:r>
+                        <a:rPr lang="en-US" b="0" dirty="0">
+                          <a:solidFill>
+                            <a:schemeClr val="bg1"/>
+                          </a:solidFill>
+                          <a:latin typeface="Questrial" pitchFamily="2" charset="0"/>
+                          <a:ea typeface="Questrial" pitchFamily="2" charset="0"/>
+                          <a:cs typeface="Questrial" pitchFamily="2" charset="0"/>
+                        </a:rPr>
+                        <a:t> </a:t>
+                      </a:r>
+                      <a:r>
+                        <a:rPr lang="en-US" b="0" dirty="0" err="1">
+                          <a:solidFill>
+                            <a:schemeClr val="bg1"/>
+                          </a:solidFill>
+                          <a:latin typeface="Questrial" pitchFamily="2" charset="0"/>
+                          <a:ea typeface="Questrial" pitchFamily="2" charset="0"/>
+                          <a:cs typeface="Questrial" pitchFamily="2" charset="0"/>
+                        </a:rPr>
+                        <a:t>chính</a:t>
+                      </a:r>
+                      <a:endParaRPr lang="en-US" b="0" dirty="0">
+                        <a:solidFill>
+                          <a:schemeClr val="bg1"/>
+                        </a:solidFill>
+                        <a:latin typeface="Questrial" pitchFamily="2" charset="0"/>
+                        <a:ea typeface="Questrial" pitchFamily="2" charset="0"/>
+                        <a:cs typeface="Questrial" pitchFamily="2" charset="0"/>
+                      </a:endParaRPr>
+                    </a:p>
+                  </a:txBody>
+                  <a:tcPr/>
+                </a:tc>
+                <a:tc>
+                  <a:txBody>
+                    <a:bodyPr/>
+                    <a:lstStyle/>
+                    <a:p>
+                      <a:pPr marL="0" marR="0" lvl="0" indent="0" algn="l" defTabSz="914400" rtl="0" eaLnBrk="1" fontAlgn="auto" latinLnBrk="0" hangingPunct="1">
+                        <a:lnSpc>
+                          <a:spcPct val="100000"/>
+                        </a:lnSpc>
+                        <a:spcBef>
+                          <a:spcPts val="0"/>
+                        </a:spcBef>
+                        <a:spcAft>
+                          <a:spcPts val="0"/>
+                        </a:spcAft>
+                        <a:buClrTx/>
+                        <a:buSzTx/>
+                        <a:buFontTx/>
+                        <a:buNone/>
+                        <a:tabLst/>
+                        <a:defRPr/>
+                      </a:pPr>
+                      <a:r>
+                        <a:rPr lang="en-US" b="0" dirty="0" err="1">
+                          <a:solidFill>
+                            <a:schemeClr val="bg1"/>
+                          </a:solidFill>
+                          <a:latin typeface="Questrial" pitchFamily="2" charset="0"/>
+                          <a:ea typeface="Questrial" pitchFamily="2" charset="0"/>
+                          <a:cs typeface="Questrial" pitchFamily="2" charset="0"/>
+                        </a:rPr>
+                        <a:t>Các</a:t>
+                      </a:r>
+                      <a:r>
+                        <a:rPr lang="en-US" b="0" dirty="0">
+                          <a:solidFill>
+                            <a:schemeClr val="bg1"/>
+                          </a:solidFill>
+                          <a:latin typeface="Questrial" pitchFamily="2" charset="0"/>
+                          <a:ea typeface="Questrial" pitchFamily="2" charset="0"/>
+                          <a:cs typeface="Questrial" pitchFamily="2" charset="0"/>
+                        </a:rPr>
+                        <a:t> </a:t>
+                      </a:r>
+                      <a:r>
+                        <a:rPr lang="en-US" b="0" dirty="0" err="1">
+                          <a:solidFill>
+                            <a:schemeClr val="bg1"/>
+                          </a:solidFill>
+                          <a:latin typeface="Questrial" pitchFamily="2" charset="0"/>
+                          <a:ea typeface="Questrial" pitchFamily="2" charset="0"/>
+                          <a:cs typeface="Questrial" pitchFamily="2" charset="0"/>
+                        </a:rPr>
+                        <a:t>kênh</a:t>
+                      </a:r>
+                      <a:r>
+                        <a:rPr lang="en-US" b="0" dirty="0">
+                          <a:solidFill>
+                            <a:schemeClr val="bg1"/>
+                          </a:solidFill>
+                          <a:latin typeface="Questrial" pitchFamily="2" charset="0"/>
+                          <a:ea typeface="Questrial" pitchFamily="2" charset="0"/>
+                          <a:cs typeface="Questrial" pitchFamily="2" charset="0"/>
+                        </a:rPr>
+                        <a:t> </a:t>
+                      </a:r>
+                      <a:r>
+                        <a:rPr lang="en-US" b="0" dirty="0" err="1">
+                          <a:solidFill>
+                            <a:schemeClr val="bg1"/>
+                          </a:solidFill>
+                          <a:latin typeface="Questrial" pitchFamily="2" charset="0"/>
+                          <a:ea typeface="Questrial" pitchFamily="2" charset="0"/>
+                          <a:cs typeface="Questrial" pitchFamily="2" charset="0"/>
+                        </a:rPr>
+                        <a:t>truyền</a:t>
+                      </a:r>
+                      <a:r>
+                        <a:rPr lang="en-US" b="0" dirty="0">
+                          <a:solidFill>
+                            <a:schemeClr val="bg1"/>
+                          </a:solidFill>
+                          <a:latin typeface="Questrial" pitchFamily="2" charset="0"/>
+                          <a:ea typeface="Questrial" pitchFamily="2" charset="0"/>
+                          <a:cs typeface="Questrial" pitchFamily="2" charset="0"/>
+                        </a:rPr>
+                        <a:t> </a:t>
+                      </a:r>
+                      <a:r>
+                        <a:rPr lang="en-US" b="0" dirty="0" err="1">
+                          <a:solidFill>
+                            <a:schemeClr val="bg1"/>
+                          </a:solidFill>
+                          <a:latin typeface="Questrial" pitchFamily="2" charset="0"/>
+                          <a:ea typeface="Questrial" pitchFamily="2" charset="0"/>
+                          <a:cs typeface="Questrial" pitchFamily="2" charset="0"/>
+                        </a:rPr>
+                        <a:t>thông</a:t>
+                      </a:r>
+                      <a:r>
+                        <a:rPr lang="en-US" b="0" dirty="0">
+                          <a:solidFill>
+                            <a:schemeClr val="bg1"/>
+                          </a:solidFill>
+                          <a:latin typeface="Questrial" pitchFamily="2" charset="0"/>
+                          <a:ea typeface="Questrial" pitchFamily="2" charset="0"/>
+                          <a:cs typeface="Questrial" pitchFamily="2" charset="0"/>
+                        </a:rPr>
+                        <a:t> </a:t>
+                      </a:r>
+                    </a:p>
+                  </a:txBody>
+                  <a:tcPr/>
+                </a:tc>
+                <a:tc>
+                  <a:txBody>
+                    <a:bodyPr/>
+                    <a:lstStyle/>
+                    <a:p>
+                      <a:pPr marL="0" marR="0" lvl="0" indent="0" algn="l" defTabSz="914400" rtl="0" eaLnBrk="1" fontAlgn="auto" latinLnBrk="0" hangingPunct="1">
+                        <a:lnSpc>
+                          <a:spcPct val="100000"/>
+                        </a:lnSpc>
+                        <a:spcBef>
+                          <a:spcPts val="0"/>
+                        </a:spcBef>
+                        <a:spcAft>
+                          <a:spcPts val="0"/>
+                        </a:spcAft>
+                        <a:buClrTx/>
+                        <a:buSzTx/>
+                        <a:buFontTx/>
+                        <a:buNone/>
+                        <a:tabLst/>
+                        <a:defRPr/>
+                      </a:pPr>
+                      <a:r>
+                        <a:rPr lang="en-US" b="0" dirty="0" err="1">
+                          <a:solidFill>
+                            <a:schemeClr val="bg1"/>
+                          </a:solidFill>
+                          <a:latin typeface="Questrial" pitchFamily="2" charset="0"/>
+                          <a:ea typeface="Questrial" pitchFamily="2" charset="0"/>
+                          <a:cs typeface="Questrial" pitchFamily="2" charset="0"/>
+                        </a:rPr>
+                        <a:t>Dòng</a:t>
+                      </a:r>
+                      <a:r>
+                        <a:rPr lang="en-US" b="0" dirty="0">
+                          <a:solidFill>
+                            <a:schemeClr val="bg1"/>
+                          </a:solidFill>
+                          <a:latin typeface="Questrial" pitchFamily="2" charset="0"/>
+                          <a:ea typeface="Questrial" pitchFamily="2" charset="0"/>
+                          <a:cs typeface="Questrial" pitchFamily="2" charset="0"/>
+                        </a:rPr>
+                        <a:t> </a:t>
+                      </a:r>
+                      <a:r>
+                        <a:rPr lang="en-US" b="0" dirty="0" err="1">
+                          <a:solidFill>
+                            <a:schemeClr val="bg1"/>
+                          </a:solidFill>
+                          <a:latin typeface="Questrial" pitchFamily="2" charset="0"/>
+                          <a:ea typeface="Questrial" pitchFamily="2" charset="0"/>
+                          <a:cs typeface="Questrial" pitchFamily="2" charset="0"/>
+                        </a:rPr>
+                        <a:t>doanh</a:t>
+                      </a:r>
+                      <a:r>
+                        <a:rPr lang="en-US" b="0" dirty="0">
+                          <a:solidFill>
+                            <a:schemeClr val="bg1"/>
+                          </a:solidFill>
+                          <a:latin typeface="Questrial" pitchFamily="2" charset="0"/>
+                          <a:ea typeface="Questrial" pitchFamily="2" charset="0"/>
+                          <a:cs typeface="Questrial" pitchFamily="2" charset="0"/>
+                        </a:rPr>
+                        <a:t> </a:t>
+                      </a:r>
+                      <a:r>
+                        <a:rPr lang="en-US" b="0" dirty="0" err="1">
+                          <a:solidFill>
+                            <a:schemeClr val="bg1"/>
+                          </a:solidFill>
+                          <a:latin typeface="Questrial" pitchFamily="2" charset="0"/>
+                          <a:ea typeface="Questrial" pitchFamily="2" charset="0"/>
+                          <a:cs typeface="Questrial" pitchFamily="2" charset="0"/>
+                        </a:rPr>
+                        <a:t>thu</a:t>
+                      </a:r>
+                      <a:endParaRPr lang="en-US" b="0" dirty="0">
+                        <a:solidFill>
+                          <a:schemeClr val="bg1"/>
+                        </a:solidFill>
+                        <a:latin typeface="Questrial" pitchFamily="2" charset="0"/>
+                        <a:ea typeface="Questrial" pitchFamily="2" charset="0"/>
+                        <a:cs typeface="Questrial" pitchFamily="2" charset="0"/>
+                      </a:endParaRPr>
+                    </a:p>
+                  </a:txBody>
+                  <a:tcPr/>
+                </a:tc>
+                <a:extLst>
+                  <a:ext uri="{0D108BD9-81ED-4DB2-BD59-A6C34878D82A}">
+                    <a16:rowId xmlns:a16="http://schemas.microsoft.com/office/drawing/2014/main" val="1746522265"/>
+                  </a:ext>
+                </a:extLst>
+              </a:tr>
+              <a:tr h="2288752">
+                <a:tc>
+                  <a:txBody>
+                    <a:bodyPr/>
+                    <a:lstStyle/>
+                    <a:p>
+                      <a:pPr marL="285750" indent="-285750">
+                        <a:buFontTx/>
+                        <a:buChar char="-"/>
+                      </a:pPr>
+                      <a:r>
+                        <a:rPr lang="en-US" b="0" dirty="0" err="1">
+                          <a:solidFill>
+                            <a:schemeClr val="tx1"/>
+                          </a:solidFill>
+                          <a:latin typeface="Questrial" pitchFamily="2" charset="0"/>
+                          <a:ea typeface="Questrial" pitchFamily="2" charset="0"/>
+                          <a:cs typeface="Questrial" pitchFamily="2" charset="0"/>
+                        </a:rPr>
+                        <a:t>Nhân</a:t>
+                      </a:r>
+                      <a:r>
+                        <a:rPr lang="en-US" b="0" dirty="0">
+                          <a:solidFill>
+                            <a:schemeClr val="tx1"/>
+                          </a:solidFill>
+                          <a:latin typeface="Questrial" pitchFamily="2" charset="0"/>
+                          <a:ea typeface="Questrial" pitchFamily="2" charset="0"/>
+                          <a:cs typeface="Questrial" pitchFamily="2" charset="0"/>
+                        </a:rPr>
+                        <a:t> </a:t>
+                      </a:r>
+                      <a:r>
+                        <a:rPr lang="en-US" b="0" dirty="0" err="1">
+                          <a:solidFill>
+                            <a:schemeClr val="tx1"/>
+                          </a:solidFill>
+                          <a:latin typeface="Questrial" pitchFamily="2" charset="0"/>
+                          <a:ea typeface="Questrial" pitchFamily="2" charset="0"/>
+                          <a:cs typeface="Questrial" pitchFamily="2" charset="0"/>
+                        </a:rPr>
+                        <a:t>lực</a:t>
+                      </a:r>
+                      <a:endParaRPr lang="en-US" b="0" dirty="0">
+                        <a:solidFill>
+                          <a:schemeClr val="tx1"/>
+                        </a:solidFill>
+                        <a:latin typeface="Questrial" pitchFamily="2" charset="0"/>
+                        <a:ea typeface="Questrial" pitchFamily="2" charset="0"/>
+                        <a:cs typeface="Questrial" pitchFamily="2" charset="0"/>
+                      </a:endParaRPr>
+                    </a:p>
+                    <a:p>
+                      <a:pPr marL="285750" indent="-285750">
+                        <a:buFontTx/>
+                        <a:buChar char="-"/>
+                      </a:pPr>
+                      <a:r>
+                        <a:rPr lang="en-US" b="0" dirty="0" err="1">
+                          <a:solidFill>
+                            <a:schemeClr val="tx1"/>
+                          </a:solidFill>
+                          <a:latin typeface="Questrial" pitchFamily="2" charset="0"/>
+                          <a:ea typeface="Questrial" pitchFamily="2" charset="0"/>
+                          <a:cs typeface="Questrial" pitchFamily="2" charset="0"/>
+                        </a:rPr>
+                        <a:t>Thiết</a:t>
+                      </a:r>
+                      <a:r>
+                        <a:rPr lang="en-US" b="0" dirty="0">
+                          <a:solidFill>
+                            <a:schemeClr val="tx1"/>
+                          </a:solidFill>
+                          <a:latin typeface="Questrial" pitchFamily="2" charset="0"/>
+                          <a:ea typeface="Questrial" pitchFamily="2" charset="0"/>
+                          <a:cs typeface="Questrial" pitchFamily="2" charset="0"/>
+                        </a:rPr>
+                        <a:t> </a:t>
+                      </a:r>
+                      <a:r>
+                        <a:rPr lang="en-US" b="0" dirty="0" err="1">
+                          <a:solidFill>
+                            <a:schemeClr val="tx1"/>
+                          </a:solidFill>
+                          <a:latin typeface="Questrial" pitchFamily="2" charset="0"/>
+                          <a:ea typeface="Questrial" pitchFamily="2" charset="0"/>
+                          <a:cs typeface="Questrial" pitchFamily="2" charset="0"/>
+                        </a:rPr>
+                        <a:t>bị</a:t>
+                      </a:r>
+                      <a:endParaRPr lang="en-US" b="0" dirty="0">
+                        <a:solidFill>
+                          <a:schemeClr val="tx1"/>
+                        </a:solidFill>
+                        <a:latin typeface="Questrial" pitchFamily="2" charset="0"/>
+                        <a:ea typeface="Questrial" pitchFamily="2" charset="0"/>
+                        <a:cs typeface="Questrial" pitchFamily="2" charset="0"/>
+                      </a:endParaRPr>
+                    </a:p>
+                  </a:txBody>
+                  <a:tcPr/>
+                </a:tc>
+                <a:tc>
+                  <a:txBody>
+                    <a:bodyPr/>
+                    <a:lstStyle/>
+                    <a:p>
+                      <a:r>
+                        <a:rPr lang="en-US" b="0" dirty="0">
+                          <a:solidFill>
+                            <a:schemeClr val="tx1"/>
+                          </a:solidFill>
+                          <a:latin typeface="Questrial" pitchFamily="2" charset="0"/>
+                          <a:ea typeface="Questrial" pitchFamily="2" charset="0"/>
+                          <a:cs typeface="Questrial" pitchFamily="2" charset="0"/>
+                        </a:rPr>
+                        <a:t>Steam</a:t>
+                      </a:r>
+                    </a:p>
+                    <a:p>
+                      <a:r>
+                        <a:rPr lang="en-US" b="0" dirty="0">
+                          <a:solidFill>
+                            <a:schemeClr val="tx1"/>
+                          </a:solidFill>
+                          <a:latin typeface="Questrial" pitchFamily="2" charset="0"/>
+                          <a:ea typeface="Questrial" pitchFamily="2" charset="0"/>
+                          <a:cs typeface="Questrial" pitchFamily="2" charset="0"/>
+                        </a:rPr>
+                        <a:t>itch.io</a:t>
+                      </a:r>
+                    </a:p>
+                  </a:txBody>
+                  <a:tcPr/>
+                </a:tc>
+                <a:tc>
+                  <a:txBody>
+                    <a:bodyPr/>
+                    <a:lstStyle/>
+                    <a:p>
+                      <a:pPr marL="0" marR="0" lvl="0" indent="0" algn="l" defTabSz="914400" rtl="0" eaLnBrk="1" fontAlgn="auto" latinLnBrk="0" hangingPunct="1">
+                        <a:lnSpc>
+                          <a:spcPct val="100000"/>
+                        </a:lnSpc>
+                        <a:spcBef>
+                          <a:spcPts val="0"/>
+                        </a:spcBef>
+                        <a:spcAft>
+                          <a:spcPts val="0"/>
+                        </a:spcAft>
+                        <a:buClrTx/>
+                        <a:buSzTx/>
+                        <a:buFontTx/>
+                        <a:buNone/>
+                        <a:tabLst/>
+                        <a:defRPr/>
+                      </a:pPr>
+                      <a:r>
+                        <a:rPr lang="en-US" sz="1800" b="0" dirty="0" err="1">
+                          <a:solidFill>
+                            <a:schemeClr val="tx1"/>
+                          </a:solidFill>
+                          <a:latin typeface="Questrial" pitchFamily="2" charset="0"/>
+                          <a:ea typeface="Questrial" pitchFamily="2" charset="0"/>
+                          <a:cs typeface="Questrial" pitchFamily="2" charset="0"/>
+                        </a:rPr>
+                        <a:t>Sử</a:t>
+                      </a:r>
+                      <a:r>
+                        <a:rPr lang="en-US" sz="1800" b="0" dirty="0">
+                          <a:solidFill>
+                            <a:schemeClr val="tx1"/>
+                          </a:solidFill>
+                          <a:latin typeface="Questrial" pitchFamily="2" charset="0"/>
+                          <a:ea typeface="Questrial" pitchFamily="2" charset="0"/>
+                          <a:cs typeface="Questrial" pitchFamily="2" charset="0"/>
+                        </a:rPr>
+                        <a:t> </a:t>
+                      </a:r>
+                      <a:r>
+                        <a:rPr lang="en-US" sz="1800" b="0" dirty="0" err="1">
+                          <a:solidFill>
+                            <a:schemeClr val="tx1"/>
+                          </a:solidFill>
+                          <a:latin typeface="Questrial" pitchFamily="2" charset="0"/>
+                          <a:ea typeface="Questrial" pitchFamily="2" charset="0"/>
+                          <a:cs typeface="Questrial" pitchFamily="2" charset="0"/>
+                        </a:rPr>
+                        <a:t>dụng</a:t>
+                      </a:r>
+                      <a:r>
+                        <a:rPr lang="en-US" sz="1800" b="0" dirty="0">
+                          <a:solidFill>
+                            <a:schemeClr val="tx1"/>
+                          </a:solidFill>
+                          <a:latin typeface="Questrial" pitchFamily="2" charset="0"/>
+                          <a:ea typeface="Questrial" pitchFamily="2" charset="0"/>
+                          <a:cs typeface="Questrial" pitchFamily="2" charset="0"/>
+                        </a:rPr>
+                        <a:t> </a:t>
+                      </a:r>
+                      <a:r>
+                        <a:rPr lang="en-US" sz="1800" b="0" dirty="0" err="1">
+                          <a:solidFill>
+                            <a:schemeClr val="tx1"/>
+                          </a:solidFill>
+                          <a:latin typeface="Questrial" pitchFamily="2" charset="0"/>
+                          <a:ea typeface="Questrial" pitchFamily="2" charset="0"/>
+                          <a:cs typeface="Questrial" pitchFamily="2" charset="0"/>
+                        </a:rPr>
+                        <a:t>nhiều</a:t>
+                      </a:r>
+                      <a:r>
+                        <a:rPr lang="en-US" sz="1800" b="0" dirty="0">
+                          <a:solidFill>
+                            <a:schemeClr val="tx1"/>
+                          </a:solidFill>
+                          <a:latin typeface="Questrial" pitchFamily="2" charset="0"/>
+                          <a:ea typeface="Questrial" pitchFamily="2" charset="0"/>
+                          <a:cs typeface="Questrial" pitchFamily="2" charset="0"/>
+                        </a:rPr>
+                        <a:t> </a:t>
+                      </a:r>
+                      <a:r>
+                        <a:rPr lang="en-US" sz="1800" b="0" dirty="0" err="1">
+                          <a:solidFill>
+                            <a:schemeClr val="tx1"/>
+                          </a:solidFill>
+                          <a:latin typeface="Questrial" pitchFamily="2" charset="0"/>
+                          <a:ea typeface="Questrial" pitchFamily="2" charset="0"/>
+                          <a:cs typeface="Questrial" pitchFamily="2" charset="0"/>
+                        </a:rPr>
+                        <a:t>dạng</a:t>
+                      </a:r>
+                      <a:r>
+                        <a:rPr lang="en-US" sz="1800" b="0" dirty="0">
+                          <a:solidFill>
+                            <a:schemeClr val="tx1"/>
+                          </a:solidFill>
+                          <a:latin typeface="Questrial" pitchFamily="2" charset="0"/>
+                          <a:ea typeface="Questrial" pitchFamily="2" charset="0"/>
+                          <a:cs typeface="Questrial" pitchFamily="2" charset="0"/>
+                        </a:rPr>
+                        <a:t> </a:t>
+                      </a:r>
+                      <a:r>
+                        <a:rPr lang="en-US" sz="1800" b="0" dirty="0" err="1">
+                          <a:solidFill>
+                            <a:schemeClr val="tx1"/>
+                          </a:solidFill>
+                          <a:latin typeface="Questrial" pitchFamily="2" charset="0"/>
+                          <a:ea typeface="Questrial" pitchFamily="2" charset="0"/>
+                          <a:cs typeface="Questrial" pitchFamily="2" charset="0"/>
+                        </a:rPr>
+                        <a:t>mạng</a:t>
+                      </a:r>
+                      <a:r>
+                        <a:rPr lang="en-US" sz="1800" b="0" dirty="0">
+                          <a:solidFill>
+                            <a:schemeClr val="tx1"/>
+                          </a:solidFill>
+                          <a:latin typeface="Questrial" pitchFamily="2" charset="0"/>
+                          <a:ea typeface="Questrial" pitchFamily="2" charset="0"/>
+                          <a:cs typeface="Questrial" pitchFamily="2" charset="0"/>
+                        </a:rPr>
+                        <a:t> </a:t>
+                      </a:r>
+                      <a:r>
+                        <a:rPr lang="en-US" sz="1800" b="0" dirty="0" err="1">
+                          <a:solidFill>
+                            <a:schemeClr val="tx1"/>
+                          </a:solidFill>
+                          <a:latin typeface="Questrial" pitchFamily="2" charset="0"/>
+                          <a:ea typeface="Questrial" pitchFamily="2" charset="0"/>
+                          <a:cs typeface="Questrial" pitchFamily="2" charset="0"/>
+                        </a:rPr>
+                        <a:t>xã</a:t>
+                      </a:r>
+                      <a:r>
+                        <a:rPr lang="en-US" sz="1800" b="0" dirty="0">
+                          <a:solidFill>
+                            <a:schemeClr val="tx1"/>
+                          </a:solidFill>
+                          <a:latin typeface="Questrial" pitchFamily="2" charset="0"/>
+                          <a:ea typeface="Questrial" pitchFamily="2" charset="0"/>
+                          <a:cs typeface="Questrial" pitchFamily="2" charset="0"/>
+                        </a:rPr>
+                        <a:t> </a:t>
+                      </a:r>
+                      <a:r>
+                        <a:rPr lang="en-US" sz="1800" b="0" dirty="0" err="1">
+                          <a:solidFill>
+                            <a:schemeClr val="tx1"/>
+                          </a:solidFill>
+                          <a:latin typeface="Questrial" pitchFamily="2" charset="0"/>
+                          <a:ea typeface="Questrial" pitchFamily="2" charset="0"/>
+                          <a:cs typeface="Questrial" pitchFamily="2" charset="0"/>
+                        </a:rPr>
+                        <a:t>hội</a:t>
+                      </a:r>
+                      <a:r>
+                        <a:rPr lang="en-US" sz="1800" b="0" dirty="0">
+                          <a:solidFill>
+                            <a:schemeClr val="tx1"/>
+                          </a:solidFill>
+                          <a:latin typeface="Questrial" pitchFamily="2" charset="0"/>
+                          <a:ea typeface="Questrial" pitchFamily="2" charset="0"/>
+                          <a:cs typeface="Questrial" pitchFamily="2" charset="0"/>
+                        </a:rPr>
+                        <a:t>: Facebook, Twitter,…</a:t>
+                      </a:r>
+                    </a:p>
+                    <a:p>
+                      <a:r>
+                        <a:rPr lang="vi-VN" sz="1800" b="0" dirty="0">
+                          <a:solidFill>
+                            <a:schemeClr val="tx1"/>
+                          </a:solidFill>
+                          <a:latin typeface="Questrial" pitchFamily="2" charset="0"/>
+                          <a:ea typeface="Questrial" pitchFamily="2" charset="0"/>
+                          <a:cs typeface="Questrial" pitchFamily="2" charset="0"/>
+                        </a:rPr>
+                        <a:t>Đăng thông tin về game lên các nền tảng mạng xã hội</a:t>
+                      </a:r>
+                      <a:r>
+                        <a:rPr lang="en-US" sz="1800" b="0" dirty="0">
+                          <a:solidFill>
+                            <a:schemeClr val="tx1"/>
+                          </a:solidFill>
+                          <a:latin typeface="Questrial" pitchFamily="2" charset="0"/>
+                          <a:ea typeface="Questrial" pitchFamily="2" charset="0"/>
+                          <a:cs typeface="Questrial" pitchFamily="2" charset="0"/>
+                        </a:rPr>
+                        <a:t>.</a:t>
+                      </a:r>
+                    </a:p>
+                    <a:p>
+                      <a:r>
+                        <a:rPr lang="en-US" sz="1800" b="0" dirty="0">
+                          <a:solidFill>
+                            <a:schemeClr val="tx1"/>
+                          </a:solidFill>
+                          <a:latin typeface="Questrial" pitchFamily="2" charset="0"/>
+                          <a:ea typeface="Questrial" pitchFamily="2" charset="0"/>
+                          <a:cs typeface="Questrial" pitchFamily="2" charset="0"/>
+                        </a:rPr>
+                        <a:t>N</a:t>
+                      </a:r>
+                      <a:r>
+                        <a:rPr lang="vi-VN" sz="1800" b="0" dirty="0">
+                          <a:solidFill>
+                            <a:schemeClr val="tx1"/>
+                          </a:solidFill>
+                          <a:latin typeface="Questrial" pitchFamily="2" charset="0"/>
+                          <a:ea typeface="Questrial" pitchFamily="2" charset="0"/>
+                          <a:cs typeface="Questrial" pitchFamily="2" charset="0"/>
+                        </a:rPr>
+                        <a:t>gười dùng để lại nhận xét, góp ý hoặc chia sẻ game với bạn bè.</a:t>
+                      </a:r>
+                      <a:endParaRPr lang="en-US" sz="1800" b="0" dirty="0">
+                        <a:solidFill>
+                          <a:schemeClr val="tx1"/>
+                        </a:solidFill>
+                        <a:latin typeface="Questrial" pitchFamily="2" charset="0"/>
+                        <a:ea typeface="Questrial" pitchFamily="2" charset="0"/>
+                        <a:cs typeface="Questrial" pitchFamily="2" charset="0"/>
+                      </a:endParaRPr>
+                    </a:p>
+                  </a:txBody>
+                  <a:tcPr/>
+                </a:tc>
+                <a:tc>
+                  <a:txBody>
+                    <a:bodyPr/>
+                    <a:lstStyle/>
+                    <a:p>
+                      <a:pPr marL="0" marR="0" lvl="0" indent="0" algn="l" defTabSz="914400" rtl="0" eaLnBrk="1" fontAlgn="auto" latinLnBrk="0" hangingPunct="1">
+                        <a:lnSpc>
+                          <a:spcPct val="100000"/>
+                        </a:lnSpc>
+                        <a:spcBef>
+                          <a:spcPts val="0"/>
+                        </a:spcBef>
+                        <a:spcAft>
+                          <a:spcPts val="0"/>
+                        </a:spcAft>
+                        <a:buClrTx/>
+                        <a:buSzTx/>
+                        <a:buFontTx/>
+                        <a:buNone/>
+                        <a:tabLst/>
+                        <a:defRPr/>
+                      </a:pPr>
+                      <a:r>
+                        <a:rPr lang="en-US" sz="1800" b="0" dirty="0">
+                          <a:solidFill>
+                            <a:schemeClr val="tx1"/>
+                          </a:solidFill>
+                          <a:latin typeface="Questrial" pitchFamily="2" charset="0"/>
+                          <a:ea typeface="Questrial" pitchFamily="2" charset="0"/>
+                          <a:cs typeface="Questrial" pitchFamily="2" charset="0"/>
+                        </a:rPr>
+                        <a:t>T</a:t>
+                      </a:r>
+                      <a:r>
+                        <a:rPr lang="vi-VN" sz="1800" b="0" dirty="0">
+                          <a:solidFill>
+                            <a:schemeClr val="tx1"/>
+                          </a:solidFill>
+                          <a:latin typeface="Questrial" pitchFamily="2" charset="0"/>
+                          <a:ea typeface="Questrial" pitchFamily="2" charset="0"/>
+                          <a:cs typeface="Questrial" pitchFamily="2" charset="0"/>
+                        </a:rPr>
+                        <a:t>hiết kế các gói cao cấp cho game </a:t>
+                      </a:r>
+                      <a:r>
+                        <a:rPr lang="en-US" sz="1800" b="0" dirty="0" err="1">
+                          <a:solidFill>
+                            <a:schemeClr val="tx1"/>
+                          </a:solidFill>
+                          <a:latin typeface="Questrial" pitchFamily="2" charset="0"/>
+                          <a:ea typeface="Questrial" pitchFamily="2" charset="0"/>
+                          <a:cs typeface="Questrial" pitchFamily="2" charset="0"/>
+                        </a:rPr>
+                        <a:t>cho</a:t>
+                      </a:r>
+                      <a:r>
+                        <a:rPr lang="en-US" sz="1800" b="0" dirty="0">
+                          <a:solidFill>
+                            <a:schemeClr val="tx1"/>
+                          </a:solidFill>
+                          <a:latin typeface="Questrial" pitchFamily="2" charset="0"/>
+                          <a:ea typeface="Questrial" pitchFamily="2" charset="0"/>
+                          <a:cs typeface="Questrial" pitchFamily="2" charset="0"/>
+                        </a:rPr>
+                        <a:t> </a:t>
+                      </a:r>
+                      <a:r>
+                        <a:rPr lang="en-US" sz="1800" b="0" dirty="0" err="1">
+                          <a:solidFill>
+                            <a:schemeClr val="tx1"/>
+                          </a:solidFill>
+                          <a:latin typeface="Questrial" pitchFamily="2" charset="0"/>
+                          <a:ea typeface="Questrial" pitchFamily="2" charset="0"/>
+                          <a:cs typeface="Questrial" pitchFamily="2" charset="0"/>
+                        </a:rPr>
+                        <a:t>trải</a:t>
+                      </a:r>
+                      <a:r>
+                        <a:rPr lang="en-US" sz="1800" b="0" dirty="0">
+                          <a:solidFill>
+                            <a:schemeClr val="tx1"/>
+                          </a:solidFill>
+                          <a:latin typeface="Questrial" pitchFamily="2" charset="0"/>
+                          <a:ea typeface="Questrial" pitchFamily="2" charset="0"/>
+                          <a:cs typeface="Questrial" pitchFamily="2" charset="0"/>
+                        </a:rPr>
+                        <a:t> </a:t>
+                      </a:r>
+                      <a:r>
+                        <a:rPr lang="en-US" sz="1800" b="0" dirty="0" err="1">
+                          <a:solidFill>
+                            <a:schemeClr val="tx1"/>
+                          </a:solidFill>
+                          <a:latin typeface="Questrial" pitchFamily="2" charset="0"/>
+                          <a:ea typeface="Questrial" pitchFamily="2" charset="0"/>
+                          <a:cs typeface="Questrial" pitchFamily="2" charset="0"/>
+                        </a:rPr>
+                        <a:t>nghiệm</a:t>
+                      </a:r>
+                      <a:r>
+                        <a:rPr lang="en-US" sz="1800" b="0" dirty="0">
+                          <a:solidFill>
+                            <a:schemeClr val="tx1"/>
+                          </a:solidFill>
+                          <a:latin typeface="Questrial" pitchFamily="2" charset="0"/>
+                          <a:ea typeface="Questrial" pitchFamily="2" charset="0"/>
+                          <a:cs typeface="Questrial" pitchFamily="2" charset="0"/>
+                        </a:rPr>
+                        <a:t> </a:t>
+                      </a:r>
+                      <a:r>
+                        <a:rPr lang="en-US" sz="1800" b="0" dirty="0" err="1">
+                          <a:solidFill>
+                            <a:schemeClr val="tx1"/>
+                          </a:solidFill>
+                          <a:latin typeface="Questrial" pitchFamily="2" charset="0"/>
+                          <a:ea typeface="Questrial" pitchFamily="2" charset="0"/>
+                          <a:cs typeface="Questrial" pitchFamily="2" charset="0"/>
+                        </a:rPr>
+                        <a:t>đầy</a:t>
+                      </a:r>
+                      <a:r>
+                        <a:rPr lang="en-US" sz="1800" b="0" dirty="0">
+                          <a:solidFill>
+                            <a:schemeClr val="tx1"/>
+                          </a:solidFill>
+                          <a:latin typeface="Questrial" pitchFamily="2" charset="0"/>
+                          <a:ea typeface="Questrial" pitchFamily="2" charset="0"/>
+                          <a:cs typeface="Questrial" pitchFamily="2" charset="0"/>
+                        </a:rPr>
+                        <a:t> </a:t>
+                      </a:r>
+                      <a:r>
+                        <a:rPr lang="en-US" sz="1800" b="0" dirty="0" err="1">
+                          <a:solidFill>
+                            <a:schemeClr val="tx1"/>
+                          </a:solidFill>
+                          <a:latin typeface="Questrial" pitchFamily="2" charset="0"/>
+                          <a:ea typeface="Questrial" pitchFamily="2" charset="0"/>
+                          <a:cs typeface="Questrial" pitchFamily="2" charset="0"/>
+                        </a:rPr>
+                        <a:t>đủ</a:t>
+                      </a:r>
+                      <a:r>
+                        <a:rPr lang="en-US" sz="1800" b="0" dirty="0">
+                          <a:solidFill>
+                            <a:schemeClr val="tx1"/>
+                          </a:solidFill>
+                          <a:latin typeface="Questrial" pitchFamily="2" charset="0"/>
+                          <a:ea typeface="Questrial" pitchFamily="2" charset="0"/>
+                          <a:cs typeface="Questrial" pitchFamily="2" charset="0"/>
+                        </a:rPr>
+                        <a:t> </a:t>
+                      </a:r>
+                      <a:r>
+                        <a:rPr lang="en-US" sz="1800" b="0" dirty="0" err="1">
+                          <a:solidFill>
+                            <a:schemeClr val="tx1"/>
+                          </a:solidFill>
+                          <a:latin typeface="Questrial" pitchFamily="2" charset="0"/>
+                          <a:ea typeface="Questrial" pitchFamily="2" charset="0"/>
+                          <a:cs typeface="Questrial" pitchFamily="2" charset="0"/>
+                        </a:rPr>
+                        <a:t>hơn</a:t>
+                      </a:r>
+                      <a:endParaRPr lang="en-US" sz="1800" b="0" dirty="0">
+                        <a:solidFill>
+                          <a:schemeClr val="tx1"/>
+                        </a:solidFill>
+                        <a:latin typeface="Questrial" pitchFamily="2" charset="0"/>
+                        <a:ea typeface="Questrial" pitchFamily="2" charset="0"/>
+                        <a:cs typeface="Questrial" pitchFamily="2" charset="0"/>
+                      </a:endParaRPr>
+                    </a:p>
+                    <a:p>
+                      <a:endParaRPr lang="en-US" b="0" dirty="0">
+                        <a:solidFill>
+                          <a:schemeClr val="tx1"/>
+                        </a:solidFill>
+                        <a:latin typeface="Questrial" pitchFamily="2" charset="0"/>
+                        <a:ea typeface="Questrial" pitchFamily="2" charset="0"/>
+                        <a:cs typeface="Questrial" pitchFamily="2" charset="0"/>
+                      </a:endParaRPr>
+                    </a:p>
+                    <a:p>
+                      <a:r>
+                        <a:rPr lang="en-US" sz="1800" b="0" dirty="0" err="1">
+                          <a:solidFill>
+                            <a:schemeClr val="tx1"/>
+                          </a:solidFill>
+                          <a:latin typeface="Questrial" pitchFamily="2" charset="0"/>
+                          <a:ea typeface="Questrial" pitchFamily="2" charset="0"/>
+                          <a:cs typeface="Questrial" pitchFamily="2" charset="0"/>
+                        </a:rPr>
+                        <a:t>Có</a:t>
+                      </a:r>
+                      <a:r>
+                        <a:rPr lang="en-US" sz="1800" b="0" dirty="0">
+                          <a:solidFill>
+                            <a:schemeClr val="tx1"/>
+                          </a:solidFill>
+                          <a:latin typeface="Questrial" pitchFamily="2" charset="0"/>
+                          <a:ea typeface="Questrial" pitchFamily="2" charset="0"/>
+                          <a:cs typeface="Questrial" pitchFamily="2" charset="0"/>
+                        </a:rPr>
+                        <a:t> </a:t>
+                      </a:r>
+                      <a:r>
+                        <a:rPr lang="en-US" sz="1800" b="0" dirty="0" err="1">
+                          <a:solidFill>
+                            <a:schemeClr val="tx1"/>
+                          </a:solidFill>
+                          <a:latin typeface="Questrial" pitchFamily="2" charset="0"/>
+                          <a:ea typeface="Questrial" pitchFamily="2" charset="0"/>
+                          <a:cs typeface="Questrial" pitchFamily="2" charset="0"/>
+                        </a:rPr>
+                        <a:t>những</a:t>
+                      </a:r>
+                      <a:r>
+                        <a:rPr lang="en-US" sz="1800" b="0" dirty="0">
+                          <a:solidFill>
+                            <a:schemeClr val="tx1"/>
+                          </a:solidFill>
+                          <a:latin typeface="Questrial" pitchFamily="2" charset="0"/>
+                          <a:ea typeface="Questrial" pitchFamily="2" charset="0"/>
+                          <a:cs typeface="Questrial" pitchFamily="2" charset="0"/>
+                        </a:rPr>
+                        <a:t> </a:t>
+                      </a:r>
+                      <a:r>
+                        <a:rPr lang="en-US" sz="1800" b="0" dirty="0" err="1">
+                          <a:solidFill>
+                            <a:schemeClr val="tx1"/>
+                          </a:solidFill>
+                          <a:latin typeface="Questrial" pitchFamily="2" charset="0"/>
+                          <a:ea typeface="Questrial" pitchFamily="2" charset="0"/>
+                          <a:cs typeface="Questrial" pitchFamily="2" charset="0"/>
+                        </a:rPr>
+                        <a:t>khóa</a:t>
+                      </a:r>
+                      <a:r>
+                        <a:rPr lang="en-US" sz="1800" b="0" dirty="0">
+                          <a:solidFill>
+                            <a:schemeClr val="tx1"/>
+                          </a:solidFill>
+                          <a:latin typeface="Questrial" pitchFamily="2" charset="0"/>
+                          <a:ea typeface="Questrial" pitchFamily="2" charset="0"/>
+                          <a:cs typeface="Questrial" pitchFamily="2" charset="0"/>
+                        </a:rPr>
+                        <a:t> </a:t>
+                      </a:r>
+                      <a:r>
+                        <a:rPr lang="en-US" sz="1800" b="0" dirty="0" err="1">
+                          <a:solidFill>
+                            <a:schemeClr val="tx1"/>
+                          </a:solidFill>
+                          <a:latin typeface="Questrial" pitchFamily="2" charset="0"/>
+                          <a:ea typeface="Questrial" pitchFamily="2" charset="0"/>
+                          <a:cs typeface="Questrial" pitchFamily="2" charset="0"/>
+                        </a:rPr>
+                        <a:t>học</a:t>
+                      </a:r>
+                      <a:r>
+                        <a:rPr lang="en-US" sz="1800" b="0" dirty="0">
+                          <a:solidFill>
+                            <a:schemeClr val="tx1"/>
+                          </a:solidFill>
+                          <a:latin typeface="Questrial" pitchFamily="2" charset="0"/>
+                          <a:ea typeface="Questrial" pitchFamily="2" charset="0"/>
+                          <a:cs typeface="Questrial" pitchFamily="2" charset="0"/>
+                        </a:rPr>
+                        <a:t> </a:t>
+                      </a:r>
+                      <a:r>
+                        <a:rPr lang="en-US" sz="1800" b="0" dirty="0" err="1">
+                          <a:solidFill>
+                            <a:schemeClr val="tx1"/>
+                          </a:solidFill>
+                          <a:latin typeface="Questrial" pitchFamily="2" charset="0"/>
+                          <a:ea typeface="Questrial" pitchFamily="2" charset="0"/>
+                          <a:cs typeface="Questrial" pitchFamily="2" charset="0"/>
+                        </a:rPr>
+                        <a:t>trả</a:t>
+                      </a:r>
+                      <a:r>
+                        <a:rPr lang="en-US" sz="1800" b="0" dirty="0">
+                          <a:solidFill>
+                            <a:schemeClr val="tx1"/>
+                          </a:solidFill>
+                          <a:latin typeface="Questrial" pitchFamily="2" charset="0"/>
+                          <a:ea typeface="Questrial" pitchFamily="2" charset="0"/>
+                          <a:cs typeface="Questrial" pitchFamily="2" charset="0"/>
+                        </a:rPr>
+                        <a:t> </a:t>
+                      </a:r>
+                      <a:r>
+                        <a:rPr lang="en-US" sz="1800" b="0" dirty="0" err="1">
+                          <a:solidFill>
+                            <a:schemeClr val="tx1"/>
+                          </a:solidFill>
+                          <a:latin typeface="Questrial" pitchFamily="2" charset="0"/>
+                          <a:ea typeface="Questrial" pitchFamily="2" charset="0"/>
+                          <a:cs typeface="Questrial" pitchFamily="2" charset="0"/>
+                        </a:rPr>
+                        <a:t>phí</a:t>
+                      </a:r>
+                      <a:r>
+                        <a:rPr lang="en-US" sz="1800" b="0" dirty="0">
+                          <a:solidFill>
+                            <a:schemeClr val="tx1"/>
+                          </a:solidFill>
+                          <a:latin typeface="Questrial" pitchFamily="2" charset="0"/>
+                          <a:ea typeface="Questrial" pitchFamily="2" charset="0"/>
+                          <a:cs typeface="Questrial" pitchFamily="2" charset="0"/>
+                        </a:rPr>
+                        <a:t> </a:t>
+                      </a:r>
+                      <a:endParaRPr lang="en-US" b="0" dirty="0">
+                        <a:solidFill>
+                          <a:schemeClr val="tx1"/>
+                        </a:solidFill>
+                        <a:latin typeface="Questrial" pitchFamily="2" charset="0"/>
+                        <a:ea typeface="Questrial" pitchFamily="2" charset="0"/>
+                        <a:cs typeface="Questrial" pitchFamily="2" charset="0"/>
+                      </a:endParaRPr>
+                    </a:p>
+                  </a:txBody>
+                  <a:tcPr/>
+                </a:tc>
+                <a:extLst>
+                  <a:ext uri="{0D108BD9-81ED-4DB2-BD59-A6C34878D82A}">
+                    <a16:rowId xmlns:a16="http://schemas.microsoft.com/office/drawing/2014/main" val="3788306415"/>
+                  </a:ext>
+                </a:extLst>
+              </a:tr>
+            </a:tbl>
+          </a:graphicData>
+        </a:graphic>
+      </p:graphicFrame>
     </p:spTree>
     <p:extLst>
       <p:ext uri="{BB962C8B-B14F-4D97-AF65-F5344CB8AC3E}">
@@ -31727,6 +32638,57 @@
       </p:grpSpPr>
       <p:sp>
         <p:nvSpPr>
+          <p:cNvPr id="22" name="Rectangle: Rounded Corners 21">
+            <a:extLst>
+              <a:ext uri="{FF2B5EF4-FFF2-40B4-BE49-F238E27FC236}">
+                <a16:creationId xmlns:a16="http://schemas.microsoft.com/office/drawing/2014/main" id="{6BCF744B-04B7-05F1-E4BB-D51099714F95}"/>
+              </a:ext>
+            </a:extLst>
+          </p:cNvPr>
+          <p:cNvSpPr/>
+          <p:nvPr/>
+        </p:nvSpPr>
+        <p:spPr>
+          <a:xfrm>
+            <a:off x="1604595" y="4346881"/>
+            <a:ext cx="3477359" cy="1872762"/>
+          </a:xfrm>
+          <a:prstGeom prst="roundRect">
+            <a:avLst/>
+          </a:prstGeom>
+          <a:solidFill>
+            <a:srgbClr val="FFFF00"/>
+          </a:solidFill>
+        </p:spPr>
+        <p:style>
+          <a:lnRef idx="2">
+            <a:schemeClr val="accent1">
+              <a:shade val="15000"/>
+            </a:schemeClr>
+          </a:lnRef>
+          <a:fillRef idx="1">
+            <a:schemeClr val="accent1"/>
+          </a:fillRef>
+          <a:effectRef idx="0">
+            <a:schemeClr val="accent1"/>
+          </a:effectRef>
+          <a:fontRef idx="minor">
+            <a:schemeClr val="lt1"/>
+          </a:fontRef>
+        </p:style>
+        <p:txBody>
+          <a:bodyPr rtlCol="0" anchor="ctr"/>
+          <a:lstStyle/>
+          <a:p>
+            <a:pPr algn="ctr"/>
+            <a:endParaRPr lang="en-US" dirty="0">
+              <a:latin typeface="Bahnschrift SemiBold" panose="020B0502040204020203" pitchFamily="34" charset="0"/>
+            </a:endParaRPr>
+          </a:p>
+        </p:txBody>
+      </p:sp>
+      <p:sp>
+        <p:nvSpPr>
           <p:cNvPr id="2" name="Title 1">
             <a:extLst>
               <a:ext uri="{FF2B5EF4-FFF2-40B4-BE49-F238E27FC236}">
@@ -31743,8 +32705,8 @@
         </p:nvSpPr>
         <p:spPr>
           <a:xfrm>
-            <a:off x="624363" y="412241"/>
-            <a:ext cx="7000044" cy="1322996"/>
+            <a:off x="332734" y="307339"/>
+            <a:ext cx="6874268" cy="1322996"/>
           </a:xfrm>
         </p:spPr>
         <p:txBody>
@@ -31762,7 +32724,7 @@
                 <a:ea typeface="Cascadia Code" panose="020B0609020000020004" pitchFamily="49" charset="0"/>
                 <a:cs typeface="Cascadia Code" panose="020B0609020000020004" pitchFamily="49" charset="0"/>
               </a:rPr>
-              <a:t>Product launch strategy</a:t>
+              <a:t>Milestone &amp; Future plan</a:t>
             </a:r>
             <a:br>
               <a:rPr lang="en-US" sz="4000" spc="-150" dirty="0">
@@ -31781,10 +32743,10 @@
       </p:sp>
       <p:sp>
         <p:nvSpPr>
-          <p:cNvPr id="3" name="Rectangle 2">
+          <p:cNvPr id="5" name="Rectangle 4">
             <a:extLst>
               <a:ext uri="{FF2B5EF4-FFF2-40B4-BE49-F238E27FC236}">
-                <a16:creationId xmlns:a16="http://schemas.microsoft.com/office/drawing/2014/main" id="{2E465E88-F528-69B9-D49A-EDAD432D7722}"/>
+                <a16:creationId xmlns:a16="http://schemas.microsoft.com/office/drawing/2014/main" id="{671D1F5D-F852-E302-4F42-C9FEA125CE8C}"/>
               </a:ext>
             </a:extLst>
           </p:cNvPr>
@@ -31793,8 +32755,8 @@
         </p:nvSpPr>
         <p:spPr>
           <a:xfrm>
-            <a:off x="1972222" y="1679861"/>
-            <a:ext cx="2690446" cy="536331"/>
+            <a:off x="1611188" y="1529862"/>
+            <a:ext cx="3477359" cy="1510688"/>
           </a:xfrm>
           <a:prstGeom prst="rect">
             <a:avLst/>
@@ -31822,24 +32784,24 @@
           <a:p>
             <a:pPr algn="ctr"/>
             <a:r>
-              <a:rPr lang="en-US" dirty="0" err="1">
+              <a:rPr lang="en-US" sz="3600" dirty="0" err="1">
                 <a:latin typeface="Bahnschrift SemiBold" panose="020B0502040204020203" pitchFamily="34" charset="0"/>
               </a:rPr>
-              <a:t>Ấn</a:t>
-            </a:r>
-            <a:r>
-              <a:rPr lang="en-US" dirty="0">
+              <a:t>Hiện</a:t>
+            </a:r>
+            <a:r>
+              <a:rPr lang="en-US" sz="3600" dirty="0">
                 <a:latin typeface="Bahnschrift SemiBold" panose="020B0502040204020203" pitchFamily="34" charset="0"/>
               </a:rPr>
               <a:t> </a:t>
             </a:r>
             <a:r>
-              <a:rPr lang="en-US" dirty="0" err="1">
+              <a:rPr lang="en-US" sz="3600" dirty="0" err="1">
                 <a:latin typeface="Bahnschrift SemiBold" panose="020B0502040204020203" pitchFamily="34" charset="0"/>
               </a:rPr>
-              <a:t>tượng</a:t>
-            </a:r>
-            <a:endParaRPr lang="en-US" dirty="0">
+              <a:t>tại</a:t>
+            </a:r>
+            <a:endParaRPr lang="en-US" sz="3600" dirty="0">
               <a:latin typeface="Bahnschrift SemiBold" panose="020B0502040204020203" pitchFamily="34" charset="0"/>
             </a:endParaRPr>
           </a:p>
@@ -31847,277 +32809,10 @@
       </p:sp>
       <p:sp>
         <p:nvSpPr>
-          <p:cNvPr id="4" name="TextBox 3">
+          <p:cNvPr id="6" name="Rectangle: Rounded Corners 5">
             <a:extLst>
               <a:ext uri="{FF2B5EF4-FFF2-40B4-BE49-F238E27FC236}">
-                <a16:creationId xmlns:a16="http://schemas.microsoft.com/office/drawing/2014/main" id="{48FF019C-2C19-64AC-5B43-BEAEB55A53FF}"/>
-              </a:ext>
-            </a:extLst>
-          </p:cNvPr>
-          <p:cNvSpPr txBox="1"/>
-          <p:nvPr/>
-        </p:nvSpPr>
-        <p:spPr>
-          <a:xfrm>
-            <a:off x="1848840" y="2429358"/>
-            <a:ext cx="4023054" cy="1938992"/>
-          </a:xfrm>
-          <a:prstGeom prst="rect">
-            <a:avLst/>
-          </a:prstGeom>
-          <a:noFill/>
-        </p:spPr>
-        <p:txBody>
-          <a:bodyPr wrap="square" rtlCol="0">
-            <a:spAutoFit/>
-          </a:bodyPr>
-          <a:lstStyle/>
-          <a:p>
-            <a:r>
-              <a:rPr lang="en-US" sz="2000" dirty="0" err="1">
-                <a:solidFill>
-                  <a:schemeClr val="bg2">
-                    <a:lumMod val="75000"/>
-                  </a:schemeClr>
-                </a:solidFill>
-                <a:latin typeface="Bahnschrift SemiBold" panose="020B0502040204020203" pitchFamily="34" charset="0"/>
-              </a:rPr>
-              <a:t>Biểu</a:t>
-            </a:r>
-            <a:r>
-              <a:rPr lang="en-US" sz="2000" dirty="0">
-                <a:solidFill>
-                  <a:schemeClr val="bg2">
-                    <a:lumMod val="75000"/>
-                  </a:schemeClr>
-                </a:solidFill>
-                <a:latin typeface="Bahnschrift SemiBold" panose="020B0502040204020203" pitchFamily="34" charset="0"/>
-              </a:rPr>
-              <a:t> </a:t>
-            </a:r>
-            <a:r>
-              <a:rPr lang="en-US" sz="2000" dirty="0" err="1">
-                <a:solidFill>
-                  <a:schemeClr val="bg2">
-                    <a:lumMod val="75000"/>
-                  </a:schemeClr>
-                </a:solidFill>
-                <a:latin typeface="Bahnschrift SemiBold" panose="020B0502040204020203" pitchFamily="34" charset="0"/>
-              </a:rPr>
-              <a:t>tượng</a:t>
-            </a:r>
-            <a:r>
-              <a:rPr lang="en-US" sz="2000" dirty="0">
-                <a:solidFill>
-                  <a:schemeClr val="bg2">
-                    <a:lumMod val="75000"/>
-                  </a:schemeClr>
-                </a:solidFill>
-                <a:latin typeface="Bahnschrift SemiBold" panose="020B0502040204020203" pitchFamily="34" charset="0"/>
-              </a:rPr>
-              <a:t> </a:t>
-            </a:r>
-            <a:r>
-              <a:rPr lang="en-US" sz="2000" dirty="0" err="1">
-                <a:solidFill>
-                  <a:schemeClr val="bg2">
-                    <a:lumMod val="75000"/>
-                  </a:schemeClr>
-                </a:solidFill>
-                <a:latin typeface="Bahnschrift SemiBold" panose="020B0502040204020203" pitchFamily="34" charset="0"/>
-              </a:rPr>
-              <a:t>đẹp</a:t>
-            </a:r>
-            <a:r>
-              <a:rPr lang="en-US" sz="2000" dirty="0">
-                <a:solidFill>
-                  <a:schemeClr val="bg2">
-                    <a:lumMod val="75000"/>
-                  </a:schemeClr>
-                </a:solidFill>
-                <a:latin typeface="Bahnschrift SemiBold" panose="020B0502040204020203" pitchFamily="34" charset="0"/>
-              </a:rPr>
-              <a:t>, </a:t>
-            </a:r>
-            <a:r>
-              <a:rPr lang="en-US" sz="2000" dirty="0" err="1">
-                <a:solidFill>
-                  <a:schemeClr val="bg2">
-                    <a:lumMod val="75000"/>
-                  </a:schemeClr>
-                </a:solidFill>
-                <a:latin typeface="Bahnschrift SemiBold" panose="020B0502040204020203" pitchFamily="34" charset="0"/>
-              </a:rPr>
-              <a:t>dễ</a:t>
-            </a:r>
-            <a:r>
-              <a:rPr lang="en-US" sz="2000" dirty="0">
-                <a:solidFill>
-                  <a:schemeClr val="bg2">
-                    <a:lumMod val="75000"/>
-                  </a:schemeClr>
-                </a:solidFill>
-                <a:latin typeface="Bahnschrift SemiBold" panose="020B0502040204020203" pitchFamily="34" charset="0"/>
-              </a:rPr>
-              <a:t> </a:t>
-            </a:r>
-            <a:r>
-              <a:rPr lang="en-US" sz="2000" dirty="0" err="1">
-                <a:solidFill>
-                  <a:schemeClr val="bg2">
-                    <a:lumMod val="75000"/>
-                  </a:schemeClr>
-                </a:solidFill>
-                <a:latin typeface="Bahnschrift SemiBold" panose="020B0502040204020203" pitchFamily="34" charset="0"/>
-              </a:rPr>
-              <a:t>nhìn</a:t>
-            </a:r>
-            <a:r>
-              <a:rPr lang="en-US" sz="2000" dirty="0">
-                <a:solidFill>
-                  <a:schemeClr val="bg2">
-                    <a:lumMod val="75000"/>
-                  </a:schemeClr>
-                </a:solidFill>
-                <a:latin typeface="Bahnschrift SemiBold" panose="020B0502040204020203" pitchFamily="34" charset="0"/>
-              </a:rPr>
-              <a:t>, </a:t>
-            </a:r>
-            <a:r>
-              <a:rPr lang="en-US" sz="2000" dirty="0" err="1">
-                <a:solidFill>
-                  <a:schemeClr val="bg2">
-                    <a:lumMod val="75000"/>
-                  </a:schemeClr>
-                </a:solidFill>
-                <a:latin typeface="Bahnschrift SemiBold" panose="020B0502040204020203" pitchFamily="34" charset="0"/>
-              </a:rPr>
-              <a:t>ghi</a:t>
-            </a:r>
-            <a:r>
-              <a:rPr lang="en-US" sz="2000" dirty="0">
-                <a:solidFill>
-                  <a:schemeClr val="bg2">
-                    <a:lumMod val="75000"/>
-                  </a:schemeClr>
-                </a:solidFill>
-                <a:latin typeface="Bahnschrift SemiBold" panose="020B0502040204020203" pitchFamily="34" charset="0"/>
-              </a:rPr>
-              <a:t> </a:t>
-            </a:r>
-            <a:r>
-              <a:rPr lang="en-US" sz="2000" dirty="0" err="1">
-                <a:solidFill>
-                  <a:schemeClr val="bg2">
-                    <a:lumMod val="75000"/>
-                  </a:schemeClr>
-                </a:solidFill>
-                <a:latin typeface="Bahnschrift SemiBold" panose="020B0502040204020203" pitchFamily="34" charset="0"/>
-              </a:rPr>
-              <a:t>nhớ</a:t>
-            </a:r>
-            <a:r>
-              <a:rPr lang="en-US" sz="2000" dirty="0">
-                <a:solidFill>
-                  <a:schemeClr val="bg2">
-                    <a:lumMod val="75000"/>
-                  </a:schemeClr>
-                </a:solidFill>
-                <a:latin typeface="Bahnschrift SemiBold" panose="020B0502040204020203" pitchFamily="34" charset="0"/>
-              </a:rPr>
-              <a:t>.</a:t>
-            </a:r>
-          </a:p>
-          <a:p>
-            <a:r>
-              <a:rPr lang="en-US" sz="2000" b="0" dirty="0">
-                <a:solidFill>
-                  <a:schemeClr val="bg2">
-                    <a:lumMod val="75000"/>
-                  </a:schemeClr>
-                </a:solidFill>
-                <a:effectLst/>
-                <a:latin typeface="Bahnschrift SemiBold" panose="020B0502040204020203" pitchFamily="34" charset="0"/>
-              </a:rPr>
-              <a:t>T</a:t>
-            </a:r>
-            <a:r>
-              <a:rPr lang="vi-VN" sz="2000" b="0" dirty="0">
-                <a:solidFill>
-                  <a:schemeClr val="bg2">
-                    <a:lumMod val="75000"/>
-                  </a:schemeClr>
-                </a:solidFill>
-                <a:effectLst/>
-                <a:latin typeface="Bahnschrift SemiBold" panose="020B0502040204020203" pitchFamily="34" charset="0"/>
-              </a:rPr>
-              <a:t>ổ chức các cuộc thi, giveaway livestream</a:t>
-            </a:r>
-            <a:r>
-              <a:rPr lang="en-US" sz="2000" b="0" dirty="0">
-                <a:solidFill>
-                  <a:schemeClr val="bg2">
-                    <a:lumMod val="75000"/>
-                  </a:schemeClr>
-                </a:solidFill>
-                <a:effectLst/>
-                <a:latin typeface="Bahnschrift SemiBold" panose="020B0502040204020203" pitchFamily="34" charset="0"/>
-              </a:rPr>
-              <a:t> </a:t>
-            </a:r>
-            <a:r>
-              <a:rPr lang="vi-VN" sz="2000" b="0" dirty="0">
-                <a:solidFill>
-                  <a:schemeClr val="bg2">
-                    <a:lumMod val="75000"/>
-                  </a:schemeClr>
-                </a:solidFill>
-                <a:effectLst/>
-                <a:latin typeface="Bahnschrift SemiBold" panose="020B0502040204020203" pitchFamily="34" charset="0"/>
-              </a:rPr>
-              <a:t>thu hút người chơi.</a:t>
-            </a:r>
-          </a:p>
-          <a:p>
-            <a:br>
-              <a:rPr lang="vi-VN" sz="2000" b="0" dirty="0">
-                <a:solidFill>
-                  <a:schemeClr val="bg2">
-                    <a:lumMod val="75000"/>
-                  </a:schemeClr>
-                </a:solidFill>
-                <a:effectLst/>
-                <a:latin typeface="Bahnschrift SemiBold" panose="020B0502040204020203" pitchFamily="34" charset="0"/>
-              </a:rPr>
-            </a:br>
-            <a:endParaRPr lang="vi-VN" sz="2000" b="0" dirty="0">
-              <a:solidFill>
-                <a:schemeClr val="bg2">
-                  <a:lumMod val="75000"/>
-                </a:schemeClr>
-              </a:solidFill>
-              <a:effectLst/>
-              <a:latin typeface="Bahnschrift SemiBold" panose="020B0502040204020203" pitchFamily="34" charset="0"/>
-            </a:endParaRPr>
-          </a:p>
-          <a:p>
-            <a:endParaRPr lang="en-US" sz="2000" dirty="0">
-              <a:solidFill>
-                <a:schemeClr val="bg2">
-                  <a:lumMod val="75000"/>
-                </a:schemeClr>
-              </a:solidFill>
-              <a:latin typeface="Bahnschrift SemiBold" panose="020B0502040204020203" pitchFamily="34" charset="0"/>
-            </a:endParaRPr>
-          </a:p>
-        </p:txBody>
-      </p:sp>
-      <p:sp>
-        <p:nvSpPr>
-          <p:cNvPr id="8" name="Rectangle 7">
-            <a:extLst>
-              <a:ext uri="{FF2B5EF4-FFF2-40B4-BE49-F238E27FC236}">
-                <a16:creationId xmlns:a16="http://schemas.microsoft.com/office/drawing/2014/main" id="{04D2F978-350D-63CF-51FD-9BE5E9134F51}"/>
+                <a16:creationId xmlns:a16="http://schemas.microsoft.com/office/drawing/2014/main" id="{CC51ED1B-FAE1-EB48-523A-7F00F681B5A3}"/>
               </a:ext>
             </a:extLst>
           </p:cNvPr>
@@ -32126,8 +32821,299 @@
         </p:nvSpPr>
         <p:spPr>
           <a:xfrm>
-            <a:off x="7062339" y="1651677"/>
-            <a:ext cx="2690446" cy="536331"/>
+            <a:off x="6096000" y="1037492"/>
+            <a:ext cx="4998097" cy="416382"/>
+          </a:xfrm>
+          <a:prstGeom prst="roundRect">
+            <a:avLst/>
+          </a:prstGeom>
+        </p:spPr>
+        <p:style>
+          <a:lnRef idx="2">
+            <a:schemeClr val="accent1">
+              <a:shade val="15000"/>
+            </a:schemeClr>
+          </a:lnRef>
+          <a:fillRef idx="1">
+            <a:schemeClr val="accent1"/>
+          </a:fillRef>
+          <a:effectRef idx="0">
+            <a:schemeClr val="accent1"/>
+          </a:effectRef>
+          <a:fontRef idx="minor">
+            <a:schemeClr val="lt1"/>
+          </a:fontRef>
+        </p:style>
+        <p:txBody>
+          <a:bodyPr rtlCol="0" anchor="ctr"/>
+          <a:lstStyle/>
+          <a:p>
+            <a:pPr algn="ctr"/>
+            <a:r>
+              <a:rPr lang="en-US" sz="2400" dirty="0">
+                <a:latin typeface="Bahnschrift SemiBold" panose="020B0502040204020203" pitchFamily="34" charset="0"/>
+              </a:rPr>
+              <a:t>4 </a:t>
+            </a:r>
+            <a:r>
+              <a:rPr lang="en-US" sz="2400" dirty="0" err="1">
+                <a:latin typeface="Bahnschrift SemiBold" panose="020B0502040204020203" pitchFamily="34" charset="0"/>
+              </a:rPr>
+              <a:t>bài</a:t>
+            </a:r>
+            <a:r>
+              <a:rPr lang="en-US" sz="2400" dirty="0">
+                <a:latin typeface="Bahnschrift SemiBold" panose="020B0502040204020203" pitchFamily="34" charset="0"/>
+              </a:rPr>
+              <a:t> </a:t>
+            </a:r>
+            <a:r>
+              <a:rPr lang="en-US" sz="2400" dirty="0" err="1">
+                <a:latin typeface="Bahnschrift SemiBold" panose="020B0502040204020203" pitchFamily="34" charset="0"/>
+              </a:rPr>
+              <a:t>học</a:t>
+            </a:r>
+            <a:r>
+              <a:rPr lang="en-US" sz="2400" dirty="0">
+                <a:latin typeface="Bahnschrift SemiBold" panose="020B0502040204020203" pitchFamily="34" charset="0"/>
+              </a:rPr>
+              <a:t> </a:t>
+            </a:r>
+            <a:r>
+              <a:rPr lang="en-US" sz="2400" dirty="0" err="1">
+                <a:latin typeface="Bahnschrift SemiBold" panose="020B0502040204020203" pitchFamily="34" charset="0"/>
+              </a:rPr>
+              <a:t>với</a:t>
+            </a:r>
+            <a:r>
+              <a:rPr lang="en-US" sz="2400" dirty="0">
+                <a:latin typeface="Bahnschrift SemiBold" panose="020B0502040204020203" pitchFamily="34" charset="0"/>
+              </a:rPr>
+              <a:t> </a:t>
+            </a:r>
+            <a:r>
+              <a:rPr lang="en-US" sz="2400" dirty="0" err="1">
+                <a:latin typeface="Bahnschrift SemiBold" panose="020B0502040204020203" pitchFamily="34" charset="0"/>
+              </a:rPr>
+              <a:t>các</a:t>
+            </a:r>
+            <a:r>
+              <a:rPr lang="en-US" sz="2400" dirty="0">
+                <a:latin typeface="Bahnschrift SemiBold" panose="020B0502040204020203" pitchFamily="34" charset="0"/>
+              </a:rPr>
+              <a:t> quiz </a:t>
+            </a:r>
+            <a:r>
+              <a:rPr lang="en-US" sz="2400" dirty="0" err="1">
+                <a:latin typeface="Bahnschrift SemiBold" panose="020B0502040204020203" pitchFamily="34" charset="0"/>
+              </a:rPr>
+              <a:t>đa</a:t>
+            </a:r>
+            <a:r>
+              <a:rPr lang="en-US" sz="2400" dirty="0">
+                <a:latin typeface="Bahnschrift SemiBold" panose="020B0502040204020203" pitchFamily="34" charset="0"/>
+              </a:rPr>
+              <a:t> </a:t>
+            </a:r>
+            <a:r>
+              <a:rPr lang="en-US" sz="2400" dirty="0" err="1">
+                <a:latin typeface="Bahnschrift SemiBold" panose="020B0502040204020203" pitchFamily="34" charset="0"/>
+              </a:rPr>
+              <a:t>dạng</a:t>
+            </a:r>
+            <a:endParaRPr lang="en-US" sz="2400" dirty="0">
+              <a:latin typeface="Bahnschrift SemiBold" panose="020B0502040204020203" pitchFamily="34" charset="0"/>
+            </a:endParaRPr>
+          </a:p>
+        </p:txBody>
+      </p:sp>
+      <p:sp>
+        <p:nvSpPr>
+          <p:cNvPr id="7" name="Rectangle: Rounded Corners 6">
+            <a:extLst>
+              <a:ext uri="{FF2B5EF4-FFF2-40B4-BE49-F238E27FC236}">
+                <a16:creationId xmlns:a16="http://schemas.microsoft.com/office/drawing/2014/main" id="{E46FEBEB-E063-216F-36FF-7FA627C04ED2}"/>
+              </a:ext>
+            </a:extLst>
+          </p:cNvPr>
+          <p:cNvSpPr/>
+          <p:nvPr/>
+        </p:nvSpPr>
+        <p:spPr>
+          <a:xfrm>
+            <a:off x="6096001" y="1746492"/>
+            <a:ext cx="4929551" cy="471987"/>
+          </a:xfrm>
+          <a:prstGeom prst="roundRect">
+            <a:avLst/>
+          </a:prstGeom>
+        </p:spPr>
+        <p:style>
+          <a:lnRef idx="2">
+            <a:schemeClr val="accent1">
+              <a:shade val="15000"/>
+            </a:schemeClr>
+          </a:lnRef>
+          <a:fillRef idx="1">
+            <a:schemeClr val="accent1"/>
+          </a:fillRef>
+          <a:effectRef idx="0">
+            <a:schemeClr val="accent1"/>
+          </a:effectRef>
+          <a:fontRef idx="minor">
+            <a:schemeClr val="lt1"/>
+          </a:fontRef>
+        </p:style>
+        <p:txBody>
+          <a:bodyPr rtlCol="0" anchor="ctr"/>
+          <a:lstStyle/>
+          <a:p>
+            <a:pPr algn="ctr"/>
+            <a:r>
+              <a:rPr lang="en-US" sz="2400" dirty="0">
+                <a:latin typeface="Bahnschrift SemiBold" panose="020B0502040204020203" pitchFamily="34" charset="0"/>
+              </a:rPr>
+              <a:t>Trailer game </a:t>
+            </a:r>
+            <a:r>
+              <a:rPr lang="en-US" sz="2400" dirty="0" err="1">
+                <a:latin typeface="Bahnschrift SemiBold" panose="020B0502040204020203" pitchFamily="34" charset="0"/>
+              </a:rPr>
+              <a:t>cuốn</a:t>
+            </a:r>
+            <a:r>
+              <a:rPr lang="en-US" sz="2400" dirty="0">
+                <a:latin typeface="Bahnschrift SemiBold" panose="020B0502040204020203" pitchFamily="34" charset="0"/>
+              </a:rPr>
+              <a:t> </a:t>
+            </a:r>
+            <a:r>
+              <a:rPr lang="en-US" sz="2400" dirty="0" err="1">
+                <a:latin typeface="Bahnschrift SemiBold" panose="020B0502040204020203" pitchFamily="34" charset="0"/>
+              </a:rPr>
+              <a:t>hút</a:t>
+            </a:r>
+            <a:endParaRPr lang="en-US" sz="2400" dirty="0">
+              <a:latin typeface="Bahnschrift SemiBold" panose="020B0502040204020203" pitchFamily="34" charset="0"/>
+            </a:endParaRPr>
+          </a:p>
+        </p:txBody>
+      </p:sp>
+      <p:sp>
+        <p:nvSpPr>
+          <p:cNvPr id="9" name="Rectangle: Rounded Corners 8">
+            <a:extLst>
+              <a:ext uri="{FF2B5EF4-FFF2-40B4-BE49-F238E27FC236}">
+                <a16:creationId xmlns:a16="http://schemas.microsoft.com/office/drawing/2014/main" id="{D3D307D5-F79A-86D1-967B-549F4FDE4BA7}"/>
+              </a:ext>
+            </a:extLst>
+          </p:cNvPr>
+          <p:cNvSpPr/>
+          <p:nvPr/>
+        </p:nvSpPr>
+        <p:spPr>
+          <a:xfrm>
+            <a:off x="6096000" y="2443286"/>
+            <a:ext cx="4929552" cy="437782"/>
+          </a:xfrm>
+          <a:prstGeom prst="roundRect">
+            <a:avLst/>
+          </a:prstGeom>
+        </p:spPr>
+        <p:style>
+          <a:lnRef idx="2">
+            <a:schemeClr val="accent1">
+              <a:shade val="15000"/>
+            </a:schemeClr>
+          </a:lnRef>
+          <a:fillRef idx="1">
+            <a:schemeClr val="accent1"/>
+          </a:fillRef>
+          <a:effectRef idx="0">
+            <a:schemeClr val="accent1"/>
+          </a:effectRef>
+          <a:fontRef idx="minor">
+            <a:schemeClr val="lt1"/>
+          </a:fontRef>
+        </p:style>
+        <p:txBody>
+          <a:bodyPr rtlCol="0" anchor="ctr"/>
+          <a:lstStyle/>
+          <a:p>
+            <a:pPr algn="ctr"/>
+            <a:r>
+              <a:rPr lang="en-US" sz="2400" dirty="0">
+                <a:latin typeface="Bahnschrift SemiBold" panose="020B0502040204020203" pitchFamily="34" charset="0"/>
+              </a:rPr>
+              <a:t>2 </a:t>
+            </a:r>
+            <a:r>
+              <a:rPr lang="en-US" sz="2400" dirty="0" err="1">
+                <a:latin typeface="Bahnschrift SemiBold" panose="020B0502040204020203" pitchFamily="34" charset="0"/>
+              </a:rPr>
+              <a:t>thử</a:t>
+            </a:r>
+            <a:r>
+              <a:rPr lang="en-US" sz="2400" dirty="0">
+                <a:latin typeface="Bahnschrift SemiBold" panose="020B0502040204020203" pitchFamily="34" charset="0"/>
+              </a:rPr>
+              <a:t> </a:t>
+            </a:r>
+            <a:r>
+              <a:rPr lang="en-US" sz="2400" dirty="0" err="1">
+                <a:latin typeface="Bahnschrift SemiBold" panose="020B0502040204020203" pitchFamily="34" charset="0"/>
+              </a:rPr>
+              <a:t>thách</a:t>
+            </a:r>
+            <a:r>
+              <a:rPr lang="en-US" sz="2400" dirty="0">
+                <a:latin typeface="Bahnschrift SemiBold" panose="020B0502040204020203" pitchFamily="34" charset="0"/>
+              </a:rPr>
+              <a:t>: </a:t>
+            </a:r>
+            <a:r>
+              <a:rPr lang="en-US" sz="2400" dirty="0" err="1">
+                <a:latin typeface="Bahnschrift SemiBold" panose="020B0502040204020203" pitchFamily="34" charset="0"/>
+              </a:rPr>
+              <a:t>phising</a:t>
+            </a:r>
+            <a:r>
+              <a:rPr lang="en-US" sz="2400" dirty="0">
+                <a:latin typeface="Bahnschrift SemiBold" panose="020B0502040204020203" pitchFamily="34" charset="0"/>
+              </a:rPr>
+              <a:t> </a:t>
+            </a:r>
+            <a:r>
+              <a:rPr lang="en-US" sz="2400" dirty="0" err="1">
+                <a:latin typeface="Bahnschrift SemiBold" panose="020B0502040204020203" pitchFamily="34" charset="0"/>
+              </a:rPr>
+              <a:t>và</a:t>
+            </a:r>
+            <a:r>
+              <a:rPr lang="en-US" sz="2400" dirty="0">
+                <a:latin typeface="Bahnschrift SemiBold" panose="020B0502040204020203" pitchFamily="34" charset="0"/>
+              </a:rPr>
+              <a:t> privacy</a:t>
+            </a:r>
+          </a:p>
+        </p:txBody>
+      </p:sp>
+      <p:sp>
+        <p:nvSpPr>
+          <p:cNvPr id="12" name="Rectangle 11">
+            <a:extLst>
+              <a:ext uri="{FF2B5EF4-FFF2-40B4-BE49-F238E27FC236}">
+                <a16:creationId xmlns:a16="http://schemas.microsoft.com/office/drawing/2014/main" id="{A40797D2-5EC5-CD88-7ABF-CBF924BE2F58}"/>
+              </a:ext>
+            </a:extLst>
+          </p:cNvPr>
+          <p:cNvSpPr/>
+          <p:nvPr/>
+        </p:nvSpPr>
+        <p:spPr>
+          <a:xfrm>
+            <a:off x="2022231" y="4783749"/>
+            <a:ext cx="2655275" cy="999026"/>
           </a:xfrm>
           <a:prstGeom prst="rect">
             <a:avLst/>
@@ -32155,24 +33141,24 @@
           <a:p>
             <a:pPr algn="ctr"/>
             <a:r>
-              <a:rPr lang="en-US" dirty="0" err="1">
+              <a:rPr lang="en-US" sz="3600" dirty="0" err="1">
                 <a:latin typeface="Bahnschrift SemiBold" panose="020B0502040204020203" pitchFamily="34" charset="0"/>
               </a:rPr>
-              <a:t>Truyền</a:t>
-            </a:r>
-            <a:r>
-              <a:rPr lang="en-US" dirty="0">
+              <a:t>Tương</a:t>
+            </a:r>
+            <a:r>
+              <a:rPr lang="en-US" sz="3600" dirty="0">
                 <a:latin typeface="Bahnschrift SemiBold" panose="020B0502040204020203" pitchFamily="34" charset="0"/>
               </a:rPr>
               <a:t> </a:t>
             </a:r>
             <a:r>
-              <a:rPr lang="en-US" dirty="0" err="1">
+              <a:rPr lang="en-US" sz="3600" dirty="0" err="1">
                 <a:latin typeface="Bahnschrift SemiBold" panose="020B0502040204020203" pitchFamily="34" charset="0"/>
               </a:rPr>
-              <a:t>thông</a:t>
-            </a:r>
-            <a:endParaRPr lang="en-US" dirty="0">
+              <a:t>lai</a:t>
+            </a:r>
+            <a:endParaRPr lang="en-US" sz="3600" dirty="0">
               <a:latin typeface="Bahnschrift SemiBold" panose="020B0502040204020203" pitchFamily="34" charset="0"/>
             </a:endParaRPr>
           </a:p>
@@ -32180,85 +33166,10 @@
       </p:sp>
       <p:sp>
         <p:nvSpPr>
-          <p:cNvPr id="10" name="TextBox 9">
+          <p:cNvPr id="18" name="Rectangle: Rounded Corners 17">
             <a:extLst>
               <a:ext uri="{FF2B5EF4-FFF2-40B4-BE49-F238E27FC236}">
-                <a16:creationId xmlns:a16="http://schemas.microsoft.com/office/drawing/2014/main" id="{0252791A-75C0-4B78-A38A-4CAF52A4B8A6}"/>
-              </a:ext>
-            </a:extLst>
-          </p:cNvPr>
-          <p:cNvSpPr txBox="1"/>
-          <p:nvPr/>
-        </p:nvSpPr>
-        <p:spPr>
-          <a:xfrm>
-            <a:off x="6965380" y="2377843"/>
-            <a:ext cx="4023054" cy="1323439"/>
-          </a:xfrm>
-          <a:prstGeom prst="rect">
-            <a:avLst/>
-          </a:prstGeom>
-          <a:noFill/>
-        </p:spPr>
-        <p:txBody>
-          <a:bodyPr wrap="square" rtlCol="0">
-            <a:spAutoFit/>
-          </a:bodyPr>
-          <a:lstStyle/>
-          <a:p>
-            <a:r>
-              <a:rPr lang="vi-VN" sz="2000" dirty="0">
-                <a:solidFill>
-                  <a:schemeClr val="accent3"/>
-                </a:solidFill>
-                <a:latin typeface="Bahnschrift SemiBold" panose="020B0502040204020203" pitchFamily="34" charset="0"/>
-              </a:rPr>
-              <a:t>Đăng thông tin về game lên các nền tảng mạng xã hội</a:t>
-            </a:r>
-            <a:r>
-              <a:rPr lang="en-US" sz="2000" dirty="0">
-                <a:solidFill>
-                  <a:schemeClr val="accent3"/>
-                </a:solidFill>
-                <a:latin typeface="Bahnschrift SemiBold" panose="020B0502040204020203" pitchFamily="34" charset="0"/>
-              </a:rPr>
-              <a:t>.</a:t>
-            </a:r>
-          </a:p>
-          <a:p>
-            <a:r>
-              <a:rPr lang="en-US" sz="2000" dirty="0">
-                <a:solidFill>
-                  <a:schemeClr val="accent3"/>
-                </a:solidFill>
-                <a:latin typeface="Bahnschrift SemiBold" panose="020B0502040204020203" pitchFamily="34" charset="0"/>
-              </a:rPr>
-              <a:t>N</a:t>
-            </a:r>
-            <a:r>
-              <a:rPr lang="vi-VN" sz="2000" dirty="0">
-                <a:solidFill>
-                  <a:schemeClr val="accent3"/>
-                </a:solidFill>
-                <a:latin typeface="Bahnschrift SemiBold" panose="020B0502040204020203" pitchFamily="34" charset="0"/>
-              </a:rPr>
-              <a:t>gười dùng để lại nhận xét, góp ý hoặc chia sẻ game với bạn bè.</a:t>
-            </a:r>
-            <a:endParaRPr lang="en-US" sz="2000" dirty="0">
-              <a:solidFill>
-                <a:schemeClr val="accent3"/>
-              </a:solidFill>
-              <a:latin typeface="Bahnschrift SemiBold" panose="020B0502040204020203" pitchFamily="34" charset="0"/>
-            </a:endParaRPr>
-          </a:p>
-        </p:txBody>
-      </p:sp>
-      <p:sp>
-        <p:nvSpPr>
-          <p:cNvPr id="11" name="Rectangle 10">
-            <a:extLst>
-              <a:ext uri="{FF2B5EF4-FFF2-40B4-BE49-F238E27FC236}">
-                <a16:creationId xmlns:a16="http://schemas.microsoft.com/office/drawing/2014/main" id="{43B93D68-615E-54AD-67BF-D453CA211F3B}"/>
+                <a16:creationId xmlns:a16="http://schemas.microsoft.com/office/drawing/2014/main" id="{FC536692-E040-DC2C-059F-6355CAC6BF37}"/>
               </a:ext>
             </a:extLst>
           </p:cNvPr>
@@ -32267,10 +33178,10 @@
         </p:nvSpPr>
         <p:spPr>
           <a:xfrm>
-            <a:off x="1084383" y="4203586"/>
-            <a:ext cx="2690446" cy="369332"/>
+            <a:off x="6095999" y="3173686"/>
+            <a:ext cx="4998099" cy="425574"/>
           </a:xfrm>
-          <a:prstGeom prst="rect">
+          <a:prstGeom prst="roundRect">
             <a:avLst/>
           </a:prstGeom>
         </p:spPr>
@@ -32296,30 +33207,30 @@
           <a:p>
             <a:pPr algn="ctr"/>
             <a:r>
-              <a:rPr lang="en-US" dirty="0">
+              <a:rPr lang="en-US" sz="2400" dirty="0">
                 <a:latin typeface="Bahnschrift SemiBold" panose="020B0502040204020203" pitchFamily="34" charset="0"/>
               </a:rPr>
-              <a:t>Page </a:t>
-            </a:r>
-            <a:r>
-              <a:rPr lang="en-US" dirty="0" err="1">
+              <a:t>Feedback </a:t>
+            </a:r>
+            <a:r>
+              <a:rPr lang="en-US" sz="2400" dirty="0" err="1">
                 <a:latin typeface="Bahnschrift SemiBold" panose="020B0502040204020203" pitchFamily="34" charset="0"/>
               </a:rPr>
-              <a:t>hỗ</a:t>
-            </a:r>
-            <a:r>
-              <a:rPr lang="en-US" dirty="0">
+              <a:t>cải</a:t>
+            </a:r>
+            <a:r>
+              <a:rPr lang="en-US" sz="2400" dirty="0">
                 <a:latin typeface="Bahnschrift SemiBold" panose="020B0502040204020203" pitchFamily="34" charset="0"/>
               </a:rPr>
               <a:t> </a:t>
             </a:r>
             <a:r>
-              <a:rPr lang="en-US" dirty="0" err="1">
+              <a:rPr lang="en-US" sz="2400" dirty="0" err="1">
                 <a:latin typeface="Bahnschrift SemiBold" panose="020B0502040204020203" pitchFamily="34" charset="0"/>
               </a:rPr>
-              <a:t>trợ</a:t>
-            </a:r>
-            <a:endParaRPr lang="en-US" dirty="0">
+              <a:t>thiện</a:t>
+            </a:r>
+            <a:endParaRPr lang="en-US" sz="2400" dirty="0">
               <a:latin typeface="Bahnschrift SemiBold" panose="020B0502040204020203" pitchFamily="34" charset="0"/>
             </a:endParaRPr>
           </a:p>
@@ -32327,167 +33238,10 @@
       </p:sp>
       <p:sp>
         <p:nvSpPr>
-          <p:cNvPr id="13" name="TextBox 12">
+          <p:cNvPr id="19" name="Rectangle: Rounded Corners 18">
             <a:extLst>
               <a:ext uri="{FF2B5EF4-FFF2-40B4-BE49-F238E27FC236}">
-                <a16:creationId xmlns:a16="http://schemas.microsoft.com/office/drawing/2014/main" id="{937EDD0E-7591-2D72-DE9A-708D54D542A7}"/>
-              </a:ext>
-            </a:extLst>
-          </p:cNvPr>
-          <p:cNvSpPr txBox="1"/>
-          <p:nvPr/>
-        </p:nvSpPr>
-        <p:spPr>
-          <a:xfrm>
-            <a:off x="1186962" y="4619891"/>
-            <a:ext cx="2690446" cy="1015663"/>
-          </a:xfrm>
-          <a:prstGeom prst="rect">
-            <a:avLst/>
-          </a:prstGeom>
-          <a:noFill/>
-        </p:spPr>
-        <p:txBody>
-          <a:bodyPr wrap="square" rtlCol="0">
-            <a:spAutoFit/>
-          </a:bodyPr>
-          <a:lstStyle/>
-          <a:p>
-            <a:r>
-              <a:rPr lang="en-US" sz="2000" dirty="0" err="1">
-                <a:solidFill>
-                  <a:schemeClr val="accent3"/>
-                </a:solidFill>
-                <a:latin typeface="Bahnschrift SemiBold" panose="020B0502040204020203" pitchFamily="34" charset="0"/>
-              </a:rPr>
-              <a:t>Sử</a:t>
-            </a:r>
-            <a:r>
-              <a:rPr lang="en-US" sz="2000" dirty="0">
-                <a:solidFill>
-                  <a:schemeClr val="accent3"/>
-                </a:solidFill>
-                <a:latin typeface="Bahnschrift SemiBold" panose="020B0502040204020203" pitchFamily="34" charset="0"/>
-              </a:rPr>
-              <a:t> </a:t>
-            </a:r>
-            <a:r>
-              <a:rPr lang="en-US" sz="2000" dirty="0" err="1">
-                <a:solidFill>
-                  <a:schemeClr val="accent3"/>
-                </a:solidFill>
-                <a:latin typeface="Bahnschrift SemiBold" panose="020B0502040204020203" pitchFamily="34" charset="0"/>
-              </a:rPr>
-              <a:t>dụng</a:t>
-            </a:r>
-            <a:r>
-              <a:rPr lang="en-US" sz="2000" dirty="0">
-                <a:solidFill>
-                  <a:schemeClr val="accent3"/>
-                </a:solidFill>
-                <a:latin typeface="Bahnschrift SemiBold" panose="020B0502040204020203" pitchFamily="34" charset="0"/>
-              </a:rPr>
-              <a:t> </a:t>
-            </a:r>
-            <a:r>
-              <a:rPr lang="en-US" sz="2000" dirty="0" err="1">
-                <a:solidFill>
-                  <a:schemeClr val="accent3"/>
-                </a:solidFill>
-                <a:latin typeface="Bahnschrift SemiBold" panose="020B0502040204020203" pitchFamily="34" charset="0"/>
-              </a:rPr>
-              <a:t>nhiều</a:t>
-            </a:r>
-            <a:r>
-              <a:rPr lang="en-US" sz="2000" dirty="0">
-                <a:solidFill>
-                  <a:schemeClr val="accent3"/>
-                </a:solidFill>
-                <a:latin typeface="Bahnschrift SemiBold" panose="020B0502040204020203" pitchFamily="34" charset="0"/>
-              </a:rPr>
-              <a:t> </a:t>
-            </a:r>
-            <a:r>
-              <a:rPr lang="en-US" sz="2000" dirty="0" err="1">
-                <a:solidFill>
-                  <a:schemeClr val="accent3"/>
-                </a:solidFill>
-                <a:latin typeface="Bahnschrift SemiBold" panose="020B0502040204020203" pitchFamily="34" charset="0"/>
-              </a:rPr>
-              <a:t>dạng</a:t>
-            </a:r>
-            <a:r>
-              <a:rPr lang="en-US" sz="2000" dirty="0">
-                <a:solidFill>
-                  <a:schemeClr val="accent3"/>
-                </a:solidFill>
-                <a:latin typeface="Bahnschrift SemiBold" panose="020B0502040204020203" pitchFamily="34" charset="0"/>
-              </a:rPr>
-              <a:t> </a:t>
-            </a:r>
-            <a:r>
-              <a:rPr lang="en-US" sz="2000" dirty="0" err="1">
-                <a:solidFill>
-                  <a:schemeClr val="accent3"/>
-                </a:solidFill>
-                <a:latin typeface="Bahnschrift SemiBold" panose="020B0502040204020203" pitchFamily="34" charset="0"/>
-              </a:rPr>
-              <a:t>mạng</a:t>
-            </a:r>
-            <a:r>
-              <a:rPr lang="en-US" sz="2000" dirty="0">
-                <a:solidFill>
-                  <a:schemeClr val="accent3"/>
-                </a:solidFill>
-                <a:latin typeface="Bahnschrift SemiBold" panose="020B0502040204020203" pitchFamily="34" charset="0"/>
-              </a:rPr>
-              <a:t> </a:t>
-            </a:r>
-            <a:r>
-              <a:rPr lang="en-US" sz="2000" dirty="0" err="1">
-                <a:solidFill>
-                  <a:schemeClr val="accent3"/>
-                </a:solidFill>
-                <a:latin typeface="Bahnschrift SemiBold" panose="020B0502040204020203" pitchFamily="34" charset="0"/>
-              </a:rPr>
-              <a:t>xã</a:t>
-            </a:r>
-            <a:r>
-              <a:rPr lang="en-US" sz="2000" dirty="0">
-                <a:solidFill>
-                  <a:schemeClr val="accent3"/>
-                </a:solidFill>
-                <a:latin typeface="Bahnschrift SemiBold" panose="020B0502040204020203" pitchFamily="34" charset="0"/>
-              </a:rPr>
-              <a:t> </a:t>
-            </a:r>
-            <a:r>
-              <a:rPr lang="en-US" sz="2000" dirty="0" err="1">
-                <a:solidFill>
-                  <a:schemeClr val="accent3"/>
-                </a:solidFill>
-                <a:latin typeface="Bahnschrift SemiBold" panose="020B0502040204020203" pitchFamily="34" charset="0"/>
-              </a:rPr>
-              <a:t>hội</a:t>
-            </a:r>
-            <a:r>
-              <a:rPr lang="en-US" sz="2000" dirty="0">
-                <a:solidFill>
-                  <a:schemeClr val="accent3"/>
-                </a:solidFill>
-                <a:latin typeface="Bahnschrift SemiBold" panose="020B0502040204020203" pitchFamily="34" charset="0"/>
-              </a:rPr>
-              <a:t>: Facebook, Twitter,…</a:t>
-            </a:r>
-          </a:p>
-        </p:txBody>
-      </p:sp>
-      <p:sp>
-        <p:nvSpPr>
-          <p:cNvPr id="14" name="Rectangle 13">
-            <a:extLst>
-              <a:ext uri="{FF2B5EF4-FFF2-40B4-BE49-F238E27FC236}">
-                <a16:creationId xmlns:a16="http://schemas.microsoft.com/office/drawing/2014/main" id="{6343253B-43E1-A8E2-8B49-26AB0C7B1367}"/>
+                <a16:creationId xmlns:a16="http://schemas.microsoft.com/office/drawing/2014/main" id="{F4181D59-EFC5-B18A-CC07-D9CA1DB1B795}"/>
               </a:ext>
             </a:extLst>
           </p:cNvPr>
@@ -32496,10 +33250,10 @@
         </p:nvSpPr>
         <p:spPr>
           <a:xfrm>
-            <a:off x="4865079" y="4203586"/>
-            <a:ext cx="2690446" cy="369332"/>
+            <a:off x="8958703" y="4309148"/>
+            <a:ext cx="2620108" cy="692094"/>
           </a:xfrm>
-          <a:prstGeom prst="rect">
+          <a:prstGeom prst="roundRect">
             <a:avLst/>
           </a:prstGeom>
         </p:spPr>
@@ -32525,24 +33279,18 @@
           <a:p>
             <a:pPr algn="ctr"/>
             <a:r>
-              <a:rPr lang="en-US" dirty="0" err="1">
+              <a:rPr lang="en-US" sz="2400" dirty="0">
                 <a:latin typeface="Bahnschrift SemiBold" panose="020B0502040204020203" pitchFamily="34" charset="0"/>
               </a:rPr>
-              <a:t>Ứng</a:t>
-            </a:r>
-            <a:r>
-              <a:rPr lang="en-US" dirty="0">
+              <a:t>landing page </a:t>
+            </a:r>
+            <a:r>
+              <a:rPr lang="en-US" sz="2400" dirty="0" err="1">
                 <a:latin typeface="Bahnschrift SemiBold" panose="020B0502040204020203" pitchFamily="34" charset="0"/>
               </a:rPr>
-              <a:t> </a:t>
-            </a:r>
-            <a:r>
-              <a:rPr lang="en-US" dirty="0" err="1">
-                <a:latin typeface="Bahnschrift SemiBold" panose="020B0502040204020203" pitchFamily="34" charset="0"/>
-              </a:rPr>
-              <a:t>dụng</a:t>
-            </a:r>
-            <a:endParaRPr lang="en-US" dirty="0">
+              <a:t>riêng</a:t>
+            </a:r>
+            <a:endParaRPr lang="en-US" sz="2400" dirty="0">
               <a:latin typeface="Bahnschrift SemiBold" panose="020B0502040204020203" pitchFamily="34" charset="0"/>
             </a:endParaRPr>
           </a:p>
@@ -32550,221 +33298,10 @@
       </p:sp>
       <p:sp>
         <p:nvSpPr>
-          <p:cNvPr id="15" name="TextBox 14">
+          <p:cNvPr id="20" name="Rectangle: Rounded Corners 19">
             <a:extLst>
               <a:ext uri="{FF2B5EF4-FFF2-40B4-BE49-F238E27FC236}">
-                <a16:creationId xmlns:a16="http://schemas.microsoft.com/office/drawing/2014/main" id="{CB3DF9B0-A62E-4C5D-695A-162B24E2219D}"/>
-              </a:ext>
-            </a:extLst>
-          </p:cNvPr>
-          <p:cNvSpPr txBox="1"/>
-          <p:nvPr/>
-        </p:nvSpPr>
-        <p:spPr>
-          <a:xfrm>
-            <a:off x="4933961" y="4619891"/>
-            <a:ext cx="2690446" cy="1323439"/>
-          </a:xfrm>
-          <a:prstGeom prst="rect">
-            <a:avLst/>
-          </a:prstGeom>
-          <a:noFill/>
-        </p:spPr>
-        <p:txBody>
-          <a:bodyPr wrap="square" rtlCol="0">
-            <a:spAutoFit/>
-          </a:bodyPr>
-          <a:lstStyle/>
-          <a:p>
-            <a:r>
-              <a:rPr lang="en-US" sz="2000" dirty="0" err="1">
-                <a:solidFill>
-                  <a:schemeClr val="accent3"/>
-                </a:solidFill>
-                <a:latin typeface="Bahnschrift SemiBold" panose="020B0502040204020203" pitchFamily="34" charset="0"/>
-              </a:rPr>
-              <a:t>Đăng</a:t>
-            </a:r>
-            <a:r>
-              <a:rPr lang="en-US" sz="2000" dirty="0">
-                <a:solidFill>
-                  <a:schemeClr val="accent3"/>
-                </a:solidFill>
-                <a:latin typeface="Bahnschrift SemiBold" panose="020B0502040204020203" pitchFamily="34" charset="0"/>
-              </a:rPr>
-              <a:t> </a:t>
-            </a:r>
-            <a:r>
-              <a:rPr lang="en-US" sz="2000" dirty="0" err="1">
-                <a:solidFill>
-                  <a:schemeClr val="accent3"/>
-                </a:solidFill>
-                <a:latin typeface="Bahnschrift SemiBold" panose="020B0502040204020203" pitchFamily="34" charset="0"/>
-              </a:rPr>
-              <a:t>sản</a:t>
-            </a:r>
-            <a:r>
-              <a:rPr lang="en-US" sz="2000" dirty="0">
-                <a:solidFill>
-                  <a:schemeClr val="accent3"/>
-                </a:solidFill>
-                <a:latin typeface="Bahnschrift SemiBold" panose="020B0502040204020203" pitchFamily="34" charset="0"/>
-              </a:rPr>
-              <a:t> </a:t>
-            </a:r>
-            <a:r>
-              <a:rPr lang="en-US" sz="2000" dirty="0" err="1">
-                <a:solidFill>
-                  <a:schemeClr val="accent3"/>
-                </a:solidFill>
-                <a:latin typeface="Bahnschrift SemiBold" panose="020B0502040204020203" pitchFamily="34" charset="0"/>
-              </a:rPr>
-              <a:t>phẩm</a:t>
-            </a:r>
-            <a:r>
-              <a:rPr lang="en-US" sz="2000" dirty="0">
-                <a:solidFill>
-                  <a:schemeClr val="accent3"/>
-                </a:solidFill>
-                <a:latin typeface="Bahnschrift SemiBold" panose="020B0502040204020203" pitchFamily="34" charset="0"/>
-              </a:rPr>
-              <a:t> </a:t>
-            </a:r>
-            <a:r>
-              <a:rPr lang="en-US" sz="2000" dirty="0" err="1">
-                <a:solidFill>
-                  <a:schemeClr val="accent3"/>
-                </a:solidFill>
-                <a:latin typeface="Bahnschrift SemiBold" panose="020B0502040204020203" pitchFamily="34" charset="0"/>
-              </a:rPr>
-              <a:t>lên</a:t>
-            </a:r>
-            <a:r>
-              <a:rPr lang="en-US" sz="2000" dirty="0">
-                <a:solidFill>
-                  <a:schemeClr val="accent3"/>
-                </a:solidFill>
-                <a:latin typeface="Bahnschrift SemiBold" panose="020B0502040204020203" pitchFamily="34" charset="0"/>
-              </a:rPr>
-              <a:t> </a:t>
-            </a:r>
-            <a:r>
-              <a:rPr lang="en-US" sz="2000" dirty="0" err="1">
-                <a:solidFill>
-                  <a:schemeClr val="accent3"/>
-                </a:solidFill>
-                <a:latin typeface="Bahnschrift SemiBold" panose="020B0502040204020203" pitchFamily="34" charset="0"/>
-              </a:rPr>
-              <a:t>các</a:t>
-            </a:r>
-            <a:r>
-              <a:rPr lang="en-US" sz="2000" dirty="0">
-                <a:solidFill>
-                  <a:schemeClr val="accent3"/>
-                </a:solidFill>
-                <a:latin typeface="Bahnschrift SemiBold" panose="020B0502040204020203" pitchFamily="34" charset="0"/>
-              </a:rPr>
-              <a:t> </a:t>
-            </a:r>
-            <a:r>
-              <a:rPr lang="en-US" sz="2000" dirty="0" err="1">
-                <a:solidFill>
-                  <a:schemeClr val="accent3"/>
-                </a:solidFill>
-                <a:latin typeface="Bahnschrift SemiBold" panose="020B0502040204020203" pitchFamily="34" charset="0"/>
-              </a:rPr>
-              <a:t>cửa</a:t>
-            </a:r>
-            <a:r>
-              <a:rPr lang="en-US" sz="2000" dirty="0">
-                <a:solidFill>
-                  <a:schemeClr val="accent3"/>
-                </a:solidFill>
-                <a:latin typeface="Bahnschrift SemiBold" panose="020B0502040204020203" pitchFamily="34" charset="0"/>
-              </a:rPr>
-              <a:t> </a:t>
-            </a:r>
-            <a:r>
-              <a:rPr lang="en-US" sz="2000" dirty="0" err="1">
-                <a:solidFill>
-                  <a:schemeClr val="accent3"/>
-                </a:solidFill>
-                <a:latin typeface="Bahnschrift SemiBold" panose="020B0502040204020203" pitchFamily="34" charset="0"/>
-              </a:rPr>
-              <a:t>hàng</a:t>
-            </a:r>
-            <a:r>
-              <a:rPr lang="en-US" sz="2000" dirty="0">
-                <a:solidFill>
-                  <a:schemeClr val="accent3"/>
-                </a:solidFill>
-                <a:latin typeface="Bahnschrift SemiBold" panose="020B0502040204020203" pitchFamily="34" charset="0"/>
-              </a:rPr>
-              <a:t> </a:t>
-            </a:r>
-            <a:r>
-              <a:rPr lang="en-US" sz="2000" dirty="0" err="1">
-                <a:solidFill>
-                  <a:schemeClr val="accent3"/>
-                </a:solidFill>
-                <a:latin typeface="Bahnschrift SemiBold" panose="020B0502040204020203" pitchFamily="34" charset="0"/>
-              </a:rPr>
-              <a:t>ứng</a:t>
-            </a:r>
-            <a:r>
-              <a:rPr lang="en-US" sz="2000" dirty="0">
-                <a:solidFill>
-                  <a:schemeClr val="accent3"/>
-                </a:solidFill>
-                <a:latin typeface="Bahnschrift SemiBold" panose="020B0502040204020203" pitchFamily="34" charset="0"/>
-              </a:rPr>
-              <a:t> </a:t>
-            </a:r>
-            <a:r>
-              <a:rPr lang="en-US" sz="2000" dirty="0" err="1">
-                <a:solidFill>
-                  <a:schemeClr val="accent3"/>
-                </a:solidFill>
-                <a:latin typeface="Bahnschrift SemiBold" panose="020B0502040204020203" pitchFamily="34" charset="0"/>
-              </a:rPr>
-              <a:t>dụng</a:t>
-            </a:r>
-            <a:r>
-              <a:rPr lang="en-US" sz="2000" dirty="0">
-                <a:solidFill>
-                  <a:schemeClr val="accent3"/>
-                </a:solidFill>
-                <a:latin typeface="Bahnschrift SemiBold" panose="020B0502040204020203" pitchFamily="34" charset="0"/>
-              </a:rPr>
-              <a:t> </a:t>
-            </a:r>
-            <a:r>
-              <a:rPr lang="en-US" sz="2000" dirty="0" err="1">
-                <a:solidFill>
-                  <a:schemeClr val="accent3"/>
-                </a:solidFill>
-                <a:latin typeface="Bahnschrift SemiBold" panose="020B0502040204020203" pitchFamily="34" charset="0"/>
-              </a:rPr>
-              <a:t>ngoài</a:t>
-            </a:r>
-            <a:r>
-              <a:rPr lang="en-US" sz="2000" dirty="0">
-                <a:solidFill>
-                  <a:schemeClr val="accent3"/>
-                </a:solidFill>
-                <a:latin typeface="Bahnschrift SemiBold" panose="020B0502040204020203" pitchFamily="34" charset="0"/>
-              </a:rPr>
-              <a:t> Google Play, Steam</a:t>
-            </a:r>
-          </a:p>
-        </p:txBody>
-      </p:sp>
-      <p:sp>
-        <p:nvSpPr>
-          <p:cNvPr id="16" name="Rectangle 15">
-            <a:extLst>
-              <a:ext uri="{FF2B5EF4-FFF2-40B4-BE49-F238E27FC236}">
-                <a16:creationId xmlns:a16="http://schemas.microsoft.com/office/drawing/2014/main" id="{DB937EA0-1F1A-35C5-2D3D-35E043D7BEBA}"/>
+                <a16:creationId xmlns:a16="http://schemas.microsoft.com/office/drawing/2014/main" id="{F2371398-82D4-D6DA-BB18-128E6A1FAA6C}"/>
               </a:ext>
             </a:extLst>
           </p:cNvPr>
@@ -32773,10 +33310,10 @@
         </p:nvSpPr>
         <p:spPr>
           <a:xfrm>
-            <a:off x="8311663" y="4203586"/>
-            <a:ext cx="2690446" cy="369332"/>
+            <a:off x="6021356" y="4308261"/>
+            <a:ext cx="2620107" cy="692095"/>
           </a:xfrm>
-          <a:prstGeom prst="rect">
+          <a:prstGeom prst="roundRect">
             <a:avLst/>
           </a:prstGeom>
         </p:spPr>
@@ -32802,175 +33339,225 @@
           <a:p>
             <a:pPr algn="ctr"/>
             <a:r>
-              <a:rPr lang="en-US" dirty="0" err="1">
+              <a:rPr lang="en-US" sz="2400" dirty="0" err="1">
                 <a:latin typeface="Bahnschrift SemiBold" panose="020B0502040204020203" pitchFamily="34" charset="0"/>
               </a:rPr>
-              <a:t>Gói</a:t>
-            </a:r>
-            <a:endParaRPr lang="en-US" dirty="0">
-              <a:latin typeface="Bahnschrift SemiBold" panose="020B0502040204020203" pitchFamily="34" charset="0"/>
-            </a:endParaRPr>
+              <a:t>Nội</a:t>
+            </a:r>
+            <a:r>
+              <a:rPr lang="en-US" sz="2400" dirty="0">
+                <a:latin typeface="Bahnschrift SemiBold" panose="020B0502040204020203" pitchFamily="34" charset="0"/>
+              </a:rPr>
+              <a:t> dung </a:t>
+            </a:r>
+            <a:r>
+              <a:rPr lang="en-US" sz="2400" dirty="0" err="1">
+                <a:latin typeface="Bahnschrift SemiBold" panose="020B0502040204020203" pitchFamily="34" charset="0"/>
+              </a:rPr>
+              <a:t>chuyên</a:t>
+            </a:r>
+            <a:r>
+              <a:rPr lang="en-US" sz="2400" dirty="0">
+                <a:latin typeface="Bahnschrift SemiBold" panose="020B0502040204020203" pitchFamily="34" charset="0"/>
+              </a:rPr>
+              <a:t> </a:t>
+            </a:r>
+            <a:r>
+              <a:rPr lang="en-US" sz="2400" dirty="0" err="1">
+                <a:latin typeface="Bahnschrift SemiBold" panose="020B0502040204020203" pitchFamily="34" charset="0"/>
+              </a:rPr>
+              <a:t>sâu</a:t>
+            </a:r>
+            <a:r>
+              <a:rPr lang="en-US" sz="2400" dirty="0">
+                <a:latin typeface="Bahnschrift SemiBold" panose="020B0502040204020203" pitchFamily="34" charset="0"/>
+              </a:rPr>
+              <a:t> </a:t>
+            </a:r>
+            <a:r>
+              <a:rPr lang="en-US" sz="2400" dirty="0" err="1">
+                <a:latin typeface="Bahnschrift SemiBold" panose="020B0502040204020203" pitchFamily="34" charset="0"/>
+              </a:rPr>
+              <a:t>hơn</a:t>
+            </a:r>
+            <a:r>
+              <a:rPr lang="en-US" sz="2400" dirty="0">
+                <a:latin typeface="Bahnschrift SemiBold" panose="020B0502040204020203" pitchFamily="34" charset="0"/>
+              </a:rPr>
+              <a:t> </a:t>
+            </a:r>
           </a:p>
         </p:txBody>
       </p:sp>
       <p:sp>
         <p:nvSpPr>
-          <p:cNvPr id="17" name="TextBox 16">
+          <p:cNvPr id="21" name="Rectangle: Rounded Corners 20">
             <a:extLst>
               <a:ext uri="{FF2B5EF4-FFF2-40B4-BE49-F238E27FC236}">
-                <a16:creationId xmlns:a16="http://schemas.microsoft.com/office/drawing/2014/main" id="{DE78477B-EEE5-88C3-12F5-06A99E35967B}"/>
+                <a16:creationId xmlns:a16="http://schemas.microsoft.com/office/drawing/2014/main" id="{0FDA0BD6-2D2E-0987-147E-A7CCD76B2F2B}"/>
               </a:ext>
             </a:extLst>
           </p:cNvPr>
-          <p:cNvSpPr txBox="1"/>
+          <p:cNvSpPr/>
           <p:nvPr/>
         </p:nvSpPr>
         <p:spPr>
           <a:xfrm>
-            <a:off x="8311663" y="4619891"/>
-            <a:ext cx="2690446" cy="1015663"/>
+            <a:off x="7207001" y="5225163"/>
+            <a:ext cx="3663161" cy="1207326"/>
           </a:xfrm>
-          <a:prstGeom prst="rect">
+          <a:prstGeom prst="roundRect">
             <a:avLst/>
           </a:prstGeom>
-          <a:noFill/>
         </p:spPr>
+        <p:style>
+          <a:lnRef idx="2">
+            <a:schemeClr val="accent1">
+              <a:shade val="15000"/>
+            </a:schemeClr>
+          </a:lnRef>
+          <a:fillRef idx="1">
+            <a:schemeClr val="accent1"/>
+          </a:fillRef>
+          <a:effectRef idx="0">
+            <a:schemeClr val="accent1"/>
+          </a:effectRef>
+          <a:fontRef idx="minor">
+            <a:schemeClr val="lt1"/>
+          </a:fontRef>
+        </p:style>
         <p:txBody>
-          <a:bodyPr wrap="square" rtlCol="0">
-            <a:spAutoFit/>
-          </a:bodyPr>
+          <a:bodyPr rtlCol="0" anchor="ctr"/>
           <a:lstStyle/>
           <a:p>
-            <a:r>
-              <a:rPr lang="en-US" sz="2000" dirty="0">
-                <a:solidFill>
-                  <a:schemeClr val="accent3"/>
-                </a:solidFill>
+            <a:pPr algn="ctr"/>
+            <a:r>
+              <a:rPr lang="en-US" sz="2400" dirty="0" err="1">
                 <a:latin typeface="Bahnschrift SemiBold" panose="020B0502040204020203" pitchFamily="34" charset="0"/>
               </a:rPr>
-              <a:t>T</a:t>
-            </a:r>
-            <a:r>
-              <a:rPr lang="vi-VN" sz="2000" dirty="0">
-                <a:solidFill>
-                  <a:schemeClr val="accent3"/>
-                </a:solidFill>
+              <a:t>Tích</a:t>
+            </a:r>
+            <a:r>
+              <a:rPr lang="en-US" sz="2400" dirty="0">
                 <a:latin typeface="Bahnschrift SemiBold" panose="020B0502040204020203" pitchFamily="34" charset="0"/>
               </a:rPr>
-              <a:t>hiết kế các gói cao cấp cho game </a:t>
-            </a:r>
-            <a:r>
-              <a:rPr lang="en-US" sz="2000" dirty="0" err="1">
-                <a:solidFill>
-                  <a:schemeClr val="accent3"/>
-                </a:solidFill>
+              <a:t> </a:t>
+            </a:r>
+            <a:r>
+              <a:rPr lang="en-US" sz="2400" dirty="0" err="1">
                 <a:latin typeface="Bahnschrift SemiBold" panose="020B0502040204020203" pitchFamily="34" charset="0"/>
               </a:rPr>
-              <a:t>cho</a:t>
-            </a:r>
-            <a:r>
-              <a:rPr lang="en-US" sz="2000" dirty="0">
-                <a:solidFill>
-                  <a:schemeClr val="accent3"/>
-                </a:solidFill>
+              <a:t>hợp</a:t>
+            </a:r>
+            <a:r>
+              <a:rPr lang="en-US" sz="2400" dirty="0">
                 <a:latin typeface="Bahnschrift SemiBold" panose="020B0502040204020203" pitchFamily="34" charset="0"/>
               </a:rPr>
               <a:t> </a:t>
             </a:r>
             <a:r>
-              <a:rPr lang="en-US" sz="2000" dirty="0" err="1">
-                <a:solidFill>
-                  <a:schemeClr val="accent3"/>
-                </a:solidFill>
+              <a:rPr lang="en-US" sz="2400" dirty="0" err="1">
                 <a:latin typeface="Bahnschrift SemiBold" panose="020B0502040204020203" pitchFamily="34" charset="0"/>
               </a:rPr>
-              <a:t>trải</a:t>
-            </a:r>
-            <a:r>
-              <a:rPr lang="en-US" sz="2000" dirty="0">
-                <a:solidFill>
-                  <a:schemeClr val="accent3"/>
-                </a:solidFill>
+              <a:t>đa</a:t>
+            </a:r>
+            <a:r>
+              <a:rPr lang="en-US" sz="2400" dirty="0">
                 <a:latin typeface="Bahnschrift SemiBold" panose="020B0502040204020203" pitchFamily="34" charset="0"/>
               </a:rPr>
               <a:t> </a:t>
             </a:r>
             <a:r>
-              <a:rPr lang="en-US" sz="2000" dirty="0" err="1">
-                <a:solidFill>
-                  <a:schemeClr val="accent3"/>
-                </a:solidFill>
+              <a:rPr lang="en-US" sz="2400" dirty="0" err="1">
                 <a:latin typeface="Bahnschrift SemiBold" panose="020B0502040204020203" pitchFamily="34" charset="0"/>
               </a:rPr>
-              <a:t>nghiệm</a:t>
-            </a:r>
-            <a:r>
-              <a:rPr lang="en-US" sz="2000" dirty="0">
-                <a:solidFill>
-                  <a:schemeClr val="accent3"/>
-                </a:solidFill>
+              <a:t>dạng</a:t>
+            </a:r>
+            <a:r>
+              <a:rPr lang="en-US" sz="2400" dirty="0">
                 <a:latin typeface="Bahnschrift SemiBold" panose="020B0502040204020203" pitchFamily="34" charset="0"/>
               </a:rPr>
               <a:t> </a:t>
             </a:r>
             <a:r>
-              <a:rPr lang="en-US" sz="2000" dirty="0" err="1">
-                <a:solidFill>
-                  <a:schemeClr val="accent3"/>
-                </a:solidFill>
+              <a:rPr lang="en-US" sz="2400" dirty="0" err="1">
                 <a:latin typeface="Bahnschrift SemiBold" panose="020B0502040204020203" pitchFamily="34" charset="0"/>
               </a:rPr>
-              <a:t>đầy</a:t>
-            </a:r>
-            <a:r>
-              <a:rPr lang="en-US" sz="2000" dirty="0">
-                <a:solidFill>
-                  <a:schemeClr val="accent3"/>
-                </a:solidFill>
+              <a:t>các</a:t>
+            </a:r>
+            <a:r>
+              <a:rPr lang="en-US" sz="2400" dirty="0">
                 <a:latin typeface="Bahnschrift SemiBold" panose="020B0502040204020203" pitchFamily="34" charset="0"/>
               </a:rPr>
               <a:t> </a:t>
             </a:r>
             <a:r>
-              <a:rPr lang="en-US" sz="2000" dirty="0" err="1">
-                <a:solidFill>
-                  <a:schemeClr val="accent3"/>
-                </a:solidFill>
+              <a:rPr lang="en-US" sz="2400" dirty="0" err="1">
                 <a:latin typeface="Bahnschrift SemiBold" panose="020B0502040204020203" pitchFamily="34" charset="0"/>
               </a:rPr>
-              <a:t>đủ</a:t>
-            </a:r>
-            <a:r>
-              <a:rPr lang="en-US" sz="2000" dirty="0">
-                <a:solidFill>
-                  <a:schemeClr val="accent3"/>
-                </a:solidFill>
+              <a:t>nền</a:t>
+            </a:r>
+            <a:r>
+              <a:rPr lang="en-US" sz="2400" dirty="0">
                 <a:latin typeface="Bahnschrift SemiBold" panose="020B0502040204020203" pitchFamily="34" charset="0"/>
               </a:rPr>
               <a:t> </a:t>
             </a:r>
             <a:r>
-              <a:rPr lang="en-US" sz="2000" dirty="0" err="1">
-                <a:solidFill>
-                  <a:schemeClr val="accent3"/>
-                </a:solidFill>
+              <a:rPr lang="en-US" sz="2400" dirty="0" err="1">
                 <a:latin typeface="Bahnschrift SemiBold" panose="020B0502040204020203" pitchFamily="34" charset="0"/>
               </a:rPr>
-              <a:t>hơn</a:t>
-            </a:r>
-            <a:endParaRPr lang="en-US" sz="2000" dirty="0">
-              <a:solidFill>
-                <a:schemeClr val="accent3"/>
-              </a:solidFill>
-              <a:latin typeface="Bahnschrift SemiBold" panose="020B0502040204020203" pitchFamily="34" charset="0"/>
-            </a:endParaRPr>
+              <a:t>tảng</a:t>
+            </a:r>
+            <a:r>
+              <a:rPr lang="en-US" sz="2400" dirty="0">
+                <a:latin typeface="Bahnschrift SemiBold" panose="020B0502040204020203" pitchFamily="34" charset="0"/>
+              </a:rPr>
+              <a:t> </a:t>
+            </a:r>
+            <a:r>
+              <a:rPr lang="en-US" sz="2400" dirty="0" err="1">
+                <a:latin typeface="Bahnschrift SemiBold" panose="020B0502040204020203" pitchFamily="34" charset="0"/>
+              </a:rPr>
+              <a:t>đặc</a:t>
+            </a:r>
+            <a:r>
+              <a:rPr lang="en-US" sz="2400" dirty="0">
+                <a:latin typeface="Bahnschrift SemiBold" panose="020B0502040204020203" pitchFamily="34" charset="0"/>
+              </a:rPr>
+              <a:t> </a:t>
+            </a:r>
+            <a:r>
+              <a:rPr lang="en-US" sz="2400" dirty="0" err="1">
+                <a:latin typeface="Bahnschrift SemiBold" panose="020B0502040204020203" pitchFamily="34" charset="0"/>
+              </a:rPr>
+              <a:t>biệt</a:t>
+            </a:r>
+            <a:r>
+              <a:rPr lang="en-US" sz="2400" dirty="0">
+                <a:latin typeface="Bahnschrift SemiBold" panose="020B0502040204020203" pitchFamily="34" charset="0"/>
+              </a:rPr>
+              <a:t> </a:t>
+            </a:r>
+            <a:r>
+              <a:rPr lang="en-US" sz="2400" dirty="0" err="1">
+                <a:latin typeface="Bahnschrift SemiBold" panose="020B0502040204020203" pitchFamily="34" charset="0"/>
+              </a:rPr>
+              <a:t>là</a:t>
+            </a:r>
+            <a:r>
+              <a:rPr lang="en-US" sz="2400" dirty="0">
+                <a:latin typeface="Bahnschrift SemiBold" panose="020B0502040204020203" pitchFamily="34" charset="0"/>
+              </a:rPr>
+              <a:t> android</a:t>
+            </a:r>
           </a:p>
         </p:txBody>
       </p:sp>
     </p:spTree>
     <p:extLst>
       <p:ext uri="{BB962C8B-B14F-4D97-AF65-F5344CB8AC3E}">
-        <p14:creationId xmlns:p14="http://schemas.microsoft.com/office/powerpoint/2010/main" val="3224599948"/>
+        <p14:creationId xmlns:p14="http://schemas.microsoft.com/office/powerpoint/2010/main" val="1367104958"/>
       </p:ext>
     </p:extLst>
   </p:cSld>
